--- a/doc/foxpath.pptx
+++ b/doc/foxpath.pptx
@@ -5,10 +5,10 @@
     <p:sldMasterId id="2147483710" r:id="rId1"/>
   </p:sldMasterIdLst>
   <p:notesMasterIdLst>
-    <p:notesMasterId r:id="rId30"/>
+    <p:notesMasterId r:id="rId31"/>
   </p:notesMasterIdLst>
   <p:handoutMasterIdLst>
-    <p:handoutMasterId r:id="rId31"/>
+    <p:handoutMasterId r:id="rId32"/>
   </p:handoutMasterIdLst>
   <p:sldIdLst>
     <p:sldId id="925" r:id="rId2"/>
@@ -36,9 +36,10 @@
     <p:sldId id="961" r:id="rId24"/>
     <p:sldId id="978" r:id="rId25"/>
     <p:sldId id="976" r:id="rId26"/>
-    <p:sldId id="975" r:id="rId27"/>
-    <p:sldId id="979" r:id="rId28"/>
-    <p:sldId id="965" r:id="rId29"/>
+    <p:sldId id="985" r:id="rId27"/>
+    <p:sldId id="987" r:id="rId28"/>
+    <p:sldId id="986" r:id="rId29"/>
+    <p:sldId id="965" r:id="rId30"/>
   </p:sldIdLst>
   <p:sldSz cx="9144000" cy="6858000" type="screen4x3"/>
   <p:notesSz cx="6858000" cy="9945688"/>
@@ -1957,7 +1958,7 @@
           <a:p>
             <a:r>
               <a:rPr lang="de-DE" dirty="0" smtClean="0"/>
-              <a:t>The power of XPath relies on a library of built-in functions. FOXpath supports all XPath functions, plus a few additional functions believed to be especially useful when navigating and</a:t>
+              <a:t>The power of XPath relies on a standard ibrary of built-in functions. FOXpath supports all XPath functions, plus a few additional functions believed to be especially useful when navigating and</a:t>
             </a:r>
             <a:r>
               <a:rPr lang="de-DE" baseline="0" dirty="0" smtClean="0"/>
@@ -2929,11 +2930,11 @@
           <a:p>
             <a:r>
               <a:rPr lang="de-DE" dirty="0" smtClean="0"/>
-              <a:t>As you remember, the fox axis step combines a fox axis with a fox name test. The complete implementation can be built upon </a:t>
+              <a:t>As you remember, the fox axis step combines a fox axis with a fox name test. A complete implementation can be built upon </a:t>
             </a:r>
             <a:r>
               <a:rPr lang="de-DE" baseline="0" dirty="0" smtClean="0"/>
-              <a:t>navigation primitives, two in principle, and three when we want to ensure efficiency.  These primitives are functions mapping an input URI to output URIs – child URIs, descendant URIs and the root URI. Note that the nature of the resource tree – physical file system, SVN repository, etc. – is completely hidden behind these functions. FOXpath can support any type of resource tree, for which implementations of these primitives are available.</a:t>
+              <a:t>navigation primitives, three functions mapping an input URI to output URIs – root, child and descendant URIs. The functions constitute a sufficient interface to the tree, as far as navigation is concerned. This interface completely hides the nature of the resource tree – physical file system, SVN repository, etc. In principle, FOXpath can navigate any type of resource tree, for which implementations of these three navigation primitives are available.</a:t>
             </a:r>
             <a:endParaRPr lang="de-DE" dirty="0"/>
           </a:p>
@@ -3025,15 +3026,32 @@
           <a:bodyPr/>
           <a:lstStyle/>
           <a:p>
+            <a:pPr marL="0" marR="0" lvl="0" indent="0" algn="l" defTabSz="914400" rtl="0" eaLnBrk="0" fontAlgn="base" latinLnBrk="0" hangingPunct="0">
+              <a:lnSpc>
+                <a:spcPct val="100000"/>
+              </a:lnSpc>
+              <a:spcBef>
+                <a:spcPct val="30000"/>
+              </a:spcBef>
+              <a:spcAft>
+                <a:spcPct val="0"/>
+              </a:spcAft>
+              <a:buClrTx/>
+              <a:buSzTx/>
+              <a:buFontTx/>
+              <a:buNone/>
+              <a:tabLst/>
+              <a:defRPr/>
+            </a:pPr>
             <a:r>
               <a:rPr lang="de-DE" dirty="0" smtClean="0"/>
               <a:t>What is more: FOXpath can</a:t>
             </a:r>
             <a:r>
               <a:rPr lang="de-DE" baseline="0" dirty="0" smtClean="0"/>
-              <a:t> support in parallel any number of resource tree types. Any resource tree type can be included which meets the following conditions: (a) there is an implementation of the three navigation primitives available, (b) any URI can be mapped to the type of resource tree to which it belongs. (For example, file system, REST service and SVN URIs can be distinguished.) This amounts to a fourth primitive, a higher order function which maps any URI to the appropriate instances of the other primitives.</a:t>
-            </a:r>
-            <a:endParaRPr lang="de-DE" dirty="0"/>
+              <a:t> support in parallel any number of resource tree types. This presupposes that for a given URI, the type of containing resource tree can be determined. If this is the case, for a given context URI, the appropriate instances of the navigation primitives can be selected and the fox axis step can be executed.</a:t>
+            </a:r>
+            <a:endParaRPr lang="de-DE" dirty="0" smtClean="0"/>
           </a:p>
         </p:txBody>
       </p:sp>
@@ -3069,7 +3087,7 @@
     </p:spTree>
     <p:extLst>
       <p:ext uri="{BB962C8B-B14F-4D97-AF65-F5344CB8AC3E}">
-        <p14:creationId xmlns:p14="http://schemas.microsoft.com/office/powerpoint/2010/main" val="4039906116"/>
+        <p14:creationId xmlns:p14="http://schemas.microsoft.com/office/powerpoint/2010/main" val="2106441357"/>
       </p:ext>
     </p:extLst>
   </p:cSld>
@@ -3125,13 +3143,17 @@
           <a:p>
             <a:r>
               <a:rPr lang="de-DE" dirty="0" smtClean="0"/>
-              <a:t>An afterthought: FOXpath complements tree navigation of resource contents with tree navigation of resource collections. FOXpath encourages us  </a:t>
+              <a:t>Support</a:t>
             </a:r>
             <a:r>
               <a:rPr lang="de-DE" baseline="0" dirty="0" smtClean="0"/>
-              <a:t>to perceive a forest of information, consisting of multiple resource trees, whose leaves are resources exposing node trees. As the complete structure can be navigated in a seamless way, it may be experienced as a single, coherent space – the info space.</a:t>
-            </a:r>
-            <a:endParaRPr lang="de-DE" dirty="0"/>
+              <a:t> for various resource tree types will certainly be implementation dependent. </a:t>
+            </a:r>
+            <a:r>
+              <a:rPr lang="de-DE" baseline="0" smtClean="0"/>
+              <a:t>How to integrate this variability cleanly into the highly standardized XPath language?</a:t>
+            </a:r>
+            <a:endParaRPr lang="de-DE"/>
           </a:p>
         </p:txBody>
       </p:sp>
@@ -3167,7 +3189,7 @@
     </p:spTree>
     <p:extLst>
       <p:ext uri="{BB962C8B-B14F-4D97-AF65-F5344CB8AC3E}">
-        <p14:creationId xmlns:p14="http://schemas.microsoft.com/office/powerpoint/2010/main" val="279442995"/>
+        <p14:creationId xmlns:p14="http://schemas.microsoft.com/office/powerpoint/2010/main" val="3268544634"/>
       </p:ext>
     </p:extLst>
   </p:cSld>
@@ -3223,23 +3245,11 @@
           <a:p>
             <a:r>
               <a:rPr lang="de-DE" dirty="0" smtClean="0"/>
-              <a:t>There</a:t>
+              <a:t>An afterthought: FOXpath complements tree navigation of resource contents with tree navigation of resource collections. FOXpath encourages us  </a:t>
             </a:r>
             <a:r>
               <a:rPr lang="de-DE" baseline="0" dirty="0" smtClean="0"/>
-              <a:t> is a choice to be made: either </a:t>
-            </a:r>
-            <a:r>
-              <a:rPr lang="de-DE" dirty="0" smtClean="0"/>
-              <a:t>XPath remains an ingeneous tool for navigating XML</a:t>
-            </a:r>
-            <a:r>
-              <a:rPr lang="de-DE" baseline="0" dirty="0" smtClean="0"/>
-              <a:t> documents</a:t>
-            </a:r>
-            <a:r>
-              <a:rPr lang="de-DE" dirty="0" smtClean="0"/>
-              <a:t>, or it will be extended to become the engine of the info space.</a:t>
+              <a:t>to perceive a nested forest of information: an outer forest consisting of resource trees, an inner forest consisting of the node trees corresponding to leaves of the resource trees. FOXpath enables us to navigate the complete structure in a seamless way, and therefore we may experience this nested forest as a single, continuous space – the info space.</a:t>
             </a:r>
             <a:endParaRPr lang="de-DE" dirty="0"/>
           </a:p>
@@ -3269,6 +3279,116 @@
                 <a:defRPr/>
               </a:pPr>
               <a:t>28</a:t>
+            </a:fld>
+            <a:endParaRPr lang="de-DE" altLang="de-DE"/>
+          </a:p>
+        </p:txBody>
+      </p:sp>
+    </p:spTree>
+    <p:extLst>
+      <p:ext uri="{BB962C8B-B14F-4D97-AF65-F5344CB8AC3E}">
+        <p14:creationId xmlns:p14="http://schemas.microsoft.com/office/powerpoint/2010/main" val="3688205914"/>
+      </p:ext>
+    </p:extLst>
+  </p:cSld>
+  <p:clrMapOvr>
+    <a:masterClrMapping/>
+  </p:clrMapOvr>
+</p:notes>
+</file>
+
+<file path=ppt/notesSlides/notesSlide29.xml><?xml version="1.0" encoding="utf-8"?>
+<p:notes xmlns:a="http://schemas.openxmlformats.org/drawingml/2006/main" xmlns:r="http://schemas.openxmlformats.org/officeDocument/2006/relationships" xmlns:p="http://schemas.openxmlformats.org/presentationml/2006/main">
+  <p:cSld>
+    <p:spTree>
+      <p:nvGrpSpPr>
+        <p:cNvPr id="1" name=""/>
+        <p:cNvGrpSpPr/>
+        <p:nvPr/>
+      </p:nvGrpSpPr>
+      <p:grpSpPr>
+        <a:xfrm>
+          <a:off x="0" y="0"/>
+          <a:ext cx="0" cy="0"/>
+          <a:chOff x="0" y="0"/>
+          <a:chExt cx="0" cy="0"/>
+        </a:xfrm>
+      </p:grpSpPr>
+      <p:sp>
+        <p:nvSpPr>
+          <p:cNvPr id="2" name="Slide Image Placeholder 1"/>
+          <p:cNvSpPr>
+            <a:spLocks noGrp="1" noRot="1" noChangeAspect="1"/>
+          </p:cNvSpPr>
+          <p:nvPr>
+            <p:ph type="sldImg"/>
+          </p:nvPr>
+        </p:nvSpPr>
+        <p:spPr/>
+      </p:sp>
+      <p:sp>
+        <p:nvSpPr>
+          <p:cNvPr id="3" name="Notes Placeholder 2"/>
+          <p:cNvSpPr>
+            <a:spLocks noGrp="1"/>
+          </p:cNvSpPr>
+          <p:nvPr>
+            <p:ph type="body" idx="1"/>
+          </p:nvPr>
+        </p:nvSpPr>
+        <p:spPr/>
+        <p:txBody>
+          <a:bodyPr/>
+          <a:lstStyle/>
+          <a:p>
+            <a:r>
+              <a:rPr lang="de-DE" dirty="0" smtClean="0"/>
+              <a:t>There</a:t>
+            </a:r>
+            <a:r>
+              <a:rPr lang="de-DE" baseline="0" dirty="0" smtClean="0"/>
+              <a:t> is a choice to be made: either </a:t>
+            </a:r>
+            <a:r>
+              <a:rPr lang="de-DE" dirty="0" smtClean="0"/>
+              <a:t>XPath remains an ingeneous tool for navigating XML</a:t>
+            </a:r>
+            <a:r>
+              <a:rPr lang="de-DE" baseline="0" dirty="0" smtClean="0"/>
+              <a:t> documents</a:t>
+            </a:r>
+            <a:r>
+              <a:rPr lang="de-DE" dirty="0" smtClean="0"/>
+              <a:t>, or it will be extended to become the engine of the info space.</a:t>
+            </a:r>
+            <a:endParaRPr lang="de-DE" dirty="0"/>
+          </a:p>
+        </p:txBody>
+      </p:sp>
+      <p:sp>
+        <p:nvSpPr>
+          <p:cNvPr id="4" name="Slide Number Placeholder 3"/>
+          <p:cNvSpPr>
+            <a:spLocks noGrp="1"/>
+          </p:cNvSpPr>
+          <p:nvPr>
+            <p:ph type="sldNum" sz="quarter" idx="10"/>
+          </p:nvPr>
+        </p:nvSpPr>
+        <p:spPr/>
+        <p:txBody>
+          <a:bodyPr/>
+          <a:lstStyle/>
+          <a:p>
+            <a:pPr>
+              <a:defRPr/>
+            </a:pPr>
+            <a:fld id="{C808F741-F631-4E00-8D1F-D4687A839150}" type="slidenum">
+              <a:rPr lang="de-DE" altLang="de-DE" smtClean="0"/>
+              <a:pPr>
+                <a:defRPr/>
+              </a:pPr>
+              <a:t>29</a:t>
             </a:fld>
             <a:endParaRPr lang="de-DE" altLang="de-DE"/>
           </a:p>
@@ -19838,22 +19958,23 @@
             <a:pPr lvl="1"/>
             <a:r>
               <a:rPr lang="de-DE" dirty="0" smtClean="0"/>
-              <a:t>eval-xpath()</a:t>
+              <a:t>xpath()</a:t>
             </a:r>
           </a:p>
           <a:p>
             <a:pPr lvl="1"/>
             <a:r>
-              <a:rPr lang="de-DE" dirty="0"/>
-              <a:t>xroot()</a:t>
+              <a:rPr lang="de-DE" dirty="0" smtClean="0"/>
+              <a:t>xatt, xelem, xroot()</a:t>
             </a:r>
           </a:p>
           <a:p>
             <a:pPr lvl="1"/>
             <a:r>
               <a:rPr lang="de-DE" dirty="0" smtClean="0"/>
-              <a:t>has-xatt(), has-xelem(), has-xroot()</a:t>
-            </a:r>
+              <a:t>rpad(), lpad()</a:t>
+            </a:r>
+            <a:endParaRPr lang="de-DE" dirty="0"/>
           </a:p>
         </p:txBody>
       </p:sp>
@@ -20684,7 +20805,7 @@
             <a:pPr lvl="2"/>
             <a:r>
               <a:rPr lang="de-DE" dirty="0" smtClean="0"/>
-              <a:t>Step: 		postfix expr | path expr</a:t>
+              <a:t>Step: 		postfix expr | axis step</a:t>
             </a:r>
             <a:r>
               <a:rPr lang="de-DE" dirty="0" smtClean="0">
@@ -20692,7 +20813,7 @@
                   <a:srgbClr val="C00000"/>
                 </a:solidFill>
               </a:rPr>
-              <a:t> | fox path expr</a:t>
+              <a:t> | fox axis step</a:t>
             </a:r>
           </a:p>
           <a:p>
@@ -22088,7 +22209,7 @@
         <p:spPr>
           <a:xfrm>
             <a:off x="467544" y="1988840"/>
-            <a:ext cx="7487947" cy="3539430"/>
+            <a:ext cx="7487947" cy="3108543"/>
           </a:xfrm>
           <a:prstGeom prst="rect">
             <a:avLst/>
@@ -22101,13 +22222,10 @@
           </a:bodyPr>
           <a:lstStyle/>
           <a:p>
-            <a:r>
-              <a:rPr lang="en-US" sz="2800" dirty="0" smtClean="0">
-                <a:latin typeface="Courier New" panose="02070309020205020404" pitchFamily="49" charset="0"/>
-                <a:cs typeface="Courier New" panose="02070309020205020404" pitchFamily="49" charset="0"/>
-              </a:rPr>
-              <a:t>sort(</a:t>
-            </a:r>
+            <a:endParaRPr lang="en-US" sz="2800" dirty="0" smtClean="0">
+              <a:latin typeface="Courier New" panose="02070309020205020404" pitchFamily="49" charset="0"/>
+              <a:cs typeface="Courier New" panose="02070309020205020404" pitchFamily="49" charset="0"/>
+            </a:endParaRPr>
           </a:p>
           <a:p>
             <a:endParaRPr lang="en-US" sz="2800" dirty="0" smtClean="0">
@@ -22262,19 +22380,6 @@
               </a:rPr>
               <a:t>   </a:t>
             </a:r>
-          </a:p>
-          <a:p>
-            <a:r>
-              <a:rPr lang="en-US" sz="2800" dirty="0" smtClean="0">
-                <a:latin typeface="Courier New" panose="02070309020205020404" pitchFamily="49" charset="0"/>
-                <a:cs typeface="Courier New" panose="02070309020205020404" pitchFamily="49" charset="0"/>
-              </a:rPr>
-              <a:t>, lower-case#1)</a:t>
-            </a:r>
-            <a:endParaRPr lang="de-DE" sz="2800" dirty="0">
-              <a:latin typeface="Courier New" panose="02070309020205020404" pitchFamily="49" charset="0"/>
-              <a:cs typeface="Courier New" panose="02070309020205020404" pitchFamily="49" charset="0"/>
-            </a:endParaRPr>
           </a:p>
         </p:txBody>
       </p:sp>
@@ -23245,6 +23350,72 @@
       </p:grpSpPr>
       <p:sp>
         <p:nvSpPr>
+          <p:cNvPr id="27" name="Rectangle 26"/>
+          <p:cNvSpPr/>
+          <p:nvPr/>
+        </p:nvSpPr>
+        <p:spPr bwMode="auto">
+          <a:xfrm>
+            <a:off x="5364088" y="3068960"/>
+            <a:ext cx="2376264" cy="1224136"/>
+          </a:xfrm>
+          <a:prstGeom prst="rect">
+            <a:avLst/>
+          </a:prstGeom>
+          <a:solidFill>
+            <a:schemeClr val="bg1"/>
+          </a:solidFill>
+          <a:ln w="101600" cap="flat" cmpd="sng" algn="ctr">
+            <a:solidFill>
+              <a:srgbClr val="C00000"/>
+            </a:solidFill>
+            <a:prstDash val="solid"/>
+            <a:round/>
+            <a:headEnd type="none" w="med" len="med"/>
+            <a:tailEnd type="none" w="med" len="med"/>
+          </a:ln>
+          <a:effectLst/>
+          <a:extLst/>
+        </p:spPr>
+        <p:txBody>
+          <a:bodyPr vert="horz" wrap="square" lIns="91440" tIns="45720" rIns="91440" bIns="45720" numCol="1" rtlCol="0" anchor="t" anchorCtr="0" compatLnSpc="1">
+            <a:prstTxWarp prst="textNoShape">
+              <a:avLst/>
+            </a:prstTxWarp>
+          </a:bodyPr>
+          <a:lstStyle/>
+          <a:p>
+            <a:pPr marL="0" marR="0" indent="0" algn="l" defTabSz="914400" rtl="0" eaLnBrk="1" fontAlgn="base" latinLnBrk="0" hangingPunct="1">
+              <a:lnSpc>
+                <a:spcPct val="100000"/>
+              </a:lnSpc>
+              <a:spcBef>
+                <a:spcPct val="0"/>
+              </a:spcBef>
+              <a:spcAft>
+                <a:spcPct val="0"/>
+              </a:spcAft>
+              <a:buClrTx/>
+              <a:buSzTx/>
+              <a:buFontTx/>
+              <a:buNone/>
+              <a:tabLst/>
+            </a:pPr>
+            <a:endParaRPr kumimoji="0" lang="de-DE" sz="1800" b="1" i="0" u="none" strike="noStrike" cap="none" normalizeH="0" baseline="0" smtClean="0">
+              <a:ln>
+                <a:noFill/>
+              </a:ln>
+              <a:solidFill>
+                <a:schemeClr val="tx1"/>
+              </a:solidFill>
+              <a:effectLst/>
+              <a:latin typeface="Arial" panose="020B0604020202020204" pitchFamily="34" charset="0"/>
+            </a:endParaRPr>
+          </a:p>
+        </p:txBody>
+      </p:sp>
+      <p:sp>
+        <p:nvSpPr>
           <p:cNvPr id="2" name="Title 1"/>
           <p:cNvSpPr>
             <a:spLocks noGrp="1"/>
@@ -23266,73 +23437,13 @@
                   </a:schemeClr>
                 </a:solidFill>
               </a:rPr>
-              <a:t>fox axis step:</a:t>
-            </a:r>
-            <a:br>
-              <a:rPr lang="de-DE" dirty="0" smtClean="0">
-                <a:solidFill>
-                  <a:schemeClr val="bg1">
-                    <a:lumMod val="50000"/>
-                  </a:schemeClr>
-                </a:solidFill>
-              </a:rPr>
-            </a:br>
+              <a:t>fox axis step: </a:t>
+            </a:r>
             <a:r>
               <a:rPr lang="de-DE" dirty="0" smtClean="0"/>
-              <a:t>   implementation requirements</a:t>
+              <a:t>implementation</a:t>
             </a:r>
             <a:endParaRPr lang="de-DE" dirty="0"/>
-          </a:p>
-        </p:txBody>
-      </p:sp>
-      <p:sp>
-        <p:nvSpPr>
-          <p:cNvPr id="3" name="Content Placeholder 2"/>
-          <p:cNvSpPr>
-            <a:spLocks noGrp="1"/>
-          </p:cNvSpPr>
-          <p:nvPr>
-            <p:ph idx="1"/>
-          </p:nvPr>
-        </p:nvSpPr>
-        <p:spPr/>
-        <p:txBody>
-          <a:bodyPr/>
-          <a:lstStyle/>
-          <a:p>
-            <a:r>
-              <a:rPr lang="de-DE" dirty="0" smtClean="0"/>
-              <a:t>Minimal requirements</a:t>
-            </a:r>
-          </a:p>
-          <a:p>
-            <a:pPr marL="344487" lvl="1" indent="0">
-              <a:buNone/>
-            </a:pPr>
-            <a:endParaRPr lang="de-DE" dirty="0" smtClean="0"/>
-          </a:p>
-          <a:p>
-            <a:pPr marL="344487" lvl="1" indent="0">
-              <a:buNone/>
-            </a:pPr>
-            <a:endParaRPr lang="de-DE" dirty="0" smtClean="0"/>
-          </a:p>
-          <a:p>
-            <a:endParaRPr lang="de-DE" dirty="0" smtClean="0"/>
-          </a:p>
-          <a:p>
-            <a:r>
-              <a:rPr lang="de-DE" dirty="0" smtClean="0"/>
-              <a:t>Requirements of </a:t>
-            </a:r>
-            <a:r>
-              <a:rPr lang="de-DE" i="1" dirty="0" smtClean="0"/>
-              <a:t>efficient</a:t>
-            </a:r>
-            <a:r>
-              <a:rPr lang="de-DE" dirty="0" smtClean="0"/>
-              <a:t> implementation</a:t>
-            </a:r>
           </a:p>
         </p:txBody>
       </p:sp>
@@ -23417,225 +23528,35 @@
           </a:p>
         </p:txBody>
       </p:sp>
-      <p:sp>
-        <p:nvSpPr>
-          <p:cNvPr id="7" name="TextBox 6"/>
-          <p:cNvSpPr txBox="1"/>
-          <p:nvPr/>
-        </p:nvSpPr>
+      <p:pic>
+        <p:nvPicPr>
+          <p:cNvPr id="9" name="Content Placeholder 6"/>
+          <p:cNvPicPr>
+            <a:picLocks noGrp="1" noChangeAspect="1"/>
+          </p:cNvPicPr>
+          <p:nvPr>
+            <p:ph idx="1"/>
+          </p:nvPr>
+        </p:nvPicPr>
+        <p:blipFill>
+          <a:blip r:embed="rId3" cstate="print">
+            <a:extLst>
+              <a:ext uri="{28A0092B-C50C-407E-A947-70E740481C1C}">
+                <a14:useLocalDpi xmlns:a14="http://schemas.microsoft.com/office/drawing/2010/main" val="0"/>
+              </a:ext>
+            </a:extLst>
+          </a:blip>
+          <a:stretch>
+            <a:fillRect/>
+          </a:stretch>
+        </p:blipFill>
         <p:spPr>
           <a:xfrm>
-            <a:off x="715877" y="4298320"/>
-            <a:ext cx="8547533" cy="1938992"/>
+            <a:off x="5952184" y="3212976"/>
+            <a:ext cx="1147270" cy="802462"/>
           </a:xfrm>
-          <a:prstGeom prst="rect">
-            <a:avLst/>
-          </a:prstGeom>
-          <a:noFill/>
         </p:spPr>
-        <p:txBody>
-          <a:bodyPr wrap="none" rtlCol="0">
-            <a:spAutoFit/>
-          </a:bodyPr>
-          <a:lstStyle/>
-          <a:p>
-            <a:r>
-              <a:rPr lang="de-DE" sz="2400" dirty="0" smtClean="0"/>
-              <a:t>fox:</a:t>
-            </a:r>
-            <a:r>
-              <a:rPr lang="de-DE" sz="2400" dirty="0" smtClean="0">
-                <a:solidFill>
-                  <a:srgbClr val="C00000"/>
-                </a:solidFill>
-              </a:rPr>
-              <a:t>child-uri-collection</a:t>
-            </a:r>
-            <a:r>
-              <a:rPr lang="de-DE" sz="2400" dirty="0" smtClean="0"/>
-              <a:t>($uri, </a:t>
-            </a:r>
-            <a:r>
-              <a:rPr lang="de-DE" sz="2400" dirty="0" smtClean="0">
-                <a:solidFill>
-                  <a:srgbClr val="0070C0"/>
-                </a:solidFill>
-              </a:rPr>
-              <a:t>$name</a:t>
-            </a:r>
-            <a:r>
-              <a:rPr lang="de-DE" sz="2400" dirty="0" smtClean="0"/>
-              <a:t>) as xs:anyURI*</a:t>
-            </a:r>
-          </a:p>
-          <a:p>
-            <a:r>
-              <a:rPr lang="de-DE" sz="2400" dirty="0" smtClean="0"/>
-              <a:t>fox:</a:t>
-            </a:r>
-            <a:r>
-              <a:rPr lang="de-DE" sz="2400" dirty="0" smtClean="0">
-                <a:solidFill>
-                  <a:srgbClr val="C00000"/>
-                </a:solidFill>
-              </a:rPr>
-              <a:t>descendant-uri-collection</a:t>
-            </a:r>
-            <a:r>
-              <a:rPr lang="de-DE" sz="2400" dirty="0"/>
-              <a:t>($uri, </a:t>
-            </a:r>
-            <a:r>
-              <a:rPr lang="de-DE" sz="2400" dirty="0">
-                <a:solidFill>
-                  <a:srgbClr val="0070C0"/>
-                </a:solidFill>
-              </a:rPr>
-              <a:t>$</a:t>
-            </a:r>
-            <a:r>
-              <a:rPr lang="de-DE" sz="2400" dirty="0" smtClean="0">
-                <a:solidFill>
-                  <a:srgbClr val="0070C0"/>
-                </a:solidFill>
-              </a:rPr>
-              <a:t>name</a:t>
-            </a:r>
-            <a:r>
-              <a:rPr lang="de-DE" sz="2400" dirty="0" smtClean="0"/>
-              <a:t>) as xs:anyURI*</a:t>
-            </a:r>
-          </a:p>
-          <a:p>
-            <a:r>
-              <a:rPr lang="de-DE" sz="2400" dirty="0" smtClean="0"/>
-              <a:t>fox:</a:t>
-            </a:r>
-            <a:r>
-              <a:rPr lang="de-DE" sz="2400" dirty="0" smtClean="0">
-                <a:solidFill>
-                  <a:srgbClr val="C00000"/>
-                </a:solidFill>
-              </a:rPr>
-              <a:t>root-uri</a:t>
-            </a:r>
-            <a:r>
-              <a:rPr lang="de-DE" sz="2400" dirty="0" smtClean="0"/>
-              <a:t>($uri) as xs:anyURI?</a:t>
-            </a:r>
-            <a:endParaRPr lang="de-DE" sz="2400" dirty="0"/>
-          </a:p>
-          <a:p>
-            <a:endParaRPr lang="de-DE" sz="2400" dirty="0" smtClean="0"/>
-          </a:p>
-          <a:p>
-            <a:endParaRPr lang="de-DE" sz="2400" dirty="0"/>
-          </a:p>
-        </p:txBody>
-      </p:sp>
-      <p:sp>
-        <p:nvSpPr>
-          <p:cNvPr id="8" name="TextBox 7"/>
-          <p:cNvSpPr txBox="1"/>
-          <p:nvPr/>
-        </p:nvSpPr>
-        <p:spPr>
-          <a:xfrm>
-            <a:off x="750783" y="2282096"/>
-            <a:ext cx="6287299" cy="1569660"/>
-          </a:xfrm>
-          <a:prstGeom prst="rect">
-            <a:avLst/>
-          </a:prstGeom>
-          <a:noFill/>
-        </p:spPr>
-        <p:txBody>
-          <a:bodyPr wrap="none" rtlCol="0">
-            <a:spAutoFit/>
-          </a:bodyPr>
-          <a:lstStyle/>
-          <a:p>
-            <a:r>
-              <a:rPr lang="de-DE" sz="2400" dirty="0" smtClean="0"/>
-              <a:t>fox:</a:t>
-            </a:r>
-            <a:r>
-              <a:rPr lang="de-DE" sz="2400" dirty="0" smtClean="0">
-                <a:solidFill>
-                  <a:srgbClr val="C00000"/>
-                </a:solidFill>
-              </a:rPr>
-              <a:t>child-uri-collection</a:t>
-            </a:r>
-            <a:r>
-              <a:rPr lang="de-DE" sz="2400" dirty="0" smtClean="0"/>
-              <a:t>($uri) as xs:anyURI</a:t>
-            </a:r>
-          </a:p>
-          <a:p>
-            <a:r>
-              <a:rPr lang="de-DE" sz="2400" dirty="0" smtClean="0"/>
-              <a:t>fox:</a:t>
-            </a:r>
-            <a:r>
-              <a:rPr lang="de-DE" sz="2400" dirty="0" smtClean="0">
-                <a:solidFill>
-                  <a:srgbClr val="C00000"/>
-                </a:solidFill>
-              </a:rPr>
-              <a:t>root-uri</a:t>
-            </a:r>
-            <a:r>
-              <a:rPr lang="de-DE" sz="2400" dirty="0" smtClean="0"/>
-              <a:t>($uri)</a:t>
-            </a:r>
-            <a:endParaRPr lang="de-DE" sz="2400" dirty="0"/>
-          </a:p>
-          <a:p>
-            <a:endParaRPr lang="de-DE" sz="2400" dirty="0" smtClean="0"/>
-          </a:p>
-          <a:p>
-            <a:endParaRPr lang="de-DE" sz="2400" dirty="0"/>
-          </a:p>
-        </p:txBody>
-      </p:sp>
-    </p:spTree>
-    <p:extLst>
-      <p:ext uri="{BB962C8B-B14F-4D97-AF65-F5344CB8AC3E}">
-        <p14:creationId xmlns:p14="http://schemas.microsoft.com/office/powerpoint/2010/main" val="219367988"/>
-      </p:ext>
-    </p:extLst>
-  </p:cSld>
-  <p:clrMapOvr>
-    <a:masterClrMapping/>
-  </p:clrMapOvr>
-  <p:timing>
-    <p:tnLst>
-      <p:par>
-        <p:cTn id="1" dur="indefinite" restart="never" nodeType="tmRoot"/>
-      </p:par>
-    </p:tnLst>
-  </p:timing>
-</p:sld>
-</file>
-
-<file path=ppt/slides/slide26.xml><?xml version="1.0" encoding="utf-8"?>
-<p:sld xmlns:a="http://schemas.openxmlformats.org/drawingml/2006/main" xmlns:r="http://schemas.openxmlformats.org/officeDocument/2006/relationships" xmlns:p="http://schemas.openxmlformats.org/presentationml/2006/main">
-  <p:cSld>
-    <p:spTree>
-      <p:nvGrpSpPr>
-        <p:cNvPr id="1" name=""/>
-        <p:cNvGrpSpPr/>
-        <p:nvPr/>
-      </p:nvGrpSpPr>
-      <p:grpSpPr>
-        <a:xfrm>
-          <a:off x="0" y="0"/>
-          <a:ext cx="0" cy="0"/>
-          <a:chOff x="0" y="0"/>
-          <a:chExt cx="0" cy="0"/>
-        </a:xfrm>
-      </p:grpSpPr>
+      </p:pic>
       <p:sp>
         <p:nvSpPr>
           <p:cNvPr id="11" name="Rounded Rectangle 10"/>
@@ -23644,8 +23565,77 @@
         </p:nvSpPr>
         <p:spPr bwMode="auto">
           <a:xfrm>
-            <a:off x="611560" y="4530823"/>
-            <a:ext cx="7629520" cy="2037373"/>
+            <a:off x="539552" y="3380964"/>
+            <a:ext cx="2376264" cy="540060"/>
+          </a:xfrm>
+          <a:prstGeom prst="roundRect">
+            <a:avLst/>
+          </a:prstGeom>
+          <a:solidFill>
+            <a:srgbClr val="C00000"/>
+          </a:solidFill>
+          <a:ln w="9525" cap="flat" cmpd="sng" algn="ctr">
+            <a:solidFill>
+              <a:schemeClr val="tx1"/>
+            </a:solidFill>
+            <a:prstDash val="solid"/>
+            <a:round/>
+            <a:headEnd type="none" w="med" len="med"/>
+            <a:tailEnd type="none" w="med" len="med"/>
+          </a:ln>
+          <a:effectLst/>
+          <a:extLst/>
+        </p:spPr>
+        <p:txBody>
+          <a:bodyPr vert="horz" wrap="square" lIns="91440" tIns="45720" rIns="91440" bIns="45720" numCol="1" rtlCol="0" anchor="t" anchorCtr="0" compatLnSpc="1">
+            <a:prstTxWarp prst="textNoShape">
+              <a:avLst/>
+            </a:prstTxWarp>
+          </a:bodyPr>
+          <a:lstStyle/>
+          <a:p>
+            <a:pPr marL="0" marR="0" indent="0" algn="ctr" defTabSz="914400" rtl="0" eaLnBrk="1" fontAlgn="base" latinLnBrk="0" hangingPunct="1">
+              <a:lnSpc>
+                <a:spcPct val="100000"/>
+              </a:lnSpc>
+              <a:spcBef>
+                <a:spcPct val="0"/>
+              </a:spcBef>
+              <a:spcAft>
+                <a:spcPct val="0"/>
+              </a:spcAft>
+              <a:buClrTx/>
+              <a:buSzTx/>
+              <a:buFontTx/>
+              <a:buNone/>
+              <a:tabLst/>
+            </a:pPr>
+            <a:r>
+              <a:rPr kumimoji="0" lang="de-DE" sz="2400" b="1" i="0" u="none" strike="noStrike" cap="none" normalizeH="0" baseline="0" dirty="0" smtClean="0">
+                <a:ln>
+                  <a:noFill/>
+                </a:ln>
+                <a:solidFill>
+                  <a:schemeClr val="bg1"/>
+                </a:solidFill>
+                <a:effectLst/>
+                <a:latin typeface="Arial" panose="020B0604020202020204" pitchFamily="34" charset="0"/>
+              </a:rPr>
+              <a:t>fox axis step</a:t>
+            </a:r>
+          </a:p>
+        </p:txBody>
+      </p:sp>
+      <p:sp>
+        <p:nvSpPr>
+          <p:cNvPr id="14" name="Rounded Rectangle 13"/>
+          <p:cNvSpPr/>
+          <p:nvPr/>
+        </p:nvSpPr>
+        <p:spPr bwMode="auto">
+          <a:xfrm>
+            <a:off x="1259632" y="5074096"/>
+            <a:ext cx="6552728" cy="1019200"/>
           </a:xfrm>
           <a:prstGeom prst="roundRect">
             <a:avLst/>
@@ -23673,6 +23663,191 @@
           </a:bodyPr>
           <a:lstStyle/>
           <a:p>
+            <a:r>
+              <a:rPr lang="de-DE" dirty="0"/>
+              <a:t>fox:</a:t>
+            </a:r>
+            <a:r>
+              <a:rPr lang="de-DE" dirty="0">
+                <a:solidFill>
+                  <a:srgbClr val="C00000"/>
+                </a:solidFill>
+              </a:rPr>
+              <a:t>child-uri-collection</a:t>
+            </a:r>
+            <a:r>
+              <a:rPr lang="de-DE" dirty="0"/>
+              <a:t>($uri, </a:t>
+            </a:r>
+            <a:r>
+              <a:rPr lang="de-DE" dirty="0">
+                <a:solidFill>
+                  <a:srgbClr val="0070C0"/>
+                </a:solidFill>
+              </a:rPr>
+              <a:t>$name</a:t>
+            </a:r>
+            <a:r>
+              <a:rPr lang="de-DE" dirty="0"/>
+              <a:t>) as xs:anyURI*</a:t>
+            </a:r>
+          </a:p>
+          <a:p>
+            <a:r>
+              <a:rPr lang="de-DE" dirty="0"/>
+              <a:t>fox:</a:t>
+            </a:r>
+            <a:r>
+              <a:rPr lang="de-DE" dirty="0">
+                <a:solidFill>
+                  <a:srgbClr val="C00000"/>
+                </a:solidFill>
+              </a:rPr>
+              <a:t>descendant-uri-collection</a:t>
+            </a:r>
+            <a:r>
+              <a:rPr lang="de-DE" dirty="0"/>
+              <a:t>($uri, </a:t>
+            </a:r>
+            <a:r>
+              <a:rPr lang="de-DE" dirty="0">
+                <a:solidFill>
+                  <a:srgbClr val="0070C0"/>
+                </a:solidFill>
+              </a:rPr>
+              <a:t>$name</a:t>
+            </a:r>
+            <a:r>
+              <a:rPr lang="de-DE" dirty="0"/>
+              <a:t>) as xs:anyURI*</a:t>
+            </a:r>
+          </a:p>
+          <a:p>
+            <a:r>
+              <a:rPr lang="de-DE" dirty="0"/>
+              <a:t>fox:</a:t>
+            </a:r>
+            <a:r>
+              <a:rPr lang="de-DE" dirty="0">
+                <a:solidFill>
+                  <a:srgbClr val="C00000"/>
+                </a:solidFill>
+              </a:rPr>
+              <a:t>root-uri</a:t>
+            </a:r>
+            <a:r>
+              <a:rPr lang="de-DE" dirty="0"/>
+              <a:t>($uri) as xs:anyURI?</a:t>
+            </a:r>
+          </a:p>
+        </p:txBody>
+      </p:sp>
+      <p:sp>
+        <p:nvSpPr>
+          <p:cNvPr id="15" name="Rectangle 14"/>
+          <p:cNvSpPr/>
+          <p:nvPr/>
+        </p:nvSpPr>
+        <p:spPr bwMode="auto">
+          <a:xfrm>
+            <a:off x="2361456" y="2276872"/>
+            <a:ext cx="3794720" cy="504056"/>
+          </a:xfrm>
+          <a:prstGeom prst="rect">
+            <a:avLst/>
+          </a:prstGeom>
+          <a:solidFill>
+            <a:schemeClr val="bg1"/>
+          </a:solidFill>
+          <a:ln w="9525" cap="flat" cmpd="sng" algn="ctr">
+            <a:solidFill>
+              <a:schemeClr val="bg1"/>
+            </a:solidFill>
+            <a:prstDash val="solid"/>
+            <a:round/>
+            <a:headEnd type="none" w="med" len="med"/>
+            <a:tailEnd type="none" w="med" len="med"/>
+          </a:ln>
+          <a:effectLst/>
+          <a:extLst/>
+        </p:spPr>
+        <p:txBody>
+          <a:bodyPr vert="horz" wrap="square" lIns="91440" tIns="45720" rIns="91440" bIns="45720" numCol="1" rtlCol="0" anchor="t" anchorCtr="0" compatLnSpc="1">
+            <a:prstTxWarp prst="textNoShape">
+              <a:avLst/>
+            </a:prstTxWarp>
+          </a:bodyPr>
+          <a:lstStyle/>
+          <a:p>
+            <a:pPr marL="0" marR="0" indent="0" algn="l" defTabSz="914400" rtl="0" eaLnBrk="1" fontAlgn="base" latinLnBrk="0" hangingPunct="1">
+              <a:lnSpc>
+                <a:spcPct val="100000"/>
+              </a:lnSpc>
+              <a:spcBef>
+                <a:spcPct val="0"/>
+              </a:spcBef>
+              <a:spcAft>
+                <a:spcPct val="0"/>
+              </a:spcAft>
+              <a:buClrTx/>
+              <a:buSzTx/>
+              <a:buFontTx/>
+              <a:buNone/>
+              <a:tabLst/>
+            </a:pPr>
+            <a:r>
+              <a:rPr kumimoji="0" lang="de-DE" sz="3200" b="1" i="0" u="none" strike="noStrike" cap="none" normalizeH="0" baseline="0" dirty="0" smtClean="0">
+                <a:ln>
+                  <a:noFill/>
+                </a:ln>
+                <a:solidFill>
+                  <a:srgbClr val="C00000"/>
+                </a:solidFill>
+                <a:effectLst/>
+                <a:latin typeface="Lucida Handwriting" panose="03010101010101010101" pitchFamily="66" charset="0"/>
+              </a:rPr>
+              <a:t>tree  interface</a:t>
+            </a:r>
+          </a:p>
+        </p:txBody>
+      </p:sp>
+      <p:sp>
+        <p:nvSpPr>
+          <p:cNvPr id="16" name="Oval 15"/>
+          <p:cNvSpPr/>
+          <p:nvPr/>
+        </p:nvSpPr>
+        <p:spPr bwMode="auto">
+          <a:xfrm>
+            <a:off x="5133108" y="3398975"/>
+            <a:ext cx="180000" cy="180000"/>
+          </a:xfrm>
+          <a:prstGeom prst="ellipse">
+            <a:avLst/>
+          </a:prstGeom>
+          <a:solidFill>
+            <a:srgbClr val="C00000"/>
+          </a:solidFill>
+          <a:ln w="9525" cap="flat" cmpd="sng" algn="ctr">
+            <a:solidFill>
+              <a:schemeClr val="tx1"/>
+            </a:solidFill>
+            <a:prstDash val="solid"/>
+            <a:round/>
+            <a:headEnd type="none" w="med" len="med"/>
+            <a:tailEnd type="none" w="med" len="med"/>
+          </a:ln>
+          <a:effectLst/>
+          <a:extLst/>
+        </p:spPr>
+        <p:txBody>
+          <a:bodyPr vert="horz" wrap="square" lIns="91440" tIns="45720" rIns="91440" bIns="45720" numCol="1" rtlCol="0" anchor="t" anchorCtr="0" compatLnSpc="1">
+            <a:prstTxWarp prst="textNoShape">
+              <a:avLst/>
+            </a:prstTxWarp>
+          </a:bodyPr>
+          <a:lstStyle/>
+          <a:p>
             <a:pPr marL="0" marR="0" indent="0" algn="l" defTabSz="914400" rtl="0" eaLnBrk="1" fontAlgn="base" latinLnBrk="0" hangingPunct="1">
               <a:lnSpc>
                 <a:spcPct val="100000"/>
@@ -23704,362 +23879,20 @@
       </p:sp>
       <p:sp>
         <p:nvSpPr>
-          <p:cNvPr id="2" name="Title 1"/>
-          <p:cNvSpPr>
-            <a:spLocks noGrp="1"/>
-          </p:cNvSpPr>
-          <p:nvPr>
-            <p:ph type="title"/>
-          </p:nvPr>
-        </p:nvSpPr>
-        <p:spPr/>
-        <p:txBody>
-          <a:bodyPr/>
-          <a:lstStyle/>
-          <a:p>
-            <a:r>
-              <a:rPr lang="de-DE" dirty="0" smtClean="0"/>
-              <a:t>Parallel support for physical and logical file systems</a:t>
-            </a:r>
-            <a:endParaRPr lang="de-DE" dirty="0"/>
-          </a:p>
-        </p:txBody>
-      </p:sp>
-      <p:sp>
-        <p:nvSpPr>
-          <p:cNvPr id="3" name="Content Placeholder 2"/>
-          <p:cNvSpPr>
-            <a:spLocks noGrp="1"/>
-          </p:cNvSpPr>
-          <p:nvPr>
-            <p:ph idx="1"/>
-          </p:nvPr>
-        </p:nvSpPr>
-        <p:spPr/>
-        <p:txBody>
-          <a:bodyPr/>
-          <a:lstStyle/>
-          <a:p>
-            <a:pPr marL="0" indent="0">
-              <a:buNone/>
-            </a:pPr>
-            <a:r>
-              <a:rPr lang="de-DE" dirty="0" smtClean="0"/>
-              <a:t>Supporting </a:t>
-            </a:r>
-            <a:r>
-              <a:rPr lang="de-DE" i="1" dirty="0" smtClean="0"/>
-              <a:t>multiple</a:t>
-            </a:r>
-            <a:r>
-              <a:rPr lang="de-DE" dirty="0" smtClean="0"/>
-              <a:t> types of resource trees:</a:t>
-            </a:r>
-          </a:p>
-          <a:p>
-            <a:pPr marL="0" indent="0">
-              <a:buNone/>
-            </a:pPr>
-            <a:endParaRPr lang="de-DE" dirty="0"/>
-          </a:p>
-          <a:p>
-            <a:pPr marL="0" indent="0">
-              <a:buNone/>
-            </a:pPr>
-            <a:endParaRPr lang="de-DE" dirty="0" smtClean="0"/>
-          </a:p>
-          <a:p>
-            <a:pPr marL="0" indent="0">
-              <a:buNone/>
-            </a:pPr>
-            <a:endParaRPr lang="de-DE" dirty="0" smtClean="0"/>
-          </a:p>
-          <a:p>
-            <a:pPr marL="0" indent="0">
-              <a:buNone/>
-            </a:pPr>
-            <a:r>
-              <a:rPr lang="de-DE" dirty="0" smtClean="0"/>
-              <a:t>Higher-order function maps URI to primitives: </a:t>
-            </a:r>
-            <a:endParaRPr lang="de-DE" dirty="0"/>
-          </a:p>
-          <a:p>
-            <a:pPr marL="0" indent="0">
-              <a:buNone/>
-            </a:pPr>
-            <a:r>
-              <a:rPr lang="de-DE" dirty="0"/>
-              <a:t>      </a:t>
-            </a:r>
-          </a:p>
-        </p:txBody>
-      </p:sp>
-      <p:sp>
-        <p:nvSpPr>
-          <p:cNvPr id="7" name="TextBox 6"/>
-          <p:cNvSpPr txBox="1"/>
+          <p:cNvPr id="23" name="Oval 22"/>
+          <p:cNvSpPr/>
           <p:nvPr/>
         </p:nvSpPr>
-        <p:spPr>
+        <p:spPr bwMode="auto">
           <a:xfrm>
-            <a:off x="715877" y="2282096"/>
-            <a:ext cx="7140096" cy="1569660"/>
+            <a:off x="5133108" y="3560371"/>
+            <a:ext cx="180000" cy="180000"/>
           </a:xfrm>
-          <a:prstGeom prst="rect">
+          <a:prstGeom prst="ellipse">
             <a:avLst/>
           </a:prstGeom>
-          <a:noFill/>
-        </p:spPr>
-        <p:txBody>
-          <a:bodyPr wrap="none" rtlCol="0">
-            <a:spAutoFit/>
-          </a:bodyPr>
-          <a:lstStyle/>
-          <a:p>
-            <a:r>
-              <a:rPr lang="de-DE" sz="2400" dirty="0" smtClean="0"/>
-              <a:t>fox:</a:t>
-            </a:r>
-            <a:r>
-              <a:rPr lang="de-DE" sz="2400" dirty="0" smtClean="0">
-                <a:solidFill>
-                  <a:srgbClr val="0070C0"/>
-                </a:solidFill>
-              </a:rPr>
-              <a:t>get-function-</a:t>
-            </a:r>
-            <a:r>
-              <a:rPr lang="de-DE" sz="2400" dirty="0" smtClean="0">
-                <a:solidFill>
-                  <a:srgbClr val="C00000"/>
-                </a:solidFill>
-              </a:rPr>
-              <a:t>child-uri-collection</a:t>
-            </a:r>
-            <a:r>
-              <a:rPr lang="de-DE" sz="2400" dirty="0" smtClean="0"/>
-              <a:t>($uri)</a:t>
-            </a:r>
-          </a:p>
-          <a:p>
-            <a:r>
-              <a:rPr lang="de-DE" sz="2400" dirty="0" smtClean="0"/>
-              <a:t>fox:</a:t>
-            </a:r>
-            <a:r>
-              <a:rPr lang="de-DE" sz="2400" dirty="0" smtClean="0">
-                <a:solidFill>
-                  <a:srgbClr val="0070C0"/>
-                </a:solidFill>
-              </a:rPr>
-              <a:t>get-function-</a:t>
-            </a:r>
-            <a:r>
-              <a:rPr lang="de-DE" sz="2400" dirty="0" smtClean="0">
-                <a:solidFill>
-                  <a:srgbClr val="C00000"/>
-                </a:solidFill>
-              </a:rPr>
-              <a:t>descendant-uri-collection</a:t>
-            </a:r>
-            <a:r>
-              <a:rPr lang="de-DE" sz="2400" dirty="0"/>
-              <a:t>($</a:t>
-            </a:r>
-            <a:r>
-              <a:rPr lang="de-DE" sz="2400" dirty="0" smtClean="0"/>
-              <a:t>uri)</a:t>
-            </a:r>
-          </a:p>
-          <a:p>
-            <a:r>
-              <a:rPr lang="de-DE" sz="2400" dirty="0" smtClean="0"/>
-              <a:t>fox:</a:t>
-            </a:r>
-            <a:r>
-              <a:rPr lang="de-DE" sz="2400" dirty="0" smtClean="0">
-                <a:solidFill>
-                  <a:srgbClr val="0070C0"/>
-                </a:solidFill>
-              </a:rPr>
-              <a:t>get-function-</a:t>
-            </a:r>
-            <a:r>
-              <a:rPr lang="de-DE" sz="2400" dirty="0" smtClean="0">
-                <a:solidFill>
-                  <a:srgbClr val="C00000"/>
-                </a:solidFill>
-              </a:rPr>
-              <a:t>root-uri</a:t>
-            </a:r>
-            <a:r>
-              <a:rPr lang="de-DE" sz="2400" dirty="0" smtClean="0"/>
-              <a:t>($uri)</a:t>
-            </a:r>
-            <a:endParaRPr lang="de-DE" sz="2400" dirty="0"/>
-          </a:p>
-          <a:p>
-            <a:endParaRPr lang="de-DE" sz="2400" dirty="0"/>
-          </a:p>
-        </p:txBody>
-      </p:sp>
-      <p:sp>
-        <p:nvSpPr>
-          <p:cNvPr id="9" name="TextBox 8"/>
-          <p:cNvSpPr txBox="1"/>
-          <p:nvPr/>
-        </p:nvSpPr>
-        <p:spPr>
-          <a:xfrm>
-            <a:off x="971600" y="4581128"/>
-            <a:ext cx="7367723" cy="1631216"/>
-          </a:xfrm>
-          <a:prstGeom prst="rect">
-            <a:avLst/>
-          </a:prstGeom>
-          <a:noFill/>
-        </p:spPr>
-        <p:txBody>
-          <a:bodyPr wrap="none" rtlCol="0">
-            <a:spAutoFit/>
-          </a:bodyPr>
-          <a:lstStyle/>
-          <a:p>
-            <a:r>
-              <a:rPr lang="de-DE" sz="2000" dirty="0"/>
-              <a:t>declare function </a:t>
-            </a:r>
-            <a:r>
-              <a:rPr lang="de-DE" sz="2000" i="1" dirty="0"/>
-              <a:t>f:</a:t>
-            </a:r>
-            <a:r>
-              <a:rPr lang="de-DE" sz="2000" i="1" dirty="0">
-                <a:solidFill>
-                  <a:srgbClr val="0070C0"/>
-                </a:solidFill>
-              </a:rPr>
-              <a:t>get-function-</a:t>
-            </a:r>
-            <a:r>
-              <a:rPr lang="de-DE" sz="2000" i="1" dirty="0">
-                <a:solidFill>
-                  <a:srgbClr val="C00000"/>
-                </a:solidFill>
-              </a:rPr>
-              <a:t>child-uri-collection</a:t>
-            </a:r>
-            <a:r>
-              <a:rPr lang="de-DE" sz="2000" i="1" dirty="0"/>
-              <a:t>($</a:t>
-            </a:r>
-            <a:r>
-              <a:rPr lang="de-DE" sz="2000" i="1" dirty="0" smtClean="0"/>
-              <a:t>uri) </a:t>
-            </a:r>
-            <a:r>
-              <a:rPr lang="de-DE" sz="2000" i="1" dirty="0"/>
-              <a:t>{</a:t>
-            </a:r>
-            <a:br>
-              <a:rPr lang="de-DE" sz="2000" i="1" dirty="0"/>
-            </a:br>
-            <a:r>
-              <a:rPr lang="de-DE" sz="2000" i="1" dirty="0"/>
-              <a:t>    if (f:is-uri-file-system-uri($uri)) </a:t>
-            </a:r>
-            <a:r>
-              <a:rPr lang="de-DE" sz="2000" i="1" dirty="0" smtClean="0"/>
-              <a:t>then </a:t>
-            </a:r>
-            <a:r>
-              <a:rPr lang="de-DE" sz="2000" i="1" dirty="0" smtClean="0">
-                <a:solidFill>
-                  <a:srgbClr val="006600"/>
-                </a:solidFill>
-              </a:rPr>
-              <a:t>file:list</a:t>
-            </a:r>
-            <a:r>
-              <a:rPr lang="de-DE" sz="2000" i="1" dirty="0">
-                <a:solidFill>
-                  <a:srgbClr val="006600"/>
-                </a:solidFill>
-              </a:rPr>
-              <a:t>(?, false(), ?)</a:t>
-            </a:r>
-            <a:r>
-              <a:rPr lang="de-DE" sz="2000" i="1" dirty="0"/>
-              <a:t/>
-            </a:r>
-            <a:br>
-              <a:rPr lang="de-DE" sz="2000" i="1" dirty="0"/>
-            </a:br>
-            <a:r>
-              <a:rPr lang="de-DE" sz="2000" i="1" dirty="0"/>
-              <a:t>    </a:t>
-            </a:r>
-            <a:r>
-              <a:rPr lang="de-DE" sz="2000" i="1" dirty="0" smtClean="0"/>
-              <a:t>else if (f:is-uri-svn-uri($uri)) then ...</a:t>
-            </a:r>
-            <a:r>
-              <a:rPr lang="de-DE" sz="2000" i="1" dirty="0"/>
-              <a:t/>
-            </a:r>
-            <a:br>
-              <a:rPr lang="de-DE" sz="2000" i="1" dirty="0"/>
-            </a:br>
-            <a:r>
-              <a:rPr lang="de-DE" sz="2000" i="1" dirty="0"/>
-              <a:t>    </a:t>
-            </a:r>
-            <a:r>
-              <a:rPr lang="de-DE" sz="2000" i="1" dirty="0" smtClean="0"/>
-              <a:t>else     </a:t>
-            </a:r>
-            <a:r>
-              <a:rPr lang="de-DE" sz="2000" i="1" dirty="0"/>
-              <a:t>error</a:t>
-            </a:r>
-            <a:r>
-              <a:rPr lang="de-DE" sz="2000" i="1" dirty="0" smtClean="0"/>
-              <a:t>(...)</a:t>
-            </a:r>
-          </a:p>
-          <a:p>
-            <a:r>
-              <a:rPr lang="de-DE" sz="2000" i="1" dirty="0" smtClean="0"/>
-              <a:t>};</a:t>
-            </a:r>
-            <a:endParaRPr lang="de-DE" sz="2000" dirty="0"/>
-          </a:p>
-        </p:txBody>
-      </p:sp>
-      <p:sp>
-        <p:nvSpPr>
-          <p:cNvPr id="10" name="Rounded Rectangular Callout 9"/>
-          <p:cNvSpPr/>
-          <p:nvPr/>
-        </p:nvSpPr>
-        <p:spPr bwMode="auto">
-          <a:xfrm>
-            <a:off x="4572000" y="5745155"/>
-            <a:ext cx="3600697" cy="725304"/>
-          </a:xfrm>
-          <a:prstGeom prst="wedgeRoundRectCallout">
-            <a:avLst>
-              <a:gd name="adj1" fmla="val -4024"/>
-              <a:gd name="adj2" fmla="val -126296"/>
-              <a:gd name="adj3" fmla="val 16667"/>
-            </a:avLst>
-          </a:prstGeom>
           <a:solidFill>
-            <a:schemeClr val="accent1">
-              <a:lumMod val="20000"/>
-              <a:lumOff val="80000"/>
-            </a:schemeClr>
+            <a:srgbClr val="C00000"/>
           </a:solidFill>
           <a:ln w="9525" cap="flat" cmpd="sng" algn="ctr">
             <a:solidFill>
@@ -24097,20 +23930,55 @@
               <a:buNone/>
               <a:tabLst/>
             </a:pPr>
-            <a:r>
-              <a:rPr kumimoji="0" lang="de-DE" sz="1800" b="1" i="0" u="none" strike="noStrike" cap="none" normalizeH="0" baseline="0" dirty="0" smtClean="0">
-                <a:ln>
-                  <a:noFill/>
-                </a:ln>
-                <a:solidFill>
-                  <a:schemeClr val="tx1"/>
-                </a:solidFill>
-                <a:effectLst/>
-                <a:latin typeface="Arial" panose="020B0604020202020204" pitchFamily="34" charset="0"/>
-              </a:rPr>
-              <a:t>Partial function application of </a:t>
-            </a:r>
-          </a:p>
+            <a:endParaRPr kumimoji="0" lang="de-DE" sz="1800" b="1" i="0" u="none" strike="noStrike" cap="none" normalizeH="0" baseline="0" smtClean="0">
+              <a:ln>
+                <a:noFill/>
+              </a:ln>
+              <a:solidFill>
+                <a:schemeClr val="tx1"/>
+              </a:solidFill>
+              <a:effectLst/>
+              <a:latin typeface="Arial" panose="020B0604020202020204" pitchFamily="34" charset="0"/>
+            </a:endParaRPr>
+          </a:p>
+        </p:txBody>
+      </p:sp>
+      <p:sp>
+        <p:nvSpPr>
+          <p:cNvPr id="24" name="Oval 23"/>
+          <p:cNvSpPr/>
+          <p:nvPr/>
+        </p:nvSpPr>
+        <p:spPr bwMode="auto">
+          <a:xfrm>
+            <a:off x="5133108" y="3721767"/>
+            <a:ext cx="180000" cy="180000"/>
+          </a:xfrm>
+          <a:prstGeom prst="ellipse">
+            <a:avLst/>
+          </a:prstGeom>
+          <a:solidFill>
+            <a:srgbClr val="C00000"/>
+          </a:solidFill>
+          <a:ln w="9525" cap="flat" cmpd="sng" algn="ctr">
+            <a:solidFill>
+              <a:schemeClr val="tx1"/>
+            </a:solidFill>
+            <a:prstDash val="solid"/>
+            <a:round/>
+            <a:headEnd type="none" w="med" len="med"/>
+            <a:tailEnd type="none" w="med" len="med"/>
+          </a:ln>
+          <a:effectLst/>
+          <a:extLst/>
+        </p:spPr>
+        <p:txBody>
+          <a:bodyPr vert="horz" wrap="square" lIns="91440" tIns="45720" rIns="91440" bIns="45720" numCol="1" rtlCol="0" anchor="t" anchorCtr="0" compatLnSpc="1">
+            <a:prstTxWarp prst="textNoShape">
+              <a:avLst/>
+            </a:prstTxWarp>
+          </a:bodyPr>
+          <a:lstStyle/>
           <a:p>
             <a:pPr marL="0" marR="0" indent="0" algn="l" defTabSz="914400" rtl="0" eaLnBrk="1" fontAlgn="base" latinLnBrk="0" hangingPunct="1">
               <a:lnSpc>
@@ -24128,26 +23996,119 @@
               <a:buNone/>
               <a:tabLst/>
             </a:pPr>
-            <a:r>
-              <a:rPr kumimoji="0" lang="de-DE" sz="1800" b="1" i="0" u="none" strike="noStrike" cap="none" normalizeH="0" baseline="0" dirty="0" smtClean="0">
-                <a:ln>
-                  <a:noFill/>
-                </a:ln>
-                <a:solidFill>
-                  <a:schemeClr val="tx1"/>
-                </a:solidFill>
-                <a:effectLst/>
-                <a:latin typeface="Arial" panose="020B0604020202020204" pitchFamily="34" charset="0"/>
-              </a:rPr>
-              <a:t>EXPath function file:list</a:t>
-            </a:r>
+            <a:endParaRPr kumimoji="0" lang="de-DE" sz="1800" b="1" i="0" u="none" strike="noStrike" cap="none" normalizeH="0" baseline="0" smtClean="0">
+              <a:ln>
+                <a:noFill/>
+              </a:ln>
+              <a:solidFill>
+                <a:schemeClr val="tx1"/>
+              </a:solidFill>
+              <a:effectLst/>
+              <a:latin typeface="Arial" panose="020B0604020202020204" pitchFamily="34" charset="0"/>
+            </a:endParaRPr>
           </a:p>
         </p:txBody>
       </p:sp>
+      <p:sp>
+        <p:nvSpPr>
+          <p:cNvPr id="25" name="Right Arrow 24"/>
+          <p:cNvSpPr/>
+          <p:nvPr/>
+        </p:nvSpPr>
+        <p:spPr bwMode="auto">
+          <a:xfrm>
+            <a:off x="3602907" y="3607590"/>
+            <a:ext cx="1053133" cy="133322"/>
+          </a:xfrm>
+          <a:prstGeom prst="rightArrow">
+            <a:avLst/>
+          </a:prstGeom>
+          <a:solidFill>
+            <a:srgbClr val="C00000"/>
+          </a:solidFill>
+          <a:ln w="9525" cap="flat" cmpd="sng" algn="ctr">
+            <a:solidFill>
+              <a:schemeClr val="tx1"/>
+            </a:solidFill>
+            <a:prstDash val="solid"/>
+            <a:round/>
+            <a:headEnd type="none" w="med" len="med"/>
+            <a:tailEnd type="none" w="med" len="med"/>
+          </a:ln>
+          <a:effectLst/>
+          <a:extLst/>
+        </p:spPr>
+        <p:txBody>
+          <a:bodyPr vert="horz" wrap="square" lIns="91440" tIns="45720" rIns="91440" bIns="45720" numCol="1" rtlCol="0" anchor="t" anchorCtr="0" compatLnSpc="1">
+            <a:prstTxWarp prst="textNoShape">
+              <a:avLst/>
+            </a:prstTxWarp>
+          </a:bodyPr>
+          <a:lstStyle/>
+          <a:p>
+            <a:pPr marL="0" marR="0" indent="0" algn="l" defTabSz="914400" rtl="0" eaLnBrk="1" fontAlgn="base" latinLnBrk="0" hangingPunct="1">
+              <a:lnSpc>
+                <a:spcPct val="100000"/>
+              </a:lnSpc>
+              <a:spcBef>
+                <a:spcPct val="0"/>
+              </a:spcBef>
+              <a:spcAft>
+                <a:spcPct val="0"/>
+              </a:spcAft>
+              <a:buClrTx/>
+              <a:buSzTx/>
+              <a:buFontTx/>
+              <a:buNone/>
+              <a:tabLst/>
+            </a:pPr>
+            <a:endParaRPr kumimoji="0" lang="de-DE" sz="1800" b="1" i="0" u="none" strike="noStrike" cap="none" normalizeH="0" baseline="0" smtClean="0">
+              <a:ln>
+                <a:noFill/>
+              </a:ln>
+              <a:solidFill>
+                <a:schemeClr val="tx1"/>
+              </a:solidFill>
+              <a:effectLst/>
+              <a:latin typeface="Arial" panose="020B0604020202020204" pitchFamily="34" charset="0"/>
+            </a:endParaRPr>
+          </a:p>
+        </p:txBody>
+      </p:sp>
+      <p:pic>
+        <p:nvPicPr>
+          <p:cNvPr id="28" name="Picture 27"/>
+          <p:cNvPicPr>
+            <a:picLocks noChangeAspect="1"/>
+          </p:cNvPicPr>
+          <p:nvPr/>
+        </p:nvPicPr>
+        <p:blipFill>
+          <a:blip r:embed="rId4" cstate="print">
+            <a:extLst>
+              <a:ext uri="{28A0092B-C50C-407E-A947-70E740481C1C}">
+                <a14:useLocalDpi xmlns:a14="http://schemas.microsoft.com/office/drawing/2010/main" val="0"/>
+              </a:ext>
+            </a:extLst>
+          </a:blip>
+          <a:stretch>
+            <a:fillRect/>
+          </a:stretch>
+        </p:blipFill>
+        <p:spPr>
+          <a:xfrm>
+            <a:off x="5905052" y="4346031"/>
+            <a:ext cx="1271268" cy="715089"/>
+          </a:xfrm>
+          <a:prstGeom prst="rect">
+            <a:avLst/>
+          </a:prstGeom>
+        </p:spPr>
+      </p:pic>
     </p:spTree>
     <p:extLst>
       <p:ext uri="{BB962C8B-B14F-4D97-AF65-F5344CB8AC3E}">
-        <p14:creationId xmlns:p14="http://schemas.microsoft.com/office/powerpoint/2010/main" val="794282307"/>
+        <p14:creationId xmlns:p14="http://schemas.microsoft.com/office/powerpoint/2010/main" val="219367988"/>
       </p:ext>
     </p:extLst>
   </p:cSld>
@@ -24157,9 +24118,3273 @@
   <p:timing>
     <p:tnLst>
       <p:par>
-        <p:cTn id="1" dur="indefinite" restart="never" nodeType="tmRoot"/>
+        <p:cTn id="1" dur="indefinite" restart="never" nodeType="tmRoot">
+          <p:childTnLst>
+            <p:seq concurrent="1" nextAc="seek">
+              <p:cTn id="2" dur="indefinite" nodeType="mainSeq">
+                <p:childTnLst>
+                  <p:par>
+                    <p:cTn id="3" fill="hold">
+                      <p:stCondLst>
+                        <p:cond delay="indefinite"/>
+                      </p:stCondLst>
+                      <p:childTnLst>
+                        <p:par>
+                          <p:cTn id="4" fill="hold">
+                            <p:stCondLst>
+                              <p:cond delay="0"/>
+                            </p:stCondLst>
+                            <p:childTnLst>
+                              <p:par>
+                                <p:cTn id="5" presetID="1" presetClass="entr" presetSubtype="0" fill="hold" grpId="0" nodeType="clickEffect">
+                                  <p:stCondLst>
+                                    <p:cond delay="0"/>
+                                  </p:stCondLst>
+                                  <p:childTnLst>
+                                    <p:set>
+                                      <p:cBhvr>
+                                        <p:cTn id="6" dur="1" fill="hold">
+                                          <p:stCondLst>
+                                            <p:cond delay="0"/>
+                                          </p:stCondLst>
+                                        </p:cTn>
+                                        <p:tgtEl>
+                                          <p:spTgt spid="11"/>
+                                        </p:tgtEl>
+                                        <p:attrNameLst>
+                                          <p:attrName>style.visibility</p:attrName>
+                                        </p:attrNameLst>
+                                      </p:cBhvr>
+                                      <p:to>
+                                        <p:strVal val="visible"/>
+                                      </p:to>
+                                    </p:set>
+                                  </p:childTnLst>
+                                </p:cTn>
+                              </p:par>
+                              <p:par>
+                                <p:cTn id="7" presetID="1" presetClass="entr" presetSubtype="0" fill="hold" nodeType="withEffect">
+                                  <p:stCondLst>
+                                    <p:cond delay="0"/>
+                                  </p:stCondLst>
+                                  <p:childTnLst>
+                                    <p:set>
+                                      <p:cBhvr>
+                                        <p:cTn id="8" dur="1" fill="hold">
+                                          <p:stCondLst>
+                                            <p:cond delay="0"/>
+                                          </p:stCondLst>
+                                        </p:cTn>
+                                        <p:tgtEl>
+                                          <p:spTgt spid="9"/>
+                                        </p:tgtEl>
+                                        <p:attrNameLst>
+                                          <p:attrName>style.visibility</p:attrName>
+                                        </p:attrNameLst>
+                                      </p:cBhvr>
+                                      <p:to>
+                                        <p:strVal val="visible"/>
+                                      </p:to>
+                                    </p:set>
+                                  </p:childTnLst>
+                                </p:cTn>
+                              </p:par>
+                            </p:childTnLst>
+                          </p:cTn>
+                        </p:par>
+                      </p:childTnLst>
+                    </p:cTn>
+                  </p:par>
+                  <p:par>
+                    <p:cTn id="9" fill="hold">
+                      <p:stCondLst>
+                        <p:cond delay="indefinite"/>
+                      </p:stCondLst>
+                      <p:childTnLst>
+                        <p:par>
+                          <p:cTn id="10" fill="hold">
+                            <p:stCondLst>
+                              <p:cond delay="0"/>
+                            </p:stCondLst>
+                            <p:childTnLst>
+                              <p:par>
+                                <p:cTn id="11" presetID="1" presetClass="entr" presetSubtype="0" fill="hold" grpId="0" nodeType="clickEffect">
+                                  <p:stCondLst>
+                                    <p:cond delay="0"/>
+                                  </p:stCondLst>
+                                  <p:childTnLst>
+                                    <p:set>
+                                      <p:cBhvr>
+                                        <p:cTn id="12" dur="1" fill="hold">
+                                          <p:stCondLst>
+                                            <p:cond delay="0"/>
+                                          </p:stCondLst>
+                                        </p:cTn>
+                                        <p:tgtEl>
+                                          <p:spTgt spid="14"/>
+                                        </p:tgtEl>
+                                        <p:attrNameLst>
+                                          <p:attrName>style.visibility</p:attrName>
+                                        </p:attrNameLst>
+                                      </p:cBhvr>
+                                      <p:to>
+                                        <p:strVal val="visible"/>
+                                      </p:to>
+                                    </p:set>
+                                  </p:childTnLst>
+                                </p:cTn>
+                              </p:par>
+                            </p:childTnLst>
+                          </p:cTn>
+                        </p:par>
+                      </p:childTnLst>
+                    </p:cTn>
+                  </p:par>
+                  <p:par>
+                    <p:cTn id="13" fill="hold">
+                      <p:stCondLst>
+                        <p:cond delay="indefinite"/>
+                      </p:stCondLst>
+                      <p:childTnLst>
+                        <p:par>
+                          <p:cTn id="14" fill="hold">
+                            <p:stCondLst>
+                              <p:cond delay="0"/>
+                            </p:stCondLst>
+                            <p:childTnLst>
+                              <p:par>
+                                <p:cTn id="15" presetID="1" presetClass="entr" presetSubtype="0" fill="hold" grpId="0" nodeType="clickEffect">
+                                  <p:stCondLst>
+                                    <p:cond delay="0"/>
+                                  </p:stCondLst>
+                                  <p:childTnLst>
+                                    <p:set>
+                                      <p:cBhvr>
+                                        <p:cTn id="16" dur="1" fill="hold">
+                                          <p:stCondLst>
+                                            <p:cond delay="0"/>
+                                          </p:stCondLst>
+                                        </p:cTn>
+                                        <p:tgtEl>
+                                          <p:spTgt spid="15"/>
+                                        </p:tgtEl>
+                                        <p:attrNameLst>
+                                          <p:attrName>style.visibility</p:attrName>
+                                        </p:attrNameLst>
+                                      </p:cBhvr>
+                                      <p:to>
+                                        <p:strVal val="visible"/>
+                                      </p:to>
+                                    </p:set>
+                                  </p:childTnLst>
+                                </p:cTn>
+                              </p:par>
+                              <p:par>
+                                <p:cTn id="17" presetID="1" presetClass="entr" presetSubtype="0" fill="hold" grpId="0" nodeType="withEffect">
+                                  <p:stCondLst>
+                                    <p:cond delay="0"/>
+                                  </p:stCondLst>
+                                  <p:childTnLst>
+                                    <p:set>
+                                      <p:cBhvr>
+                                        <p:cTn id="18" dur="1" fill="hold">
+                                          <p:stCondLst>
+                                            <p:cond delay="0"/>
+                                          </p:stCondLst>
+                                        </p:cTn>
+                                        <p:tgtEl>
+                                          <p:spTgt spid="16"/>
+                                        </p:tgtEl>
+                                        <p:attrNameLst>
+                                          <p:attrName>style.visibility</p:attrName>
+                                        </p:attrNameLst>
+                                      </p:cBhvr>
+                                      <p:to>
+                                        <p:strVal val="visible"/>
+                                      </p:to>
+                                    </p:set>
+                                  </p:childTnLst>
+                                </p:cTn>
+                              </p:par>
+                              <p:par>
+                                <p:cTn id="19" presetID="1" presetClass="entr" presetSubtype="0" fill="hold" grpId="0" nodeType="withEffect">
+                                  <p:stCondLst>
+                                    <p:cond delay="0"/>
+                                  </p:stCondLst>
+                                  <p:childTnLst>
+                                    <p:set>
+                                      <p:cBhvr>
+                                        <p:cTn id="20" dur="1" fill="hold">
+                                          <p:stCondLst>
+                                            <p:cond delay="0"/>
+                                          </p:stCondLst>
+                                        </p:cTn>
+                                        <p:tgtEl>
+                                          <p:spTgt spid="23"/>
+                                        </p:tgtEl>
+                                        <p:attrNameLst>
+                                          <p:attrName>style.visibility</p:attrName>
+                                        </p:attrNameLst>
+                                      </p:cBhvr>
+                                      <p:to>
+                                        <p:strVal val="visible"/>
+                                      </p:to>
+                                    </p:set>
+                                  </p:childTnLst>
+                                </p:cTn>
+                              </p:par>
+                              <p:par>
+                                <p:cTn id="21" presetID="1" presetClass="entr" presetSubtype="0" fill="hold" grpId="0" nodeType="withEffect">
+                                  <p:stCondLst>
+                                    <p:cond delay="0"/>
+                                  </p:stCondLst>
+                                  <p:childTnLst>
+                                    <p:set>
+                                      <p:cBhvr>
+                                        <p:cTn id="22" dur="1" fill="hold">
+                                          <p:stCondLst>
+                                            <p:cond delay="0"/>
+                                          </p:stCondLst>
+                                        </p:cTn>
+                                        <p:tgtEl>
+                                          <p:spTgt spid="24"/>
+                                        </p:tgtEl>
+                                        <p:attrNameLst>
+                                          <p:attrName>style.visibility</p:attrName>
+                                        </p:attrNameLst>
+                                      </p:cBhvr>
+                                      <p:to>
+                                        <p:strVal val="visible"/>
+                                      </p:to>
+                                    </p:set>
+                                  </p:childTnLst>
+                                </p:cTn>
+                              </p:par>
+                              <p:par>
+                                <p:cTn id="23" presetID="1" presetClass="entr" presetSubtype="0" fill="hold" grpId="0" nodeType="withEffect">
+                                  <p:stCondLst>
+                                    <p:cond delay="0"/>
+                                  </p:stCondLst>
+                                  <p:childTnLst>
+                                    <p:set>
+                                      <p:cBhvr>
+                                        <p:cTn id="24" dur="1" fill="hold">
+                                          <p:stCondLst>
+                                            <p:cond delay="0"/>
+                                          </p:stCondLst>
+                                        </p:cTn>
+                                        <p:tgtEl>
+                                          <p:spTgt spid="25"/>
+                                        </p:tgtEl>
+                                        <p:attrNameLst>
+                                          <p:attrName>style.visibility</p:attrName>
+                                        </p:attrNameLst>
+                                      </p:cBhvr>
+                                      <p:to>
+                                        <p:strVal val="visible"/>
+                                      </p:to>
+                                    </p:set>
+                                  </p:childTnLst>
+                                </p:cTn>
+                              </p:par>
+                            </p:childTnLst>
+                          </p:cTn>
+                        </p:par>
+                      </p:childTnLst>
+                    </p:cTn>
+                  </p:par>
+                  <p:par>
+                    <p:cTn id="25" fill="hold">
+                      <p:stCondLst>
+                        <p:cond delay="indefinite"/>
+                      </p:stCondLst>
+                      <p:childTnLst>
+                        <p:par>
+                          <p:cTn id="26" fill="hold">
+                            <p:stCondLst>
+                              <p:cond delay="0"/>
+                            </p:stCondLst>
+                            <p:childTnLst>
+                              <p:par>
+                                <p:cTn id="27" presetID="1" presetClass="entr" presetSubtype="0" fill="hold" grpId="0" nodeType="clickEffect">
+                                  <p:stCondLst>
+                                    <p:cond delay="0"/>
+                                  </p:stCondLst>
+                                  <p:childTnLst>
+                                    <p:set>
+                                      <p:cBhvr>
+                                        <p:cTn id="28" dur="1" fill="hold">
+                                          <p:stCondLst>
+                                            <p:cond delay="0"/>
+                                          </p:stCondLst>
+                                        </p:cTn>
+                                        <p:tgtEl>
+                                          <p:spTgt spid="27"/>
+                                        </p:tgtEl>
+                                        <p:attrNameLst>
+                                          <p:attrName>style.visibility</p:attrName>
+                                        </p:attrNameLst>
+                                      </p:cBhvr>
+                                      <p:to>
+                                        <p:strVal val="visible"/>
+                                      </p:to>
+                                    </p:set>
+                                  </p:childTnLst>
+                                </p:cTn>
+                              </p:par>
+                            </p:childTnLst>
+                          </p:cTn>
+                        </p:par>
+                      </p:childTnLst>
+                    </p:cTn>
+                  </p:par>
+                  <p:par>
+                    <p:cTn id="29" fill="hold">
+                      <p:stCondLst>
+                        <p:cond delay="indefinite"/>
+                      </p:stCondLst>
+                      <p:childTnLst>
+                        <p:par>
+                          <p:cTn id="30" fill="hold">
+                            <p:stCondLst>
+                              <p:cond delay="0"/>
+                            </p:stCondLst>
+                            <p:childTnLst>
+                              <p:par>
+                                <p:cTn id="31" presetID="1" presetClass="entr" presetSubtype="0" fill="hold" nodeType="clickEffect">
+                                  <p:stCondLst>
+                                    <p:cond delay="0"/>
+                                  </p:stCondLst>
+                                  <p:childTnLst>
+                                    <p:set>
+                                      <p:cBhvr>
+                                        <p:cTn id="32" dur="1" fill="hold">
+                                          <p:stCondLst>
+                                            <p:cond delay="0"/>
+                                          </p:stCondLst>
+                                        </p:cTn>
+                                        <p:tgtEl>
+                                          <p:spTgt spid="28"/>
+                                        </p:tgtEl>
+                                        <p:attrNameLst>
+                                          <p:attrName>style.visibility</p:attrName>
+                                        </p:attrNameLst>
+                                      </p:cBhvr>
+                                      <p:to>
+                                        <p:strVal val="visible"/>
+                                      </p:to>
+                                    </p:set>
+                                  </p:childTnLst>
+                                </p:cTn>
+                              </p:par>
+                            </p:childTnLst>
+                          </p:cTn>
+                        </p:par>
+                      </p:childTnLst>
+                    </p:cTn>
+                  </p:par>
+                </p:childTnLst>
+              </p:cTn>
+              <p:prevCondLst>
+                <p:cond evt="onPrev" delay="0">
+                  <p:tgtEl>
+                    <p:sldTgt/>
+                  </p:tgtEl>
+                </p:cond>
+              </p:prevCondLst>
+              <p:nextCondLst>
+                <p:cond evt="onNext" delay="0">
+                  <p:tgtEl>
+                    <p:sldTgt/>
+                  </p:tgtEl>
+                </p:cond>
+              </p:nextCondLst>
+            </p:seq>
+          </p:childTnLst>
+        </p:cTn>
       </p:par>
     </p:tnLst>
+    <p:bldLst>
+      <p:bldP spid="27" grpId="0" animBg="1"/>
+      <p:bldP spid="11" grpId="0" animBg="1"/>
+      <p:bldP spid="14" grpId="0" animBg="1"/>
+      <p:bldP spid="15" grpId="0" animBg="1"/>
+      <p:bldP spid="16" grpId="0" animBg="1"/>
+      <p:bldP spid="23" grpId="0" animBg="1"/>
+      <p:bldP spid="24" grpId="0" animBg="1"/>
+      <p:bldP spid="25" grpId="0" animBg="1"/>
+    </p:bldLst>
+  </p:timing>
+</p:sld>
+</file>
+
+<file path=ppt/slides/slide26.xml><?xml version="1.0" encoding="utf-8"?>
+<p:sld xmlns:a="http://schemas.openxmlformats.org/drawingml/2006/main" xmlns:r="http://schemas.openxmlformats.org/officeDocument/2006/relationships" xmlns:p="http://schemas.openxmlformats.org/presentationml/2006/main">
+  <p:cSld>
+    <p:spTree>
+      <p:nvGrpSpPr>
+        <p:cNvPr id="1" name=""/>
+        <p:cNvGrpSpPr/>
+        <p:nvPr/>
+      </p:nvGrpSpPr>
+      <p:grpSpPr>
+        <a:xfrm>
+          <a:off x="0" y="0"/>
+          <a:ext cx="0" cy="0"/>
+          <a:chOff x="0" y="0"/>
+          <a:chExt cx="0" cy="0"/>
+        </a:xfrm>
+      </p:grpSpPr>
+      <p:sp>
+        <p:nvSpPr>
+          <p:cNvPr id="41" name="Rounded Rectangle 40"/>
+          <p:cNvSpPr/>
+          <p:nvPr/>
+        </p:nvSpPr>
+        <p:spPr bwMode="auto">
+          <a:xfrm>
+            <a:off x="3563888" y="4845280"/>
+            <a:ext cx="1204323" cy="383920"/>
+          </a:xfrm>
+          <a:prstGeom prst="roundRect">
+            <a:avLst/>
+          </a:prstGeom>
+          <a:solidFill>
+            <a:schemeClr val="bg1"/>
+          </a:solidFill>
+          <a:ln w="9525" cap="flat" cmpd="sng" algn="ctr">
+            <a:noFill/>
+            <a:prstDash val="solid"/>
+            <a:round/>
+            <a:headEnd type="none" w="med" len="med"/>
+            <a:tailEnd type="none" w="med" len="med"/>
+          </a:ln>
+          <a:effectLst/>
+          <a:extLst/>
+        </p:spPr>
+        <p:txBody>
+          <a:bodyPr vert="horz" wrap="square" lIns="91440" tIns="45720" rIns="91440" bIns="45720" numCol="1" rtlCol="0" anchor="t" anchorCtr="0" compatLnSpc="1">
+            <a:prstTxWarp prst="textNoShape">
+              <a:avLst/>
+            </a:prstTxWarp>
+          </a:bodyPr>
+          <a:lstStyle/>
+          <a:p>
+            <a:pPr marL="0" marR="0" indent="0" algn="l" defTabSz="914400" rtl="0" eaLnBrk="1" fontAlgn="base" latinLnBrk="0" hangingPunct="1">
+              <a:lnSpc>
+                <a:spcPct val="100000"/>
+              </a:lnSpc>
+              <a:spcBef>
+                <a:spcPct val="0"/>
+              </a:spcBef>
+              <a:spcAft>
+                <a:spcPct val="0"/>
+              </a:spcAft>
+              <a:buClrTx/>
+              <a:buSzTx/>
+              <a:buFontTx/>
+              <a:buNone/>
+              <a:tabLst/>
+            </a:pPr>
+            <a:r>
+              <a:rPr kumimoji="0" lang="de-DE" sz="1800" b="1" i="0" u="none" strike="noStrike" cap="none" normalizeH="0" baseline="0" dirty="0" smtClean="0">
+                <a:ln>
+                  <a:noFill/>
+                </a:ln>
+                <a:solidFill>
+                  <a:srgbClr val="00B050"/>
+                </a:solidFill>
+                <a:effectLst/>
+                <a:latin typeface="Arial" panose="020B0604020202020204" pitchFamily="34" charset="0"/>
+              </a:rPr>
+              <a:t>RTType3</a:t>
+            </a:r>
+          </a:p>
+        </p:txBody>
+      </p:sp>
+      <p:sp>
+        <p:nvSpPr>
+          <p:cNvPr id="40" name="Rounded Rectangle 39"/>
+          <p:cNvSpPr/>
+          <p:nvPr/>
+        </p:nvSpPr>
+        <p:spPr bwMode="auto">
+          <a:xfrm>
+            <a:off x="3563585" y="3333112"/>
+            <a:ext cx="1204323" cy="383920"/>
+          </a:xfrm>
+          <a:prstGeom prst="roundRect">
+            <a:avLst/>
+          </a:prstGeom>
+          <a:solidFill>
+            <a:schemeClr val="bg1"/>
+          </a:solidFill>
+          <a:ln w="9525" cap="flat" cmpd="sng" algn="ctr">
+            <a:noFill/>
+            <a:prstDash val="solid"/>
+            <a:round/>
+            <a:headEnd type="none" w="med" len="med"/>
+            <a:tailEnd type="none" w="med" len="med"/>
+          </a:ln>
+          <a:effectLst/>
+          <a:extLst/>
+        </p:spPr>
+        <p:txBody>
+          <a:bodyPr vert="horz" wrap="square" lIns="91440" tIns="45720" rIns="91440" bIns="45720" numCol="1" rtlCol="0" anchor="t" anchorCtr="0" compatLnSpc="1">
+            <a:prstTxWarp prst="textNoShape">
+              <a:avLst/>
+            </a:prstTxWarp>
+          </a:bodyPr>
+          <a:lstStyle/>
+          <a:p>
+            <a:pPr marL="0" marR="0" indent="0" algn="l" defTabSz="914400" rtl="0" eaLnBrk="1" fontAlgn="base" latinLnBrk="0" hangingPunct="1">
+              <a:lnSpc>
+                <a:spcPct val="100000"/>
+              </a:lnSpc>
+              <a:spcBef>
+                <a:spcPct val="0"/>
+              </a:spcBef>
+              <a:spcAft>
+                <a:spcPct val="0"/>
+              </a:spcAft>
+              <a:buClrTx/>
+              <a:buSzTx/>
+              <a:buFontTx/>
+              <a:buNone/>
+              <a:tabLst/>
+            </a:pPr>
+            <a:r>
+              <a:rPr kumimoji="0" lang="de-DE" sz="1800" b="1" i="0" u="none" strike="noStrike" cap="none" normalizeH="0" baseline="0" dirty="0" smtClean="0">
+                <a:ln>
+                  <a:noFill/>
+                </a:ln>
+                <a:solidFill>
+                  <a:srgbClr val="00B050"/>
+                </a:solidFill>
+                <a:effectLst/>
+                <a:latin typeface="Arial" panose="020B0604020202020204" pitchFamily="34" charset="0"/>
+              </a:rPr>
+              <a:t>RTType2</a:t>
+            </a:r>
+          </a:p>
+        </p:txBody>
+      </p:sp>
+      <p:sp>
+        <p:nvSpPr>
+          <p:cNvPr id="39" name="Rounded Rectangle 38"/>
+          <p:cNvSpPr/>
+          <p:nvPr/>
+        </p:nvSpPr>
+        <p:spPr bwMode="auto">
+          <a:xfrm>
+            <a:off x="3583701" y="1820944"/>
+            <a:ext cx="1204323" cy="383920"/>
+          </a:xfrm>
+          <a:prstGeom prst="roundRect">
+            <a:avLst/>
+          </a:prstGeom>
+          <a:solidFill>
+            <a:schemeClr val="bg1"/>
+          </a:solidFill>
+          <a:ln w="9525" cap="flat" cmpd="sng" algn="ctr">
+            <a:noFill/>
+            <a:prstDash val="solid"/>
+            <a:round/>
+            <a:headEnd type="none" w="med" len="med"/>
+            <a:tailEnd type="none" w="med" len="med"/>
+          </a:ln>
+          <a:effectLst/>
+          <a:extLst/>
+        </p:spPr>
+        <p:txBody>
+          <a:bodyPr vert="horz" wrap="square" lIns="91440" tIns="45720" rIns="91440" bIns="45720" numCol="1" rtlCol="0" anchor="t" anchorCtr="0" compatLnSpc="1">
+            <a:prstTxWarp prst="textNoShape">
+              <a:avLst/>
+            </a:prstTxWarp>
+          </a:bodyPr>
+          <a:lstStyle/>
+          <a:p>
+            <a:pPr marL="0" marR="0" indent="0" algn="l" defTabSz="914400" rtl="0" eaLnBrk="1" fontAlgn="base" latinLnBrk="0" hangingPunct="1">
+              <a:lnSpc>
+                <a:spcPct val="100000"/>
+              </a:lnSpc>
+              <a:spcBef>
+                <a:spcPct val="0"/>
+              </a:spcBef>
+              <a:spcAft>
+                <a:spcPct val="0"/>
+              </a:spcAft>
+              <a:buClrTx/>
+              <a:buSzTx/>
+              <a:buFontTx/>
+              <a:buNone/>
+              <a:tabLst/>
+            </a:pPr>
+            <a:r>
+              <a:rPr kumimoji="0" lang="de-DE" sz="1800" b="1" i="0" u="none" strike="noStrike" cap="none" normalizeH="0" baseline="0" dirty="0" smtClean="0">
+                <a:ln>
+                  <a:noFill/>
+                </a:ln>
+                <a:solidFill>
+                  <a:srgbClr val="00B050"/>
+                </a:solidFill>
+                <a:effectLst/>
+                <a:latin typeface="Arial" panose="020B0604020202020204" pitchFamily="34" charset="0"/>
+              </a:rPr>
+              <a:t>RTType1</a:t>
+            </a:r>
+          </a:p>
+        </p:txBody>
+      </p:sp>
+      <p:sp>
+        <p:nvSpPr>
+          <p:cNvPr id="27" name="Rectangle 26"/>
+          <p:cNvSpPr/>
+          <p:nvPr/>
+        </p:nvSpPr>
+        <p:spPr bwMode="auto">
+          <a:xfrm>
+            <a:off x="5397077" y="1556792"/>
+            <a:ext cx="2376264" cy="1224136"/>
+          </a:xfrm>
+          <a:prstGeom prst="rect">
+            <a:avLst/>
+          </a:prstGeom>
+          <a:solidFill>
+            <a:schemeClr val="bg1"/>
+          </a:solidFill>
+          <a:ln w="101600" cap="flat" cmpd="sng" algn="ctr">
+            <a:solidFill>
+              <a:srgbClr val="C00000"/>
+            </a:solidFill>
+            <a:prstDash val="solid"/>
+            <a:round/>
+            <a:headEnd type="none" w="med" len="med"/>
+            <a:tailEnd type="none" w="med" len="med"/>
+          </a:ln>
+          <a:effectLst/>
+          <a:extLst/>
+        </p:spPr>
+        <p:txBody>
+          <a:bodyPr vert="horz" wrap="square" lIns="91440" tIns="45720" rIns="91440" bIns="45720" numCol="1" rtlCol="0" anchor="t" anchorCtr="0" compatLnSpc="1">
+            <a:prstTxWarp prst="textNoShape">
+              <a:avLst/>
+            </a:prstTxWarp>
+          </a:bodyPr>
+          <a:lstStyle/>
+          <a:p>
+            <a:pPr marL="0" marR="0" indent="0" algn="l" defTabSz="914400" rtl="0" eaLnBrk="1" fontAlgn="base" latinLnBrk="0" hangingPunct="1">
+              <a:lnSpc>
+                <a:spcPct val="100000"/>
+              </a:lnSpc>
+              <a:spcBef>
+                <a:spcPct val="0"/>
+              </a:spcBef>
+              <a:spcAft>
+                <a:spcPct val="0"/>
+              </a:spcAft>
+              <a:buClrTx/>
+              <a:buSzTx/>
+              <a:buFontTx/>
+              <a:buNone/>
+              <a:tabLst/>
+            </a:pPr>
+            <a:endParaRPr kumimoji="0" lang="de-DE" sz="1800" b="1" i="0" u="none" strike="noStrike" cap="none" normalizeH="0" baseline="0" smtClean="0">
+              <a:ln>
+                <a:noFill/>
+              </a:ln>
+              <a:solidFill>
+                <a:schemeClr val="tx1"/>
+              </a:solidFill>
+              <a:effectLst/>
+              <a:latin typeface="Arial" panose="020B0604020202020204" pitchFamily="34" charset="0"/>
+            </a:endParaRPr>
+          </a:p>
+        </p:txBody>
+      </p:sp>
+      <p:sp>
+        <p:nvSpPr>
+          <p:cNvPr id="2" name="Title 1"/>
+          <p:cNvSpPr>
+            <a:spLocks noGrp="1"/>
+          </p:cNvSpPr>
+          <p:nvPr>
+            <p:ph type="title"/>
+          </p:nvPr>
+        </p:nvSpPr>
+        <p:spPr/>
+        <p:txBody>
+          <a:bodyPr/>
+          <a:lstStyle/>
+          <a:p>
+            <a:r>
+              <a:rPr lang="de-DE" dirty="0" smtClean="0"/>
+              <a:t>Parallel support for multiple resource tree types</a:t>
+            </a:r>
+            <a:endParaRPr lang="de-DE" dirty="0"/>
+          </a:p>
+        </p:txBody>
+      </p:sp>
+      <p:sp>
+        <p:nvSpPr>
+          <p:cNvPr id="4" name="Date Placeholder 3"/>
+          <p:cNvSpPr>
+            <a:spLocks noGrp="1"/>
+          </p:cNvSpPr>
+          <p:nvPr>
+            <p:ph type="dt" sz="half" idx="10"/>
+          </p:nvPr>
+        </p:nvSpPr>
+        <p:spPr/>
+        <p:txBody>
+          <a:bodyPr/>
+          <a:lstStyle/>
+          <a:p>
+            <a:pPr>
+              <a:defRPr/>
+            </a:pPr>
+            <a:r>
+              <a:rPr lang="de-DE" altLang="de-DE" smtClean="0"/>
+              <a:t>2016-08-03</a:t>
+            </a:r>
+            <a:endParaRPr lang="de-DE" altLang="en-US"/>
+          </a:p>
+        </p:txBody>
+      </p:sp>
+      <p:sp>
+        <p:nvSpPr>
+          <p:cNvPr id="5" name="Footer Placeholder 4"/>
+          <p:cNvSpPr>
+            <a:spLocks noGrp="1"/>
+          </p:cNvSpPr>
+          <p:nvPr>
+            <p:ph type="ftr" sz="quarter" idx="11"/>
+          </p:nvPr>
+        </p:nvSpPr>
+        <p:spPr/>
+        <p:txBody>
+          <a:bodyPr/>
+          <a:lstStyle/>
+          <a:p>
+            <a:pPr>
+              <a:defRPr/>
+            </a:pPr>
+            <a:r>
+              <a:rPr lang="de-DE" altLang="en-US" smtClean="0"/>
+              <a:t>FOXpath - an expression language</a:t>
+            </a:r>
+            <a:endParaRPr lang="de-DE" altLang="en-US"/>
+          </a:p>
+        </p:txBody>
+      </p:sp>
+      <p:sp>
+        <p:nvSpPr>
+          <p:cNvPr id="6" name="Slide Number Placeholder 5"/>
+          <p:cNvSpPr>
+            <a:spLocks noGrp="1"/>
+          </p:cNvSpPr>
+          <p:nvPr>
+            <p:ph type="sldNum" sz="quarter" idx="12"/>
+          </p:nvPr>
+        </p:nvSpPr>
+        <p:spPr>
+          <a:xfrm>
+            <a:off x="6553200" y="6284168"/>
+            <a:ext cx="2133600" cy="457200"/>
+          </a:xfrm>
+        </p:spPr>
+        <p:txBody>
+          <a:bodyPr/>
+          <a:lstStyle/>
+          <a:p>
+            <a:pPr>
+              <a:defRPr/>
+            </a:pPr>
+            <a:fld id="{F031B2F4-27D1-4E53-97CF-1947CD75B185}" type="slidenum">
+              <a:rPr lang="de-DE" altLang="en-US" smtClean="0"/>
+              <a:pPr>
+                <a:defRPr/>
+              </a:pPr>
+              <a:t>26</a:t>
+            </a:fld>
+            <a:endParaRPr lang="de-DE" altLang="en-US" dirty="0"/>
+          </a:p>
+        </p:txBody>
+      </p:sp>
+      <p:pic>
+        <p:nvPicPr>
+          <p:cNvPr id="9" name="Content Placeholder 6"/>
+          <p:cNvPicPr>
+            <a:picLocks noGrp="1" noChangeAspect="1"/>
+          </p:cNvPicPr>
+          <p:nvPr>
+            <p:ph idx="1"/>
+          </p:nvPr>
+        </p:nvPicPr>
+        <p:blipFill>
+          <a:blip r:embed="rId3" cstate="print">
+            <a:extLst>
+              <a:ext uri="{28A0092B-C50C-407E-A947-70E740481C1C}">
+                <a14:useLocalDpi xmlns:a14="http://schemas.microsoft.com/office/drawing/2010/main" val="0"/>
+              </a:ext>
+            </a:extLst>
+          </a:blip>
+          <a:stretch>
+            <a:fillRect/>
+          </a:stretch>
+        </p:blipFill>
+        <p:spPr>
+          <a:xfrm>
+            <a:off x="5985173" y="1700808"/>
+            <a:ext cx="1147270" cy="802462"/>
+          </a:xfrm>
+        </p:spPr>
+      </p:pic>
+      <p:sp>
+        <p:nvSpPr>
+          <p:cNvPr id="11" name="Rounded Rectangle 10"/>
+          <p:cNvSpPr/>
+          <p:nvPr/>
+        </p:nvSpPr>
+        <p:spPr bwMode="auto">
+          <a:xfrm>
+            <a:off x="539552" y="3380964"/>
+            <a:ext cx="2376264" cy="540060"/>
+          </a:xfrm>
+          <a:prstGeom prst="roundRect">
+            <a:avLst/>
+          </a:prstGeom>
+          <a:solidFill>
+            <a:srgbClr val="C00000"/>
+          </a:solidFill>
+          <a:ln w="9525" cap="flat" cmpd="sng" algn="ctr">
+            <a:solidFill>
+              <a:schemeClr val="tx1"/>
+            </a:solidFill>
+            <a:prstDash val="solid"/>
+            <a:round/>
+            <a:headEnd type="none" w="med" len="med"/>
+            <a:tailEnd type="none" w="med" len="med"/>
+          </a:ln>
+          <a:effectLst/>
+          <a:extLst/>
+        </p:spPr>
+        <p:txBody>
+          <a:bodyPr vert="horz" wrap="square" lIns="91440" tIns="45720" rIns="91440" bIns="45720" numCol="1" rtlCol="0" anchor="t" anchorCtr="0" compatLnSpc="1">
+            <a:prstTxWarp prst="textNoShape">
+              <a:avLst/>
+            </a:prstTxWarp>
+          </a:bodyPr>
+          <a:lstStyle/>
+          <a:p>
+            <a:pPr marL="0" marR="0" indent="0" algn="ctr" defTabSz="914400" rtl="0" eaLnBrk="1" fontAlgn="base" latinLnBrk="0" hangingPunct="1">
+              <a:lnSpc>
+                <a:spcPct val="100000"/>
+              </a:lnSpc>
+              <a:spcBef>
+                <a:spcPct val="0"/>
+              </a:spcBef>
+              <a:spcAft>
+                <a:spcPct val="0"/>
+              </a:spcAft>
+              <a:buClrTx/>
+              <a:buSzTx/>
+              <a:buFontTx/>
+              <a:buNone/>
+              <a:tabLst/>
+            </a:pPr>
+            <a:r>
+              <a:rPr kumimoji="0" lang="de-DE" sz="2400" b="1" i="0" u="none" strike="noStrike" cap="none" normalizeH="0" baseline="0" dirty="0" smtClean="0">
+                <a:ln>
+                  <a:noFill/>
+                </a:ln>
+                <a:solidFill>
+                  <a:schemeClr val="bg1"/>
+                </a:solidFill>
+                <a:effectLst/>
+                <a:latin typeface="Arial" panose="020B0604020202020204" pitchFamily="34" charset="0"/>
+              </a:rPr>
+              <a:t>fox axis step</a:t>
+            </a:r>
+          </a:p>
+        </p:txBody>
+      </p:sp>
+      <p:sp>
+        <p:nvSpPr>
+          <p:cNvPr id="16" name="Oval 15"/>
+          <p:cNvSpPr/>
+          <p:nvPr/>
+        </p:nvSpPr>
+        <p:spPr bwMode="auto">
+          <a:xfrm>
+            <a:off x="5166097" y="1886807"/>
+            <a:ext cx="180000" cy="180000"/>
+          </a:xfrm>
+          <a:prstGeom prst="ellipse">
+            <a:avLst/>
+          </a:prstGeom>
+          <a:solidFill>
+            <a:srgbClr val="C00000"/>
+          </a:solidFill>
+          <a:ln w="9525" cap="flat" cmpd="sng" algn="ctr">
+            <a:solidFill>
+              <a:schemeClr val="tx1"/>
+            </a:solidFill>
+            <a:prstDash val="solid"/>
+            <a:round/>
+            <a:headEnd type="none" w="med" len="med"/>
+            <a:tailEnd type="none" w="med" len="med"/>
+          </a:ln>
+          <a:effectLst/>
+          <a:extLst/>
+        </p:spPr>
+        <p:txBody>
+          <a:bodyPr vert="horz" wrap="square" lIns="91440" tIns="45720" rIns="91440" bIns="45720" numCol="1" rtlCol="0" anchor="t" anchorCtr="0" compatLnSpc="1">
+            <a:prstTxWarp prst="textNoShape">
+              <a:avLst/>
+            </a:prstTxWarp>
+          </a:bodyPr>
+          <a:lstStyle/>
+          <a:p>
+            <a:pPr marL="0" marR="0" indent="0" algn="l" defTabSz="914400" rtl="0" eaLnBrk="1" fontAlgn="base" latinLnBrk="0" hangingPunct="1">
+              <a:lnSpc>
+                <a:spcPct val="100000"/>
+              </a:lnSpc>
+              <a:spcBef>
+                <a:spcPct val="0"/>
+              </a:spcBef>
+              <a:spcAft>
+                <a:spcPct val="0"/>
+              </a:spcAft>
+              <a:buClrTx/>
+              <a:buSzTx/>
+              <a:buFontTx/>
+              <a:buNone/>
+              <a:tabLst/>
+            </a:pPr>
+            <a:endParaRPr kumimoji="0" lang="de-DE" sz="1800" b="1" i="0" u="none" strike="noStrike" cap="none" normalizeH="0" baseline="0" smtClean="0">
+              <a:ln>
+                <a:noFill/>
+              </a:ln>
+              <a:solidFill>
+                <a:schemeClr val="tx1"/>
+              </a:solidFill>
+              <a:effectLst/>
+              <a:latin typeface="Arial" panose="020B0604020202020204" pitchFamily="34" charset="0"/>
+            </a:endParaRPr>
+          </a:p>
+        </p:txBody>
+      </p:sp>
+      <p:sp>
+        <p:nvSpPr>
+          <p:cNvPr id="23" name="Oval 22"/>
+          <p:cNvSpPr/>
+          <p:nvPr/>
+        </p:nvSpPr>
+        <p:spPr bwMode="auto">
+          <a:xfrm>
+            <a:off x="5166097" y="2048203"/>
+            <a:ext cx="180000" cy="180000"/>
+          </a:xfrm>
+          <a:prstGeom prst="ellipse">
+            <a:avLst/>
+          </a:prstGeom>
+          <a:solidFill>
+            <a:srgbClr val="C00000"/>
+          </a:solidFill>
+          <a:ln w="9525" cap="flat" cmpd="sng" algn="ctr">
+            <a:solidFill>
+              <a:schemeClr val="tx1"/>
+            </a:solidFill>
+            <a:prstDash val="solid"/>
+            <a:round/>
+            <a:headEnd type="none" w="med" len="med"/>
+            <a:tailEnd type="none" w="med" len="med"/>
+          </a:ln>
+          <a:effectLst/>
+          <a:extLst/>
+        </p:spPr>
+        <p:txBody>
+          <a:bodyPr vert="horz" wrap="square" lIns="91440" tIns="45720" rIns="91440" bIns="45720" numCol="1" rtlCol="0" anchor="t" anchorCtr="0" compatLnSpc="1">
+            <a:prstTxWarp prst="textNoShape">
+              <a:avLst/>
+            </a:prstTxWarp>
+          </a:bodyPr>
+          <a:lstStyle/>
+          <a:p>
+            <a:pPr marL="0" marR="0" indent="0" algn="l" defTabSz="914400" rtl="0" eaLnBrk="1" fontAlgn="base" latinLnBrk="0" hangingPunct="1">
+              <a:lnSpc>
+                <a:spcPct val="100000"/>
+              </a:lnSpc>
+              <a:spcBef>
+                <a:spcPct val="0"/>
+              </a:spcBef>
+              <a:spcAft>
+                <a:spcPct val="0"/>
+              </a:spcAft>
+              <a:buClrTx/>
+              <a:buSzTx/>
+              <a:buFontTx/>
+              <a:buNone/>
+              <a:tabLst/>
+            </a:pPr>
+            <a:endParaRPr kumimoji="0" lang="de-DE" sz="1800" b="1" i="0" u="none" strike="noStrike" cap="none" normalizeH="0" baseline="0" smtClean="0">
+              <a:ln>
+                <a:noFill/>
+              </a:ln>
+              <a:solidFill>
+                <a:schemeClr val="tx1"/>
+              </a:solidFill>
+              <a:effectLst/>
+              <a:latin typeface="Arial" panose="020B0604020202020204" pitchFamily="34" charset="0"/>
+            </a:endParaRPr>
+          </a:p>
+        </p:txBody>
+      </p:sp>
+      <p:sp>
+        <p:nvSpPr>
+          <p:cNvPr id="24" name="Oval 23"/>
+          <p:cNvSpPr/>
+          <p:nvPr/>
+        </p:nvSpPr>
+        <p:spPr bwMode="auto">
+          <a:xfrm>
+            <a:off x="5166097" y="2209599"/>
+            <a:ext cx="180000" cy="180000"/>
+          </a:xfrm>
+          <a:prstGeom prst="ellipse">
+            <a:avLst/>
+          </a:prstGeom>
+          <a:solidFill>
+            <a:srgbClr val="C00000"/>
+          </a:solidFill>
+          <a:ln w="9525" cap="flat" cmpd="sng" algn="ctr">
+            <a:solidFill>
+              <a:schemeClr val="tx1"/>
+            </a:solidFill>
+            <a:prstDash val="solid"/>
+            <a:round/>
+            <a:headEnd type="none" w="med" len="med"/>
+            <a:tailEnd type="none" w="med" len="med"/>
+          </a:ln>
+          <a:effectLst/>
+          <a:extLst/>
+        </p:spPr>
+        <p:txBody>
+          <a:bodyPr vert="horz" wrap="square" lIns="91440" tIns="45720" rIns="91440" bIns="45720" numCol="1" rtlCol="0" anchor="t" anchorCtr="0" compatLnSpc="1">
+            <a:prstTxWarp prst="textNoShape">
+              <a:avLst/>
+            </a:prstTxWarp>
+          </a:bodyPr>
+          <a:lstStyle/>
+          <a:p>
+            <a:pPr marL="0" marR="0" indent="0" algn="l" defTabSz="914400" rtl="0" eaLnBrk="1" fontAlgn="base" latinLnBrk="0" hangingPunct="1">
+              <a:lnSpc>
+                <a:spcPct val="100000"/>
+              </a:lnSpc>
+              <a:spcBef>
+                <a:spcPct val="0"/>
+              </a:spcBef>
+              <a:spcAft>
+                <a:spcPct val="0"/>
+              </a:spcAft>
+              <a:buClrTx/>
+              <a:buSzTx/>
+              <a:buFontTx/>
+              <a:buNone/>
+              <a:tabLst/>
+            </a:pPr>
+            <a:endParaRPr kumimoji="0" lang="de-DE" sz="1800" b="1" i="0" u="none" strike="noStrike" cap="none" normalizeH="0" baseline="0" smtClean="0">
+              <a:ln>
+                <a:noFill/>
+              </a:ln>
+              <a:solidFill>
+                <a:schemeClr val="tx1"/>
+              </a:solidFill>
+              <a:effectLst/>
+              <a:latin typeface="Arial" panose="020B0604020202020204" pitchFamily="34" charset="0"/>
+            </a:endParaRPr>
+          </a:p>
+        </p:txBody>
+      </p:sp>
+      <p:sp>
+        <p:nvSpPr>
+          <p:cNvPr id="25" name="Right Arrow 24"/>
+          <p:cNvSpPr/>
+          <p:nvPr/>
+        </p:nvSpPr>
+        <p:spPr bwMode="auto">
+          <a:xfrm>
+            <a:off x="3635896" y="2095422"/>
+            <a:ext cx="1053133" cy="133322"/>
+          </a:xfrm>
+          <a:prstGeom prst="rightArrow">
+            <a:avLst/>
+          </a:prstGeom>
+          <a:solidFill>
+            <a:srgbClr val="C00000"/>
+          </a:solidFill>
+          <a:ln w="9525" cap="flat" cmpd="sng" algn="ctr">
+            <a:solidFill>
+              <a:schemeClr val="tx1"/>
+            </a:solidFill>
+            <a:prstDash val="solid"/>
+            <a:round/>
+            <a:headEnd type="none" w="med" len="med"/>
+            <a:tailEnd type="none" w="med" len="med"/>
+          </a:ln>
+          <a:effectLst/>
+          <a:extLst/>
+        </p:spPr>
+        <p:txBody>
+          <a:bodyPr vert="horz" wrap="square" lIns="91440" tIns="45720" rIns="91440" bIns="45720" numCol="1" rtlCol="0" anchor="t" anchorCtr="0" compatLnSpc="1">
+            <a:prstTxWarp prst="textNoShape">
+              <a:avLst/>
+            </a:prstTxWarp>
+          </a:bodyPr>
+          <a:lstStyle/>
+          <a:p>
+            <a:pPr marL="0" marR="0" indent="0" algn="l" defTabSz="914400" rtl="0" eaLnBrk="1" fontAlgn="base" latinLnBrk="0" hangingPunct="1">
+              <a:lnSpc>
+                <a:spcPct val="100000"/>
+              </a:lnSpc>
+              <a:spcBef>
+                <a:spcPct val="0"/>
+              </a:spcBef>
+              <a:spcAft>
+                <a:spcPct val="0"/>
+              </a:spcAft>
+              <a:buClrTx/>
+              <a:buSzTx/>
+              <a:buFontTx/>
+              <a:buNone/>
+              <a:tabLst/>
+            </a:pPr>
+            <a:endParaRPr kumimoji="0" lang="de-DE" sz="1800" b="1" i="0" u="none" strike="noStrike" cap="none" normalizeH="0" baseline="0" smtClean="0">
+              <a:ln>
+                <a:noFill/>
+              </a:ln>
+              <a:solidFill>
+                <a:schemeClr val="tx1"/>
+              </a:solidFill>
+              <a:effectLst/>
+              <a:latin typeface="Arial" panose="020B0604020202020204" pitchFamily="34" charset="0"/>
+            </a:endParaRPr>
+          </a:p>
+        </p:txBody>
+      </p:sp>
+      <p:sp>
+        <p:nvSpPr>
+          <p:cNvPr id="17" name="Rectangle 16"/>
+          <p:cNvSpPr/>
+          <p:nvPr/>
+        </p:nvSpPr>
+        <p:spPr bwMode="auto">
+          <a:xfrm>
+            <a:off x="5397077" y="3068960"/>
+            <a:ext cx="2376264" cy="1224136"/>
+          </a:xfrm>
+          <a:prstGeom prst="rect">
+            <a:avLst/>
+          </a:prstGeom>
+          <a:solidFill>
+            <a:schemeClr val="bg1"/>
+          </a:solidFill>
+          <a:ln w="101600" cap="flat" cmpd="sng" algn="ctr">
+            <a:solidFill>
+              <a:srgbClr val="C00000"/>
+            </a:solidFill>
+            <a:prstDash val="solid"/>
+            <a:round/>
+            <a:headEnd type="none" w="med" len="med"/>
+            <a:tailEnd type="none" w="med" len="med"/>
+          </a:ln>
+          <a:effectLst/>
+          <a:extLst/>
+        </p:spPr>
+        <p:txBody>
+          <a:bodyPr vert="horz" wrap="square" lIns="91440" tIns="45720" rIns="91440" bIns="45720" numCol="1" rtlCol="0" anchor="t" anchorCtr="0" compatLnSpc="1">
+            <a:prstTxWarp prst="textNoShape">
+              <a:avLst/>
+            </a:prstTxWarp>
+          </a:bodyPr>
+          <a:lstStyle/>
+          <a:p>
+            <a:pPr marL="0" marR="0" indent="0" algn="l" defTabSz="914400" rtl="0" eaLnBrk="1" fontAlgn="base" latinLnBrk="0" hangingPunct="1">
+              <a:lnSpc>
+                <a:spcPct val="100000"/>
+              </a:lnSpc>
+              <a:spcBef>
+                <a:spcPct val="0"/>
+              </a:spcBef>
+              <a:spcAft>
+                <a:spcPct val="0"/>
+              </a:spcAft>
+              <a:buClrTx/>
+              <a:buSzTx/>
+              <a:buFontTx/>
+              <a:buNone/>
+              <a:tabLst/>
+            </a:pPr>
+            <a:endParaRPr kumimoji="0" lang="de-DE" sz="1800" b="1" i="0" u="none" strike="noStrike" cap="none" normalizeH="0" baseline="0" smtClean="0">
+              <a:ln>
+                <a:noFill/>
+              </a:ln>
+              <a:solidFill>
+                <a:schemeClr val="tx1"/>
+              </a:solidFill>
+              <a:effectLst/>
+              <a:latin typeface="Arial" panose="020B0604020202020204" pitchFamily="34" charset="0"/>
+            </a:endParaRPr>
+          </a:p>
+        </p:txBody>
+      </p:sp>
+      <p:pic>
+        <p:nvPicPr>
+          <p:cNvPr id="18" name="Content Placeholder 6"/>
+          <p:cNvPicPr>
+            <a:picLocks noChangeAspect="1"/>
+          </p:cNvPicPr>
+          <p:nvPr/>
+        </p:nvPicPr>
+        <p:blipFill>
+          <a:blip r:embed="rId3" cstate="print">
+            <a:extLst>
+              <a:ext uri="{28A0092B-C50C-407E-A947-70E740481C1C}">
+                <a14:useLocalDpi xmlns:a14="http://schemas.microsoft.com/office/drawing/2010/main" val="0"/>
+              </a:ext>
+            </a:extLst>
+          </a:blip>
+          <a:stretch>
+            <a:fillRect/>
+          </a:stretch>
+        </p:blipFill>
+        <p:spPr bwMode="auto">
+          <a:xfrm>
+            <a:off x="5985173" y="3212976"/>
+            <a:ext cx="1147270" cy="802462"/>
+          </a:xfrm>
+          <a:prstGeom prst="rect">
+            <a:avLst/>
+          </a:prstGeom>
+          <a:noFill/>
+          <a:ln>
+            <a:noFill/>
+          </a:ln>
+          <a:effectLst/>
+          <a:extLst>
+            <a:ext uri="{909E8E84-426E-40DD-AFC4-6F175D3DCCD1}">
+              <a14:hiddenFill xmlns:a14="http://schemas.microsoft.com/office/drawing/2010/main">
+                <a:solidFill>
+                  <a:schemeClr val="accent1"/>
+                </a:solidFill>
+              </a14:hiddenFill>
+            </a:ext>
+            <a:ext uri="{91240B29-F687-4F45-9708-019B960494DF}">
+              <a14:hiddenLine xmlns:a14="http://schemas.microsoft.com/office/drawing/2010/main" w="9525">
+                <a:solidFill>
+                  <a:schemeClr val="tx1"/>
+                </a:solidFill>
+                <a:miter lim="800000"/>
+                <a:headEnd/>
+                <a:tailEnd/>
+              </a14:hiddenLine>
+            </a:ext>
+            <a:ext uri="{AF507438-7753-43E0-B8FC-AC1667EBCBE1}">
+              <a14:hiddenEffects xmlns:a14="http://schemas.microsoft.com/office/drawing/2010/main">
+                <a:effectLst>
+                  <a:outerShdw dist="35921" dir="2700000" algn="ctr" rotWithShape="0">
+                    <a:schemeClr val="bg2"/>
+                  </a:outerShdw>
+                </a:effectLst>
+              </a14:hiddenEffects>
+            </a:ext>
+          </a:extLst>
+        </p:spPr>
+      </p:pic>
+      <p:sp>
+        <p:nvSpPr>
+          <p:cNvPr id="19" name="Oval 18"/>
+          <p:cNvSpPr/>
+          <p:nvPr/>
+        </p:nvSpPr>
+        <p:spPr bwMode="auto">
+          <a:xfrm>
+            <a:off x="5166097" y="3398975"/>
+            <a:ext cx="180000" cy="180000"/>
+          </a:xfrm>
+          <a:prstGeom prst="ellipse">
+            <a:avLst/>
+          </a:prstGeom>
+          <a:solidFill>
+            <a:srgbClr val="C00000"/>
+          </a:solidFill>
+          <a:ln w="9525" cap="flat" cmpd="sng" algn="ctr">
+            <a:solidFill>
+              <a:schemeClr val="tx1"/>
+            </a:solidFill>
+            <a:prstDash val="solid"/>
+            <a:round/>
+            <a:headEnd type="none" w="med" len="med"/>
+            <a:tailEnd type="none" w="med" len="med"/>
+          </a:ln>
+          <a:effectLst/>
+          <a:extLst/>
+        </p:spPr>
+        <p:txBody>
+          <a:bodyPr vert="horz" wrap="square" lIns="91440" tIns="45720" rIns="91440" bIns="45720" numCol="1" rtlCol="0" anchor="t" anchorCtr="0" compatLnSpc="1">
+            <a:prstTxWarp prst="textNoShape">
+              <a:avLst/>
+            </a:prstTxWarp>
+          </a:bodyPr>
+          <a:lstStyle/>
+          <a:p>
+            <a:pPr marL="0" marR="0" indent="0" algn="l" defTabSz="914400" rtl="0" eaLnBrk="1" fontAlgn="base" latinLnBrk="0" hangingPunct="1">
+              <a:lnSpc>
+                <a:spcPct val="100000"/>
+              </a:lnSpc>
+              <a:spcBef>
+                <a:spcPct val="0"/>
+              </a:spcBef>
+              <a:spcAft>
+                <a:spcPct val="0"/>
+              </a:spcAft>
+              <a:buClrTx/>
+              <a:buSzTx/>
+              <a:buFontTx/>
+              <a:buNone/>
+              <a:tabLst/>
+            </a:pPr>
+            <a:endParaRPr kumimoji="0" lang="de-DE" sz="1800" b="1" i="0" u="none" strike="noStrike" cap="none" normalizeH="0" baseline="0" smtClean="0">
+              <a:ln>
+                <a:noFill/>
+              </a:ln>
+              <a:solidFill>
+                <a:schemeClr val="tx1"/>
+              </a:solidFill>
+              <a:effectLst/>
+              <a:latin typeface="Arial" panose="020B0604020202020204" pitchFamily="34" charset="0"/>
+            </a:endParaRPr>
+          </a:p>
+        </p:txBody>
+      </p:sp>
+      <p:sp>
+        <p:nvSpPr>
+          <p:cNvPr id="20" name="Oval 19"/>
+          <p:cNvSpPr/>
+          <p:nvPr/>
+        </p:nvSpPr>
+        <p:spPr bwMode="auto">
+          <a:xfrm>
+            <a:off x="5166097" y="3560371"/>
+            <a:ext cx="180000" cy="180000"/>
+          </a:xfrm>
+          <a:prstGeom prst="ellipse">
+            <a:avLst/>
+          </a:prstGeom>
+          <a:solidFill>
+            <a:srgbClr val="C00000"/>
+          </a:solidFill>
+          <a:ln w="9525" cap="flat" cmpd="sng" algn="ctr">
+            <a:solidFill>
+              <a:schemeClr val="tx1"/>
+            </a:solidFill>
+            <a:prstDash val="solid"/>
+            <a:round/>
+            <a:headEnd type="none" w="med" len="med"/>
+            <a:tailEnd type="none" w="med" len="med"/>
+          </a:ln>
+          <a:effectLst/>
+          <a:extLst/>
+        </p:spPr>
+        <p:txBody>
+          <a:bodyPr vert="horz" wrap="square" lIns="91440" tIns="45720" rIns="91440" bIns="45720" numCol="1" rtlCol="0" anchor="t" anchorCtr="0" compatLnSpc="1">
+            <a:prstTxWarp prst="textNoShape">
+              <a:avLst/>
+            </a:prstTxWarp>
+          </a:bodyPr>
+          <a:lstStyle/>
+          <a:p>
+            <a:pPr marL="0" marR="0" indent="0" algn="l" defTabSz="914400" rtl="0" eaLnBrk="1" fontAlgn="base" latinLnBrk="0" hangingPunct="1">
+              <a:lnSpc>
+                <a:spcPct val="100000"/>
+              </a:lnSpc>
+              <a:spcBef>
+                <a:spcPct val="0"/>
+              </a:spcBef>
+              <a:spcAft>
+                <a:spcPct val="0"/>
+              </a:spcAft>
+              <a:buClrTx/>
+              <a:buSzTx/>
+              <a:buFontTx/>
+              <a:buNone/>
+              <a:tabLst/>
+            </a:pPr>
+            <a:endParaRPr kumimoji="0" lang="de-DE" sz="1800" b="1" i="0" u="none" strike="noStrike" cap="none" normalizeH="0" baseline="0" smtClean="0">
+              <a:ln>
+                <a:noFill/>
+              </a:ln>
+              <a:solidFill>
+                <a:schemeClr val="tx1"/>
+              </a:solidFill>
+              <a:effectLst/>
+              <a:latin typeface="Arial" panose="020B0604020202020204" pitchFamily="34" charset="0"/>
+            </a:endParaRPr>
+          </a:p>
+        </p:txBody>
+      </p:sp>
+      <p:sp>
+        <p:nvSpPr>
+          <p:cNvPr id="21" name="Oval 20"/>
+          <p:cNvSpPr/>
+          <p:nvPr/>
+        </p:nvSpPr>
+        <p:spPr bwMode="auto">
+          <a:xfrm>
+            <a:off x="5166097" y="3721767"/>
+            <a:ext cx="180000" cy="180000"/>
+          </a:xfrm>
+          <a:prstGeom prst="ellipse">
+            <a:avLst/>
+          </a:prstGeom>
+          <a:solidFill>
+            <a:srgbClr val="C00000"/>
+          </a:solidFill>
+          <a:ln w="9525" cap="flat" cmpd="sng" algn="ctr">
+            <a:solidFill>
+              <a:schemeClr val="tx1"/>
+            </a:solidFill>
+            <a:prstDash val="solid"/>
+            <a:round/>
+            <a:headEnd type="none" w="med" len="med"/>
+            <a:tailEnd type="none" w="med" len="med"/>
+          </a:ln>
+          <a:effectLst/>
+          <a:extLst/>
+        </p:spPr>
+        <p:txBody>
+          <a:bodyPr vert="horz" wrap="square" lIns="91440" tIns="45720" rIns="91440" bIns="45720" numCol="1" rtlCol="0" anchor="t" anchorCtr="0" compatLnSpc="1">
+            <a:prstTxWarp prst="textNoShape">
+              <a:avLst/>
+            </a:prstTxWarp>
+          </a:bodyPr>
+          <a:lstStyle/>
+          <a:p>
+            <a:pPr marL="0" marR="0" indent="0" algn="l" defTabSz="914400" rtl="0" eaLnBrk="1" fontAlgn="base" latinLnBrk="0" hangingPunct="1">
+              <a:lnSpc>
+                <a:spcPct val="100000"/>
+              </a:lnSpc>
+              <a:spcBef>
+                <a:spcPct val="0"/>
+              </a:spcBef>
+              <a:spcAft>
+                <a:spcPct val="0"/>
+              </a:spcAft>
+              <a:buClrTx/>
+              <a:buSzTx/>
+              <a:buFontTx/>
+              <a:buNone/>
+              <a:tabLst/>
+            </a:pPr>
+            <a:endParaRPr kumimoji="0" lang="de-DE" sz="1800" b="1" i="0" u="none" strike="noStrike" cap="none" normalizeH="0" baseline="0" smtClean="0">
+              <a:ln>
+                <a:noFill/>
+              </a:ln>
+              <a:solidFill>
+                <a:schemeClr val="tx1"/>
+              </a:solidFill>
+              <a:effectLst/>
+              <a:latin typeface="Arial" panose="020B0604020202020204" pitchFamily="34" charset="0"/>
+            </a:endParaRPr>
+          </a:p>
+        </p:txBody>
+      </p:sp>
+      <p:sp>
+        <p:nvSpPr>
+          <p:cNvPr id="22" name="Right Arrow 21"/>
+          <p:cNvSpPr/>
+          <p:nvPr/>
+        </p:nvSpPr>
+        <p:spPr bwMode="auto">
+          <a:xfrm>
+            <a:off x="3635896" y="3607590"/>
+            <a:ext cx="1053133" cy="133322"/>
+          </a:xfrm>
+          <a:prstGeom prst="rightArrow">
+            <a:avLst/>
+          </a:prstGeom>
+          <a:solidFill>
+            <a:srgbClr val="C00000"/>
+          </a:solidFill>
+          <a:ln w="9525" cap="flat" cmpd="sng" algn="ctr">
+            <a:solidFill>
+              <a:schemeClr val="tx1"/>
+            </a:solidFill>
+            <a:prstDash val="solid"/>
+            <a:round/>
+            <a:headEnd type="none" w="med" len="med"/>
+            <a:tailEnd type="none" w="med" len="med"/>
+          </a:ln>
+          <a:effectLst/>
+          <a:extLst/>
+        </p:spPr>
+        <p:txBody>
+          <a:bodyPr vert="horz" wrap="square" lIns="91440" tIns="45720" rIns="91440" bIns="45720" numCol="1" rtlCol="0" anchor="t" anchorCtr="0" compatLnSpc="1">
+            <a:prstTxWarp prst="textNoShape">
+              <a:avLst/>
+            </a:prstTxWarp>
+          </a:bodyPr>
+          <a:lstStyle/>
+          <a:p>
+            <a:pPr marL="0" marR="0" indent="0" algn="l" defTabSz="914400" rtl="0" eaLnBrk="1" fontAlgn="base" latinLnBrk="0" hangingPunct="1">
+              <a:lnSpc>
+                <a:spcPct val="100000"/>
+              </a:lnSpc>
+              <a:spcBef>
+                <a:spcPct val="0"/>
+              </a:spcBef>
+              <a:spcAft>
+                <a:spcPct val="0"/>
+              </a:spcAft>
+              <a:buClrTx/>
+              <a:buSzTx/>
+              <a:buFontTx/>
+              <a:buNone/>
+              <a:tabLst/>
+            </a:pPr>
+            <a:endParaRPr kumimoji="0" lang="de-DE" sz="1800" b="1" i="0" u="none" strike="noStrike" cap="none" normalizeH="0" baseline="0" smtClean="0">
+              <a:ln>
+                <a:noFill/>
+              </a:ln>
+              <a:solidFill>
+                <a:schemeClr val="tx1"/>
+              </a:solidFill>
+              <a:effectLst/>
+              <a:latin typeface="Arial" panose="020B0604020202020204" pitchFamily="34" charset="0"/>
+            </a:endParaRPr>
+          </a:p>
+        </p:txBody>
+      </p:sp>
+      <p:sp>
+        <p:nvSpPr>
+          <p:cNvPr id="26" name="Rectangle 25"/>
+          <p:cNvSpPr/>
+          <p:nvPr/>
+        </p:nvSpPr>
+        <p:spPr bwMode="auto">
+          <a:xfrm>
+            <a:off x="5397077" y="4581128"/>
+            <a:ext cx="2376264" cy="1224136"/>
+          </a:xfrm>
+          <a:prstGeom prst="rect">
+            <a:avLst/>
+          </a:prstGeom>
+          <a:solidFill>
+            <a:schemeClr val="bg1"/>
+          </a:solidFill>
+          <a:ln w="101600" cap="flat" cmpd="sng" algn="ctr">
+            <a:solidFill>
+              <a:srgbClr val="C00000"/>
+            </a:solidFill>
+            <a:prstDash val="solid"/>
+            <a:round/>
+            <a:headEnd type="none" w="med" len="med"/>
+            <a:tailEnd type="none" w="med" len="med"/>
+          </a:ln>
+          <a:effectLst/>
+          <a:extLst/>
+        </p:spPr>
+        <p:txBody>
+          <a:bodyPr vert="horz" wrap="square" lIns="91440" tIns="45720" rIns="91440" bIns="45720" numCol="1" rtlCol="0" anchor="t" anchorCtr="0" compatLnSpc="1">
+            <a:prstTxWarp prst="textNoShape">
+              <a:avLst/>
+            </a:prstTxWarp>
+          </a:bodyPr>
+          <a:lstStyle/>
+          <a:p>
+            <a:pPr marL="0" marR="0" indent="0" algn="l" defTabSz="914400" rtl="0" eaLnBrk="1" fontAlgn="base" latinLnBrk="0" hangingPunct="1">
+              <a:lnSpc>
+                <a:spcPct val="100000"/>
+              </a:lnSpc>
+              <a:spcBef>
+                <a:spcPct val="0"/>
+              </a:spcBef>
+              <a:spcAft>
+                <a:spcPct val="0"/>
+              </a:spcAft>
+              <a:buClrTx/>
+              <a:buSzTx/>
+              <a:buFontTx/>
+              <a:buNone/>
+              <a:tabLst/>
+            </a:pPr>
+            <a:endParaRPr kumimoji="0" lang="de-DE" sz="1800" b="1" i="0" u="none" strike="noStrike" cap="none" normalizeH="0" baseline="0" smtClean="0">
+              <a:ln>
+                <a:noFill/>
+              </a:ln>
+              <a:solidFill>
+                <a:schemeClr val="tx1"/>
+              </a:solidFill>
+              <a:effectLst/>
+              <a:latin typeface="Arial" panose="020B0604020202020204" pitchFamily="34" charset="0"/>
+            </a:endParaRPr>
+          </a:p>
+        </p:txBody>
+      </p:sp>
+      <p:pic>
+        <p:nvPicPr>
+          <p:cNvPr id="29" name="Content Placeholder 6"/>
+          <p:cNvPicPr>
+            <a:picLocks noChangeAspect="1"/>
+          </p:cNvPicPr>
+          <p:nvPr/>
+        </p:nvPicPr>
+        <p:blipFill>
+          <a:blip r:embed="rId3" cstate="print">
+            <a:extLst>
+              <a:ext uri="{28A0092B-C50C-407E-A947-70E740481C1C}">
+                <a14:useLocalDpi xmlns:a14="http://schemas.microsoft.com/office/drawing/2010/main" val="0"/>
+              </a:ext>
+            </a:extLst>
+          </a:blip>
+          <a:stretch>
+            <a:fillRect/>
+          </a:stretch>
+        </p:blipFill>
+        <p:spPr bwMode="auto">
+          <a:xfrm>
+            <a:off x="5985173" y="4725144"/>
+            <a:ext cx="1147270" cy="802462"/>
+          </a:xfrm>
+          <a:prstGeom prst="rect">
+            <a:avLst/>
+          </a:prstGeom>
+          <a:noFill/>
+          <a:ln>
+            <a:noFill/>
+          </a:ln>
+          <a:effectLst/>
+          <a:extLst>
+            <a:ext uri="{909E8E84-426E-40DD-AFC4-6F175D3DCCD1}">
+              <a14:hiddenFill xmlns:a14="http://schemas.microsoft.com/office/drawing/2010/main">
+                <a:solidFill>
+                  <a:schemeClr val="accent1"/>
+                </a:solidFill>
+              </a14:hiddenFill>
+            </a:ext>
+            <a:ext uri="{91240B29-F687-4F45-9708-019B960494DF}">
+              <a14:hiddenLine xmlns:a14="http://schemas.microsoft.com/office/drawing/2010/main" w="9525">
+                <a:solidFill>
+                  <a:schemeClr val="tx1"/>
+                </a:solidFill>
+                <a:miter lim="800000"/>
+                <a:headEnd/>
+                <a:tailEnd/>
+              </a14:hiddenLine>
+            </a:ext>
+            <a:ext uri="{AF507438-7753-43E0-B8FC-AC1667EBCBE1}">
+              <a14:hiddenEffects xmlns:a14="http://schemas.microsoft.com/office/drawing/2010/main">
+                <a:effectLst>
+                  <a:outerShdw dist="35921" dir="2700000" algn="ctr" rotWithShape="0">
+                    <a:schemeClr val="bg2"/>
+                  </a:outerShdw>
+                </a:effectLst>
+              </a14:hiddenEffects>
+            </a:ext>
+          </a:extLst>
+        </p:spPr>
+      </p:pic>
+      <p:sp>
+        <p:nvSpPr>
+          <p:cNvPr id="30" name="Oval 29"/>
+          <p:cNvSpPr/>
+          <p:nvPr/>
+        </p:nvSpPr>
+        <p:spPr bwMode="auto">
+          <a:xfrm>
+            <a:off x="5166097" y="4911143"/>
+            <a:ext cx="180000" cy="180000"/>
+          </a:xfrm>
+          <a:prstGeom prst="ellipse">
+            <a:avLst/>
+          </a:prstGeom>
+          <a:solidFill>
+            <a:srgbClr val="C00000"/>
+          </a:solidFill>
+          <a:ln w="9525" cap="flat" cmpd="sng" algn="ctr">
+            <a:solidFill>
+              <a:schemeClr val="tx1"/>
+            </a:solidFill>
+            <a:prstDash val="solid"/>
+            <a:round/>
+            <a:headEnd type="none" w="med" len="med"/>
+            <a:tailEnd type="none" w="med" len="med"/>
+          </a:ln>
+          <a:effectLst/>
+          <a:extLst/>
+        </p:spPr>
+        <p:txBody>
+          <a:bodyPr vert="horz" wrap="square" lIns="91440" tIns="45720" rIns="91440" bIns="45720" numCol="1" rtlCol="0" anchor="t" anchorCtr="0" compatLnSpc="1">
+            <a:prstTxWarp prst="textNoShape">
+              <a:avLst/>
+            </a:prstTxWarp>
+          </a:bodyPr>
+          <a:lstStyle/>
+          <a:p>
+            <a:pPr marL="0" marR="0" indent="0" algn="l" defTabSz="914400" rtl="0" eaLnBrk="1" fontAlgn="base" latinLnBrk="0" hangingPunct="1">
+              <a:lnSpc>
+                <a:spcPct val="100000"/>
+              </a:lnSpc>
+              <a:spcBef>
+                <a:spcPct val="0"/>
+              </a:spcBef>
+              <a:spcAft>
+                <a:spcPct val="0"/>
+              </a:spcAft>
+              <a:buClrTx/>
+              <a:buSzTx/>
+              <a:buFontTx/>
+              <a:buNone/>
+              <a:tabLst/>
+            </a:pPr>
+            <a:endParaRPr kumimoji="0" lang="de-DE" sz="1800" b="1" i="0" u="none" strike="noStrike" cap="none" normalizeH="0" baseline="0" smtClean="0">
+              <a:ln>
+                <a:noFill/>
+              </a:ln>
+              <a:solidFill>
+                <a:schemeClr val="tx1"/>
+              </a:solidFill>
+              <a:effectLst/>
+              <a:latin typeface="Arial" panose="020B0604020202020204" pitchFamily="34" charset="0"/>
+            </a:endParaRPr>
+          </a:p>
+        </p:txBody>
+      </p:sp>
+      <p:sp>
+        <p:nvSpPr>
+          <p:cNvPr id="31" name="Oval 30"/>
+          <p:cNvSpPr/>
+          <p:nvPr/>
+        </p:nvSpPr>
+        <p:spPr bwMode="auto">
+          <a:xfrm>
+            <a:off x="5166097" y="5072539"/>
+            <a:ext cx="180000" cy="180000"/>
+          </a:xfrm>
+          <a:prstGeom prst="ellipse">
+            <a:avLst/>
+          </a:prstGeom>
+          <a:solidFill>
+            <a:srgbClr val="C00000"/>
+          </a:solidFill>
+          <a:ln w="9525" cap="flat" cmpd="sng" algn="ctr">
+            <a:solidFill>
+              <a:schemeClr val="tx1"/>
+            </a:solidFill>
+            <a:prstDash val="solid"/>
+            <a:round/>
+            <a:headEnd type="none" w="med" len="med"/>
+            <a:tailEnd type="none" w="med" len="med"/>
+          </a:ln>
+          <a:effectLst/>
+          <a:extLst/>
+        </p:spPr>
+        <p:txBody>
+          <a:bodyPr vert="horz" wrap="square" lIns="91440" tIns="45720" rIns="91440" bIns="45720" numCol="1" rtlCol="0" anchor="t" anchorCtr="0" compatLnSpc="1">
+            <a:prstTxWarp prst="textNoShape">
+              <a:avLst/>
+            </a:prstTxWarp>
+          </a:bodyPr>
+          <a:lstStyle/>
+          <a:p>
+            <a:pPr marL="0" marR="0" indent="0" algn="l" defTabSz="914400" rtl="0" eaLnBrk="1" fontAlgn="base" latinLnBrk="0" hangingPunct="1">
+              <a:lnSpc>
+                <a:spcPct val="100000"/>
+              </a:lnSpc>
+              <a:spcBef>
+                <a:spcPct val="0"/>
+              </a:spcBef>
+              <a:spcAft>
+                <a:spcPct val="0"/>
+              </a:spcAft>
+              <a:buClrTx/>
+              <a:buSzTx/>
+              <a:buFontTx/>
+              <a:buNone/>
+              <a:tabLst/>
+            </a:pPr>
+            <a:endParaRPr kumimoji="0" lang="de-DE" sz="1800" b="1" i="0" u="none" strike="noStrike" cap="none" normalizeH="0" baseline="0" smtClean="0">
+              <a:ln>
+                <a:noFill/>
+              </a:ln>
+              <a:solidFill>
+                <a:schemeClr val="tx1"/>
+              </a:solidFill>
+              <a:effectLst/>
+              <a:latin typeface="Arial" panose="020B0604020202020204" pitchFamily="34" charset="0"/>
+            </a:endParaRPr>
+          </a:p>
+        </p:txBody>
+      </p:sp>
+      <p:sp>
+        <p:nvSpPr>
+          <p:cNvPr id="32" name="Oval 31"/>
+          <p:cNvSpPr/>
+          <p:nvPr/>
+        </p:nvSpPr>
+        <p:spPr bwMode="auto">
+          <a:xfrm>
+            <a:off x="5166097" y="5233935"/>
+            <a:ext cx="180000" cy="180000"/>
+          </a:xfrm>
+          <a:prstGeom prst="ellipse">
+            <a:avLst/>
+          </a:prstGeom>
+          <a:solidFill>
+            <a:srgbClr val="C00000"/>
+          </a:solidFill>
+          <a:ln w="9525" cap="flat" cmpd="sng" algn="ctr">
+            <a:solidFill>
+              <a:schemeClr val="tx1"/>
+            </a:solidFill>
+            <a:prstDash val="solid"/>
+            <a:round/>
+            <a:headEnd type="none" w="med" len="med"/>
+            <a:tailEnd type="none" w="med" len="med"/>
+          </a:ln>
+          <a:effectLst/>
+          <a:extLst/>
+        </p:spPr>
+        <p:txBody>
+          <a:bodyPr vert="horz" wrap="square" lIns="91440" tIns="45720" rIns="91440" bIns="45720" numCol="1" rtlCol="0" anchor="t" anchorCtr="0" compatLnSpc="1">
+            <a:prstTxWarp prst="textNoShape">
+              <a:avLst/>
+            </a:prstTxWarp>
+          </a:bodyPr>
+          <a:lstStyle/>
+          <a:p>
+            <a:pPr marL="0" marR="0" indent="0" algn="l" defTabSz="914400" rtl="0" eaLnBrk="1" fontAlgn="base" latinLnBrk="0" hangingPunct="1">
+              <a:lnSpc>
+                <a:spcPct val="100000"/>
+              </a:lnSpc>
+              <a:spcBef>
+                <a:spcPct val="0"/>
+              </a:spcBef>
+              <a:spcAft>
+                <a:spcPct val="0"/>
+              </a:spcAft>
+              <a:buClrTx/>
+              <a:buSzTx/>
+              <a:buFontTx/>
+              <a:buNone/>
+              <a:tabLst/>
+            </a:pPr>
+            <a:endParaRPr kumimoji="0" lang="de-DE" sz="1800" b="1" i="0" u="none" strike="noStrike" cap="none" normalizeH="0" baseline="0" smtClean="0">
+              <a:ln>
+                <a:noFill/>
+              </a:ln>
+              <a:solidFill>
+                <a:schemeClr val="tx1"/>
+              </a:solidFill>
+              <a:effectLst/>
+              <a:latin typeface="Arial" panose="020B0604020202020204" pitchFamily="34" charset="0"/>
+            </a:endParaRPr>
+          </a:p>
+        </p:txBody>
+      </p:sp>
+      <p:sp>
+        <p:nvSpPr>
+          <p:cNvPr id="33" name="Right Arrow 32"/>
+          <p:cNvSpPr/>
+          <p:nvPr/>
+        </p:nvSpPr>
+        <p:spPr bwMode="auto">
+          <a:xfrm>
+            <a:off x="3635896" y="5119758"/>
+            <a:ext cx="1053133" cy="133322"/>
+          </a:xfrm>
+          <a:prstGeom prst="rightArrow">
+            <a:avLst/>
+          </a:prstGeom>
+          <a:solidFill>
+            <a:srgbClr val="C00000"/>
+          </a:solidFill>
+          <a:ln w="9525" cap="flat" cmpd="sng" algn="ctr">
+            <a:solidFill>
+              <a:schemeClr val="tx1"/>
+            </a:solidFill>
+            <a:prstDash val="solid"/>
+            <a:round/>
+            <a:headEnd type="none" w="med" len="med"/>
+            <a:tailEnd type="none" w="med" len="med"/>
+          </a:ln>
+          <a:effectLst/>
+          <a:extLst/>
+        </p:spPr>
+        <p:txBody>
+          <a:bodyPr vert="horz" wrap="square" lIns="91440" tIns="45720" rIns="91440" bIns="45720" numCol="1" rtlCol="0" anchor="t" anchorCtr="0" compatLnSpc="1">
+            <a:prstTxWarp prst="textNoShape">
+              <a:avLst/>
+            </a:prstTxWarp>
+          </a:bodyPr>
+          <a:lstStyle/>
+          <a:p>
+            <a:pPr marL="0" marR="0" indent="0" algn="l" defTabSz="914400" rtl="0" eaLnBrk="1" fontAlgn="base" latinLnBrk="0" hangingPunct="1">
+              <a:lnSpc>
+                <a:spcPct val="100000"/>
+              </a:lnSpc>
+              <a:spcBef>
+                <a:spcPct val="0"/>
+              </a:spcBef>
+              <a:spcAft>
+                <a:spcPct val="0"/>
+              </a:spcAft>
+              <a:buClrTx/>
+              <a:buSzTx/>
+              <a:buFontTx/>
+              <a:buNone/>
+              <a:tabLst/>
+            </a:pPr>
+            <a:endParaRPr kumimoji="0" lang="de-DE" sz="1800" b="1" i="0" u="none" strike="noStrike" cap="none" normalizeH="0" baseline="0" smtClean="0">
+              <a:ln>
+                <a:noFill/>
+              </a:ln>
+              <a:solidFill>
+                <a:schemeClr val="tx1"/>
+              </a:solidFill>
+              <a:effectLst/>
+              <a:latin typeface="Arial" panose="020B0604020202020204" pitchFamily="34" charset="0"/>
+            </a:endParaRPr>
+          </a:p>
+        </p:txBody>
+      </p:sp>
+      <p:pic>
+        <p:nvPicPr>
+          <p:cNvPr id="34" name="Picture 33"/>
+          <p:cNvPicPr>
+            <a:picLocks noChangeAspect="1"/>
+          </p:cNvPicPr>
+          <p:nvPr/>
+        </p:nvPicPr>
+        <p:blipFill>
+          <a:blip r:embed="rId4" cstate="print">
+            <a:extLst>
+              <a:ext uri="{28A0092B-C50C-407E-A947-70E740481C1C}">
+                <a14:useLocalDpi xmlns:a14="http://schemas.microsoft.com/office/drawing/2010/main" val="0"/>
+              </a:ext>
+            </a:extLst>
+          </a:blip>
+          <a:stretch>
+            <a:fillRect/>
+          </a:stretch>
+        </p:blipFill>
+        <p:spPr>
+          <a:xfrm>
+            <a:off x="7822097" y="1849815"/>
+            <a:ext cx="1271268" cy="715089"/>
+          </a:xfrm>
+          <a:prstGeom prst="rect">
+            <a:avLst/>
+          </a:prstGeom>
+        </p:spPr>
+      </p:pic>
+      <p:pic>
+        <p:nvPicPr>
+          <p:cNvPr id="35" name="Picture 34"/>
+          <p:cNvPicPr>
+            <a:picLocks noChangeAspect="1"/>
+          </p:cNvPicPr>
+          <p:nvPr/>
+        </p:nvPicPr>
+        <p:blipFill>
+          <a:blip r:embed="rId4" cstate="print">
+            <a:extLst>
+              <a:ext uri="{28A0092B-C50C-407E-A947-70E740481C1C}">
+                <a14:useLocalDpi xmlns:a14="http://schemas.microsoft.com/office/drawing/2010/main" val="0"/>
+              </a:ext>
+            </a:extLst>
+          </a:blip>
+          <a:stretch>
+            <a:fillRect/>
+          </a:stretch>
+        </p:blipFill>
+        <p:spPr>
+          <a:xfrm>
+            <a:off x="7821285" y="3361983"/>
+            <a:ext cx="1271268" cy="715089"/>
+          </a:xfrm>
+          <a:prstGeom prst="rect">
+            <a:avLst/>
+          </a:prstGeom>
+        </p:spPr>
+      </p:pic>
+      <p:pic>
+        <p:nvPicPr>
+          <p:cNvPr id="36" name="Picture 35"/>
+          <p:cNvPicPr>
+            <a:picLocks noChangeAspect="1"/>
+          </p:cNvPicPr>
+          <p:nvPr/>
+        </p:nvPicPr>
+        <p:blipFill>
+          <a:blip r:embed="rId4" cstate="print">
+            <a:extLst>
+              <a:ext uri="{28A0092B-C50C-407E-A947-70E740481C1C}">
+                <a14:useLocalDpi xmlns:a14="http://schemas.microsoft.com/office/drawing/2010/main" val="0"/>
+              </a:ext>
+            </a:extLst>
+          </a:blip>
+          <a:stretch>
+            <a:fillRect/>
+          </a:stretch>
+        </p:blipFill>
+        <p:spPr>
+          <a:xfrm>
+            <a:off x="7820473" y="4874151"/>
+            <a:ext cx="1271268" cy="715089"/>
+          </a:xfrm>
+          <a:prstGeom prst="rect">
+            <a:avLst/>
+          </a:prstGeom>
+        </p:spPr>
+      </p:pic>
+      <p:sp>
+        <p:nvSpPr>
+          <p:cNvPr id="3" name="Rounded Rectangle 2"/>
+          <p:cNvSpPr/>
+          <p:nvPr/>
+        </p:nvSpPr>
+        <p:spPr bwMode="auto">
+          <a:xfrm>
+            <a:off x="504056" y="1760171"/>
+            <a:ext cx="2339752" cy="732725"/>
+          </a:xfrm>
+          <a:prstGeom prst="roundRect">
+            <a:avLst/>
+          </a:prstGeom>
+          <a:solidFill>
+            <a:schemeClr val="bg1"/>
+          </a:solidFill>
+          <a:ln w="9525" cap="flat" cmpd="sng" algn="ctr">
+            <a:solidFill>
+              <a:schemeClr val="tx1"/>
+            </a:solidFill>
+            <a:prstDash val="solid"/>
+            <a:round/>
+            <a:headEnd type="none" w="med" len="med"/>
+            <a:tailEnd type="none" w="med" len="med"/>
+          </a:ln>
+          <a:effectLst/>
+          <a:extLst/>
+        </p:spPr>
+        <p:txBody>
+          <a:bodyPr vert="horz" wrap="square" lIns="91440" tIns="45720" rIns="91440" bIns="45720" numCol="1" rtlCol="0" anchor="t" anchorCtr="0" compatLnSpc="1">
+            <a:prstTxWarp prst="textNoShape">
+              <a:avLst/>
+            </a:prstTxWarp>
+          </a:bodyPr>
+          <a:lstStyle/>
+          <a:p>
+            <a:pPr marL="0" marR="0" indent="0" algn="l" defTabSz="914400" rtl="0" eaLnBrk="1" fontAlgn="base" latinLnBrk="0" hangingPunct="1">
+              <a:lnSpc>
+                <a:spcPct val="100000"/>
+              </a:lnSpc>
+              <a:spcBef>
+                <a:spcPct val="0"/>
+              </a:spcBef>
+              <a:spcAft>
+                <a:spcPct val="0"/>
+              </a:spcAft>
+              <a:buClrTx/>
+              <a:buSzTx/>
+              <a:buFontTx/>
+              <a:buNone/>
+              <a:tabLst/>
+            </a:pPr>
+            <a:r>
+              <a:rPr lang="de-DE" i="1" dirty="0" smtClean="0">
+                <a:solidFill>
+                  <a:srgbClr val="C00000"/>
+                </a:solidFill>
+              </a:rPr>
+              <a:t>URI =&gt; </a:t>
+            </a:r>
+            <a:r>
+              <a:rPr lang="de-DE" i="1" dirty="0" smtClean="0">
+                <a:solidFill>
+                  <a:srgbClr val="00B050"/>
+                </a:solidFill>
+              </a:rPr>
+              <a:t>ResourceTreeType</a:t>
+            </a:r>
+            <a:endParaRPr kumimoji="0" lang="de-DE" sz="1800" b="1" i="1" u="none" strike="noStrike" cap="none" normalizeH="0" baseline="0" dirty="0" smtClean="0">
+              <a:ln>
+                <a:noFill/>
+              </a:ln>
+              <a:solidFill>
+                <a:srgbClr val="00B050"/>
+              </a:solidFill>
+              <a:effectLst/>
+            </a:endParaRPr>
+          </a:p>
+        </p:txBody>
+      </p:sp>
+      <p:sp>
+        <p:nvSpPr>
+          <p:cNvPr id="37" name="Right Arrow 36"/>
+          <p:cNvSpPr/>
+          <p:nvPr/>
+        </p:nvSpPr>
+        <p:spPr bwMode="auto">
+          <a:xfrm rot="16200000">
+            <a:off x="1286791" y="2868246"/>
+            <a:ext cx="737587" cy="144016"/>
+          </a:xfrm>
+          <a:prstGeom prst="rightArrow">
+            <a:avLst/>
+          </a:prstGeom>
+          <a:solidFill>
+            <a:srgbClr val="C00000"/>
+          </a:solidFill>
+          <a:ln w="9525" cap="flat" cmpd="sng" algn="ctr">
+            <a:solidFill>
+              <a:schemeClr val="tx1"/>
+            </a:solidFill>
+            <a:prstDash val="solid"/>
+            <a:round/>
+            <a:headEnd type="none" w="med" len="med"/>
+            <a:tailEnd type="none" w="med" len="med"/>
+          </a:ln>
+          <a:effectLst/>
+          <a:extLst/>
+        </p:spPr>
+        <p:txBody>
+          <a:bodyPr vert="horz" wrap="square" lIns="91440" tIns="45720" rIns="91440" bIns="45720" numCol="1" rtlCol="0" anchor="t" anchorCtr="0" compatLnSpc="1">
+            <a:prstTxWarp prst="textNoShape">
+              <a:avLst/>
+            </a:prstTxWarp>
+          </a:bodyPr>
+          <a:lstStyle/>
+          <a:p>
+            <a:pPr marL="0" marR="0" indent="0" algn="l" defTabSz="914400" rtl="0" eaLnBrk="1" fontAlgn="base" latinLnBrk="0" hangingPunct="1">
+              <a:lnSpc>
+                <a:spcPct val="100000"/>
+              </a:lnSpc>
+              <a:spcBef>
+                <a:spcPct val="0"/>
+              </a:spcBef>
+              <a:spcAft>
+                <a:spcPct val="0"/>
+              </a:spcAft>
+              <a:buClrTx/>
+              <a:buSzTx/>
+              <a:buFontTx/>
+              <a:buNone/>
+              <a:tabLst/>
+            </a:pPr>
+            <a:endParaRPr kumimoji="0" lang="de-DE" sz="1800" b="1" i="0" u="none" strike="noStrike" cap="none" normalizeH="0" baseline="0" smtClean="0">
+              <a:ln>
+                <a:noFill/>
+              </a:ln>
+              <a:solidFill>
+                <a:schemeClr val="tx1"/>
+              </a:solidFill>
+              <a:effectLst/>
+              <a:latin typeface="Arial" panose="020B0604020202020204" pitchFamily="34" charset="0"/>
+            </a:endParaRPr>
+          </a:p>
+        </p:txBody>
+      </p:sp>
+      <p:cxnSp>
+        <p:nvCxnSpPr>
+          <p:cNvPr id="8" name="Straight Connector 7"/>
+          <p:cNvCxnSpPr>
+            <a:stCxn id="3" idx="3"/>
+            <a:endCxn id="39" idx="1"/>
+          </p:cNvCxnSpPr>
+          <p:nvPr/>
+        </p:nvCxnSpPr>
+        <p:spPr bwMode="auto">
+          <a:xfrm flipV="1">
+            <a:off x="2843808" y="2012904"/>
+            <a:ext cx="739893" cy="113630"/>
+          </a:xfrm>
+          <a:prstGeom prst="line">
+            <a:avLst/>
+          </a:prstGeom>
+          <a:solidFill>
+            <a:schemeClr val="accent1"/>
+          </a:solidFill>
+          <a:ln w="9525" cap="flat" cmpd="sng" algn="ctr">
+            <a:solidFill>
+              <a:schemeClr val="tx1"/>
+            </a:solidFill>
+            <a:prstDash val="solid"/>
+            <a:round/>
+            <a:headEnd type="none" w="med" len="med"/>
+            <a:tailEnd type="none" w="med" len="med"/>
+          </a:ln>
+          <a:effectLst/>
+          <a:extLst>
+            <a:ext uri="{AF507438-7753-43E0-B8FC-AC1667EBCBE1}">
+              <a14:hiddenEffects xmlns:a14="http://schemas.microsoft.com/office/drawing/2010/main">
+                <a:effectLst>
+                  <a:outerShdw dist="35921" dir="2700000" algn="ctr" rotWithShape="0">
+                    <a:schemeClr val="bg2"/>
+                  </a:outerShdw>
+                </a:effectLst>
+              </a14:hiddenEffects>
+            </a:ext>
+          </a:extLst>
+        </p:spPr>
+      </p:cxnSp>
+      <p:cxnSp>
+        <p:nvCxnSpPr>
+          <p:cNvPr id="12" name="Straight Connector 11"/>
+          <p:cNvCxnSpPr>
+            <a:stCxn id="3" idx="3"/>
+          </p:cNvCxnSpPr>
+          <p:nvPr/>
+        </p:nvCxnSpPr>
+        <p:spPr bwMode="auto">
+          <a:xfrm>
+            <a:off x="2843808" y="2126534"/>
+            <a:ext cx="792088" cy="1272441"/>
+          </a:xfrm>
+          <a:prstGeom prst="line">
+            <a:avLst/>
+          </a:prstGeom>
+          <a:solidFill>
+            <a:schemeClr val="accent1"/>
+          </a:solidFill>
+          <a:ln w="9525" cap="flat" cmpd="sng" algn="ctr">
+            <a:solidFill>
+              <a:schemeClr val="tx1"/>
+            </a:solidFill>
+            <a:prstDash val="solid"/>
+            <a:round/>
+            <a:headEnd type="none" w="med" len="med"/>
+            <a:tailEnd type="none" w="med" len="med"/>
+          </a:ln>
+          <a:effectLst/>
+          <a:extLst>
+            <a:ext uri="{AF507438-7753-43E0-B8FC-AC1667EBCBE1}">
+              <a14:hiddenEffects xmlns:a14="http://schemas.microsoft.com/office/drawing/2010/main">
+                <a:effectLst>
+                  <a:outerShdw dist="35921" dir="2700000" algn="ctr" rotWithShape="0">
+                    <a:schemeClr val="bg2"/>
+                  </a:outerShdw>
+                </a:effectLst>
+              </a14:hiddenEffects>
+            </a:ext>
+          </a:extLst>
+        </p:spPr>
+      </p:cxnSp>
+      <p:cxnSp>
+        <p:nvCxnSpPr>
+          <p:cNvPr id="38" name="Straight Connector 37"/>
+          <p:cNvCxnSpPr>
+            <a:stCxn id="3" idx="3"/>
+          </p:cNvCxnSpPr>
+          <p:nvPr/>
+        </p:nvCxnSpPr>
+        <p:spPr bwMode="auto">
+          <a:xfrm>
+            <a:off x="2843808" y="2126534"/>
+            <a:ext cx="792088" cy="2784609"/>
+          </a:xfrm>
+          <a:prstGeom prst="line">
+            <a:avLst/>
+          </a:prstGeom>
+          <a:solidFill>
+            <a:schemeClr val="accent1"/>
+          </a:solidFill>
+          <a:ln w="9525" cap="flat" cmpd="sng" algn="ctr">
+            <a:solidFill>
+              <a:schemeClr val="tx1"/>
+            </a:solidFill>
+            <a:prstDash val="solid"/>
+            <a:round/>
+            <a:headEnd type="none" w="med" len="med"/>
+            <a:tailEnd type="none" w="med" len="med"/>
+          </a:ln>
+          <a:effectLst/>
+          <a:extLst>
+            <a:ext uri="{AF507438-7753-43E0-B8FC-AC1667EBCBE1}">
+              <a14:hiddenEffects xmlns:a14="http://schemas.microsoft.com/office/drawing/2010/main">
+                <a:effectLst>
+                  <a:outerShdw dist="35921" dir="2700000" algn="ctr" rotWithShape="0">
+                    <a:schemeClr val="bg2"/>
+                  </a:outerShdw>
+                </a:effectLst>
+              </a14:hiddenEffects>
+            </a:ext>
+          </a:extLst>
+        </p:spPr>
+      </p:cxnSp>
+    </p:spTree>
+    <p:extLst>
+      <p:ext uri="{BB962C8B-B14F-4D97-AF65-F5344CB8AC3E}">
+        <p14:creationId xmlns:p14="http://schemas.microsoft.com/office/powerpoint/2010/main" val="1571318375"/>
+      </p:ext>
+    </p:extLst>
+  </p:cSld>
+  <p:clrMapOvr>
+    <a:masterClrMapping/>
+  </p:clrMapOvr>
+  <p:timing>
+    <p:tnLst>
+      <p:par>
+        <p:cTn id="1" dur="indefinite" restart="never" nodeType="tmRoot">
+          <p:childTnLst>
+            <p:seq concurrent="1" nextAc="seek">
+              <p:cTn id="2" dur="indefinite" nodeType="mainSeq">
+                <p:childTnLst>
+                  <p:par>
+                    <p:cTn id="3" fill="hold">
+                      <p:stCondLst>
+                        <p:cond delay="indefinite"/>
+                      </p:stCondLst>
+                      <p:childTnLst>
+                        <p:par>
+                          <p:cTn id="4" fill="hold">
+                            <p:stCondLst>
+                              <p:cond delay="0"/>
+                            </p:stCondLst>
+                            <p:childTnLst>
+                              <p:par>
+                                <p:cTn id="5" presetID="1" presetClass="entr" presetSubtype="0" fill="hold" grpId="0" nodeType="clickEffect">
+                                  <p:stCondLst>
+                                    <p:cond delay="0"/>
+                                  </p:stCondLst>
+                                  <p:childTnLst>
+                                    <p:set>
+                                      <p:cBhvr>
+                                        <p:cTn id="6" dur="1" fill="hold">
+                                          <p:stCondLst>
+                                            <p:cond delay="0"/>
+                                          </p:stCondLst>
+                                        </p:cTn>
+                                        <p:tgtEl>
+                                          <p:spTgt spid="11"/>
+                                        </p:tgtEl>
+                                        <p:attrNameLst>
+                                          <p:attrName>style.visibility</p:attrName>
+                                        </p:attrNameLst>
+                                      </p:cBhvr>
+                                      <p:to>
+                                        <p:strVal val="visible"/>
+                                      </p:to>
+                                    </p:set>
+                                  </p:childTnLst>
+                                </p:cTn>
+                              </p:par>
+                            </p:childTnLst>
+                          </p:cTn>
+                        </p:par>
+                      </p:childTnLst>
+                    </p:cTn>
+                  </p:par>
+                  <p:par>
+                    <p:cTn id="7" fill="hold">
+                      <p:stCondLst>
+                        <p:cond delay="indefinite"/>
+                      </p:stCondLst>
+                      <p:childTnLst>
+                        <p:par>
+                          <p:cTn id="8" fill="hold">
+                            <p:stCondLst>
+                              <p:cond delay="0"/>
+                            </p:stCondLst>
+                            <p:childTnLst>
+                              <p:par>
+                                <p:cTn id="9" presetID="1" presetClass="entr" presetSubtype="0" fill="hold" grpId="0" nodeType="clickEffect">
+                                  <p:stCondLst>
+                                    <p:cond delay="0"/>
+                                  </p:stCondLst>
+                                  <p:childTnLst>
+                                    <p:set>
+                                      <p:cBhvr>
+                                        <p:cTn id="10" dur="1" fill="hold">
+                                          <p:stCondLst>
+                                            <p:cond delay="0"/>
+                                          </p:stCondLst>
+                                        </p:cTn>
+                                        <p:tgtEl>
+                                          <p:spTgt spid="37"/>
+                                        </p:tgtEl>
+                                        <p:attrNameLst>
+                                          <p:attrName>style.visibility</p:attrName>
+                                        </p:attrNameLst>
+                                      </p:cBhvr>
+                                      <p:to>
+                                        <p:strVal val="visible"/>
+                                      </p:to>
+                                    </p:set>
+                                  </p:childTnLst>
+                                </p:cTn>
+                              </p:par>
+                              <p:par>
+                                <p:cTn id="11" presetID="1" presetClass="entr" presetSubtype="0" fill="hold" grpId="0" nodeType="withEffect">
+                                  <p:stCondLst>
+                                    <p:cond delay="0"/>
+                                  </p:stCondLst>
+                                  <p:childTnLst>
+                                    <p:set>
+                                      <p:cBhvr>
+                                        <p:cTn id="12" dur="1" fill="hold">
+                                          <p:stCondLst>
+                                            <p:cond delay="0"/>
+                                          </p:stCondLst>
+                                        </p:cTn>
+                                        <p:tgtEl>
+                                          <p:spTgt spid="3"/>
+                                        </p:tgtEl>
+                                        <p:attrNameLst>
+                                          <p:attrName>style.visibility</p:attrName>
+                                        </p:attrNameLst>
+                                      </p:cBhvr>
+                                      <p:to>
+                                        <p:strVal val="visible"/>
+                                      </p:to>
+                                    </p:set>
+                                  </p:childTnLst>
+                                </p:cTn>
+                              </p:par>
+                              <p:par>
+                                <p:cTn id="13" presetID="1" presetClass="entr" presetSubtype="0" fill="hold" nodeType="withEffect">
+                                  <p:stCondLst>
+                                    <p:cond delay="0"/>
+                                  </p:stCondLst>
+                                  <p:childTnLst>
+                                    <p:set>
+                                      <p:cBhvr>
+                                        <p:cTn id="14" dur="1" fill="hold">
+                                          <p:stCondLst>
+                                            <p:cond delay="0"/>
+                                          </p:stCondLst>
+                                        </p:cTn>
+                                        <p:tgtEl>
+                                          <p:spTgt spid="8"/>
+                                        </p:tgtEl>
+                                        <p:attrNameLst>
+                                          <p:attrName>style.visibility</p:attrName>
+                                        </p:attrNameLst>
+                                      </p:cBhvr>
+                                      <p:to>
+                                        <p:strVal val="visible"/>
+                                      </p:to>
+                                    </p:set>
+                                  </p:childTnLst>
+                                </p:cTn>
+                              </p:par>
+                              <p:par>
+                                <p:cTn id="15" presetID="1" presetClass="entr" presetSubtype="0" fill="hold" nodeType="withEffect">
+                                  <p:stCondLst>
+                                    <p:cond delay="0"/>
+                                  </p:stCondLst>
+                                  <p:childTnLst>
+                                    <p:set>
+                                      <p:cBhvr>
+                                        <p:cTn id="16" dur="1" fill="hold">
+                                          <p:stCondLst>
+                                            <p:cond delay="0"/>
+                                          </p:stCondLst>
+                                        </p:cTn>
+                                        <p:tgtEl>
+                                          <p:spTgt spid="12"/>
+                                        </p:tgtEl>
+                                        <p:attrNameLst>
+                                          <p:attrName>style.visibility</p:attrName>
+                                        </p:attrNameLst>
+                                      </p:cBhvr>
+                                      <p:to>
+                                        <p:strVal val="visible"/>
+                                      </p:to>
+                                    </p:set>
+                                  </p:childTnLst>
+                                </p:cTn>
+                              </p:par>
+                              <p:par>
+                                <p:cTn id="17" presetID="1" presetClass="entr" presetSubtype="0" fill="hold" nodeType="withEffect">
+                                  <p:stCondLst>
+                                    <p:cond delay="0"/>
+                                  </p:stCondLst>
+                                  <p:childTnLst>
+                                    <p:set>
+                                      <p:cBhvr>
+                                        <p:cTn id="18" dur="1" fill="hold">
+                                          <p:stCondLst>
+                                            <p:cond delay="0"/>
+                                          </p:stCondLst>
+                                        </p:cTn>
+                                        <p:tgtEl>
+                                          <p:spTgt spid="38"/>
+                                        </p:tgtEl>
+                                        <p:attrNameLst>
+                                          <p:attrName>style.visibility</p:attrName>
+                                        </p:attrNameLst>
+                                      </p:cBhvr>
+                                      <p:to>
+                                        <p:strVal val="visible"/>
+                                      </p:to>
+                                    </p:set>
+                                  </p:childTnLst>
+                                </p:cTn>
+                              </p:par>
+                              <p:par>
+                                <p:cTn id="19" presetID="1" presetClass="entr" presetSubtype="0" fill="hold" grpId="0" nodeType="withEffect">
+                                  <p:stCondLst>
+                                    <p:cond delay="0"/>
+                                  </p:stCondLst>
+                                  <p:childTnLst>
+                                    <p:set>
+                                      <p:cBhvr>
+                                        <p:cTn id="20" dur="1" fill="hold">
+                                          <p:stCondLst>
+                                            <p:cond delay="0"/>
+                                          </p:stCondLst>
+                                        </p:cTn>
+                                        <p:tgtEl>
+                                          <p:spTgt spid="39"/>
+                                        </p:tgtEl>
+                                        <p:attrNameLst>
+                                          <p:attrName>style.visibility</p:attrName>
+                                        </p:attrNameLst>
+                                      </p:cBhvr>
+                                      <p:to>
+                                        <p:strVal val="visible"/>
+                                      </p:to>
+                                    </p:set>
+                                  </p:childTnLst>
+                                </p:cTn>
+                              </p:par>
+                              <p:par>
+                                <p:cTn id="21" presetID="1" presetClass="entr" presetSubtype="0" fill="hold" grpId="0" nodeType="withEffect">
+                                  <p:stCondLst>
+                                    <p:cond delay="0"/>
+                                  </p:stCondLst>
+                                  <p:childTnLst>
+                                    <p:set>
+                                      <p:cBhvr>
+                                        <p:cTn id="22" dur="1" fill="hold">
+                                          <p:stCondLst>
+                                            <p:cond delay="0"/>
+                                          </p:stCondLst>
+                                        </p:cTn>
+                                        <p:tgtEl>
+                                          <p:spTgt spid="40"/>
+                                        </p:tgtEl>
+                                        <p:attrNameLst>
+                                          <p:attrName>style.visibility</p:attrName>
+                                        </p:attrNameLst>
+                                      </p:cBhvr>
+                                      <p:to>
+                                        <p:strVal val="visible"/>
+                                      </p:to>
+                                    </p:set>
+                                  </p:childTnLst>
+                                </p:cTn>
+                              </p:par>
+                              <p:par>
+                                <p:cTn id="23" presetID="1" presetClass="entr" presetSubtype="0" fill="hold" grpId="0" nodeType="withEffect">
+                                  <p:stCondLst>
+                                    <p:cond delay="0"/>
+                                  </p:stCondLst>
+                                  <p:childTnLst>
+                                    <p:set>
+                                      <p:cBhvr>
+                                        <p:cTn id="24" dur="1" fill="hold">
+                                          <p:stCondLst>
+                                            <p:cond delay="0"/>
+                                          </p:stCondLst>
+                                        </p:cTn>
+                                        <p:tgtEl>
+                                          <p:spTgt spid="41"/>
+                                        </p:tgtEl>
+                                        <p:attrNameLst>
+                                          <p:attrName>style.visibility</p:attrName>
+                                        </p:attrNameLst>
+                                      </p:cBhvr>
+                                      <p:to>
+                                        <p:strVal val="visible"/>
+                                      </p:to>
+                                    </p:set>
+                                  </p:childTnLst>
+                                </p:cTn>
+                              </p:par>
+                            </p:childTnLst>
+                          </p:cTn>
+                        </p:par>
+                      </p:childTnLst>
+                    </p:cTn>
+                  </p:par>
+                  <p:par>
+                    <p:cTn id="25" fill="hold">
+                      <p:stCondLst>
+                        <p:cond delay="indefinite"/>
+                      </p:stCondLst>
+                      <p:childTnLst>
+                        <p:par>
+                          <p:cTn id="26" fill="hold">
+                            <p:stCondLst>
+                              <p:cond delay="0"/>
+                            </p:stCondLst>
+                            <p:childTnLst>
+                              <p:par>
+                                <p:cTn id="27" presetID="1" presetClass="entr" presetSubtype="0" fill="hold" grpId="0" nodeType="clickEffect">
+                                  <p:stCondLst>
+                                    <p:cond delay="0"/>
+                                  </p:stCondLst>
+                                  <p:childTnLst>
+                                    <p:set>
+                                      <p:cBhvr>
+                                        <p:cTn id="28" dur="1" fill="hold">
+                                          <p:stCondLst>
+                                            <p:cond delay="0"/>
+                                          </p:stCondLst>
+                                        </p:cTn>
+                                        <p:tgtEl>
+                                          <p:spTgt spid="33"/>
+                                        </p:tgtEl>
+                                        <p:attrNameLst>
+                                          <p:attrName>style.visibility</p:attrName>
+                                        </p:attrNameLst>
+                                      </p:cBhvr>
+                                      <p:to>
+                                        <p:strVal val="visible"/>
+                                      </p:to>
+                                    </p:set>
+                                  </p:childTnLst>
+                                </p:cTn>
+                              </p:par>
+                              <p:par>
+                                <p:cTn id="29" presetID="1" presetClass="entr" presetSubtype="0" fill="hold" grpId="0" nodeType="withEffect">
+                                  <p:stCondLst>
+                                    <p:cond delay="0"/>
+                                  </p:stCondLst>
+                                  <p:childTnLst>
+                                    <p:set>
+                                      <p:cBhvr>
+                                        <p:cTn id="30" dur="1" fill="hold">
+                                          <p:stCondLst>
+                                            <p:cond delay="0"/>
+                                          </p:stCondLst>
+                                        </p:cTn>
+                                        <p:tgtEl>
+                                          <p:spTgt spid="22"/>
+                                        </p:tgtEl>
+                                        <p:attrNameLst>
+                                          <p:attrName>style.visibility</p:attrName>
+                                        </p:attrNameLst>
+                                      </p:cBhvr>
+                                      <p:to>
+                                        <p:strVal val="visible"/>
+                                      </p:to>
+                                    </p:set>
+                                  </p:childTnLst>
+                                </p:cTn>
+                              </p:par>
+                              <p:par>
+                                <p:cTn id="31" presetID="1" presetClass="entr" presetSubtype="0" fill="hold" grpId="0" nodeType="withEffect">
+                                  <p:stCondLst>
+                                    <p:cond delay="0"/>
+                                  </p:stCondLst>
+                                  <p:childTnLst>
+                                    <p:set>
+                                      <p:cBhvr>
+                                        <p:cTn id="32" dur="1" fill="hold">
+                                          <p:stCondLst>
+                                            <p:cond delay="0"/>
+                                          </p:stCondLst>
+                                        </p:cTn>
+                                        <p:tgtEl>
+                                          <p:spTgt spid="25"/>
+                                        </p:tgtEl>
+                                        <p:attrNameLst>
+                                          <p:attrName>style.visibility</p:attrName>
+                                        </p:attrNameLst>
+                                      </p:cBhvr>
+                                      <p:to>
+                                        <p:strVal val="visible"/>
+                                      </p:to>
+                                    </p:set>
+                                  </p:childTnLst>
+                                </p:cTn>
+                              </p:par>
+                              <p:par>
+                                <p:cTn id="33" presetID="1" presetClass="entr" presetSubtype="0" fill="hold" grpId="0" nodeType="withEffect">
+                                  <p:stCondLst>
+                                    <p:cond delay="0"/>
+                                  </p:stCondLst>
+                                  <p:childTnLst>
+                                    <p:set>
+                                      <p:cBhvr>
+                                        <p:cTn id="34" dur="1" fill="hold">
+                                          <p:stCondLst>
+                                            <p:cond delay="0"/>
+                                          </p:stCondLst>
+                                        </p:cTn>
+                                        <p:tgtEl>
+                                          <p:spTgt spid="16"/>
+                                        </p:tgtEl>
+                                        <p:attrNameLst>
+                                          <p:attrName>style.visibility</p:attrName>
+                                        </p:attrNameLst>
+                                      </p:cBhvr>
+                                      <p:to>
+                                        <p:strVal val="visible"/>
+                                      </p:to>
+                                    </p:set>
+                                  </p:childTnLst>
+                                </p:cTn>
+                              </p:par>
+                              <p:par>
+                                <p:cTn id="35" presetID="1" presetClass="entr" presetSubtype="0" fill="hold" grpId="0" nodeType="withEffect">
+                                  <p:stCondLst>
+                                    <p:cond delay="0"/>
+                                  </p:stCondLst>
+                                  <p:childTnLst>
+                                    <p:set>
+                                      <p:cBhvr>
+                                        <p:cTn id="36" dur="1" fill="hold">
+                                          <p:stCondLst>
+                                            <p:cond delay="0"/>
+                                          </p:stCondLst>
+                                        </p:cTn>
+                                        <p:tgtEl>
+                                          <p:spTgt spid="23"/>
+                                        </p:tgtEl>
+                                        <p:attrNameLst>
+                                          <p:attrName>style.visibility</p:attrName>
+                                        </p:attrNameLst>
+                                      </p:cBhvr>
+                                      <p:to>
+                                        <p:strVal val="visible"/>
+                                      </p:to>
+                                    </p:set>
+                                  </p:childTnLst>
+                                </p:cTn>
+                              </p:par>
+                              <p:par>
+                                <p:cTn id="37" presetID="1" presetClass="entr" presetSubtype="0" fill="hold" grpId="0" nodeType="withEffect">
+                                  <p:stCondLst>
+                                    <p:cond delay="0"/>
+                                  </p:stCondLst>
+                                  <p:childTnLst>
+                                    <p:set>
+                                      <p:cBhvr>
+                                        <p:cTn id="38" dur="1" fill="hold">
+                                          <p:stCondLst>
+                                            <p:cond delay="0"/>
+                                          </p:stCondLst>
+                                        </p:cTn>
+                                        <p:tgtEl>
+                                          <p:spTgt spid="24"/>
+                                        </p:tgtEl>
+                                        <p:attrNameLst>
+                                          <p:attrName>style.visibility</p:attrName>
+                                        </p:attrNameLst>
+                                      </p:cBhvr>
+                                      <p:to>
+                                        <p:strVal val="visible"/>
+                                      </p:to>
+                                    </p:set>
+                                  </p:childTnLst>
+                                </p:cTn>
+                              </p:par>
+                              <p:par>
+                                <p:cTn id="39" presetID="1" presetClass="entr" presetSubtype="0" fill="hold" grpId="0" nodeType="withEffect">
+                                  <p:stCondLst>
+                                    <p:cond delay="0"/>
+                                  </p:stCondLst>
+                                  <p:childTnLst>
+                                    <p:set>
+                                      <p:cBhvr>
+                                        <p:cTn id="40" dur="1" fill="hold">
+                                          <p:stCondLst>
+                                            <p:cond delay="0"/>
+                                          </p:stCondLst>
+                                        </p:cTn>
+                                        <p:tgtEl>
+                                          <p:spTgt spid="19"/>
+                                        </p:tgtEl>
+                                        <p:attrNameLst>
+                                          <p:attrName>style.visibility</p:attrName>
+                                        </p:attrNameLst>
+                                      </p:cBhvr>
+                                      <p:to>
+                                        <p:strVal val="visible"/>
+                                      </p:to>
+                                    </p:set>
+                                  </p:childTnLst>
+                                </p:cTn>
+                              </p:par>
+                              <p:par>
+                                <p:cTn id="41" presetID="1" presetClass="entr" presetSubtype="0" fill="hold" grpId="0" nodeType="withEffect">
+                                  <p:stCondLst>
+                                    <p:cond delay="0"/>
+                                  </p:stCondLst>
+                                  <p:childTnLst>
+                                    <p:set>
+                                      <p:cBhvr>
+                                        <p:cTn id="42" dur="1" fill="hold">
+                                          <p:stCondLst>
+                                            <p:cond delay="0"/>
+                                          </p:stCondLst>
+                                        </p:cTn>
+                                        <p:tgtEl>
+                                          <p:spTgt spid="20"/>
+                                        </p:tgtEl>
+                                        <p:attrNameLst>
+                                          <p:attrName>style.visibility</p:attrName>
+                                        </p:attrNameLst>
+                                      </p:cBhvr>
+                                      <p:to>
+                                        <p:strVal val="visible"/>
+                                      </p:to>
+                                    </p:set>
+                                  </p:childTnLst>
+                                </p:cTn>
+                              </p:par>
+                              <p:par>
+                                <p:cTn id="43" presetID="1" presetClass="entr" presetSubtype="0" fill="hold" grpId="0" nodeType="withEffect">
+                                  <p:stCondLst>
+                                    <p:cond delay="0"/>
+                                  </p:stCondLst>
+                                  <p:childTnLst>
+                                    <p:set>
+                                      <p:cBhvr>
+                                        <p:cTn id="44" dur="1" fill="hold">
+                                          <p:stCondLst>
+                                            <p:cond delay="0"/>
+                                          </p:stCondLst>
+                                        </p:cTn>
+                                        <p:tgtEl>
+                                          <p:spTgt spid="21"/>
+                                        </p:tgtEl>
+                                        <p:attrNameLst>
+                                          <p:attrName>style.visibility</p:attrName>
+                                        </p:attrNameLst>
+                                      </p:cBhvr>
+                                      <p:to>
+                                        <p:strVal val="visible"/>
+                                      </p:to>
+                                    </p:set>
+                                  </p:childTnLst>
+                                </p:cTn>
+                              </p:par>
+                              <p:par>
+                                <p:cTn id="45" presetID="1" presetClass="entr" presetSubtype="0" fill="hold" grpId="0" nodeType="withEffect">
+                                  <p:stCondLst>
+                                    <p:cond delay="0"/>
+                                  </p:stCondLst>
+                                  <p:childTnLst>
+                                    <p:set>
+                                      <p:cBhvr>
+                                        <p:cTn id="46" dur="1" fill="hold">
+                                          <p:stCondLst>
+                                            <p:cond delay="0"/>
+                                          </p:stCondLst>
+                                        </p:cTn>
+                                        <p:tgtEl>
+                                          <p:spTgt spid="30"/>
+                                        </p:tgtEl>
+                                        <p:attrNameLst>
+                                          <p:attrName>style.visibility</p:attrName>
+                                        </p:attrNameLst>
+                                      </p:cBhvr>
+                                      <p:to>
+                                        <p:strVal val="visible"/>
+                                      </p:to>
+                                    </p:set>
+                                  </p:childTnLst>
+                                </p:cTn>
+                              </p:par>
+                              <p:par>
+                                <p:cTn id="47" presetID="1" presetClass="entr" presetSubtype="0" fill="hold" grpId="0" nodeType="withEffect">
+                                  <p:stCondLst>
+                                    <p:cond delay="0"/>
+                                  </p:stCondLst>
+                                  <p:childTnLst>
+                                    <p:set>
+                                      <p:cBhvr>
+                                        <p:cTn id="48" dur="1" fill="hold">
+                                          <p:stCondLst>
+                                            <p:cond delay="0"/>
+                                          </p:stCondLst>
+                                        </p:cTn>
+                                        <p:tgtEl>
+                                          <p:spTgt spid="31"/>
+                                        </p:tgtEl>
+                                        <p:attrNameLst>
+                                          <p:attrName>style.visibility</p:attrName>
+                                        </p:attrNameLst>
+                                      </p:cBhvr>
+                                      <p:to>
+                                        <p:strVal val="visible"/>
+                                      </p:to>
+                                    </p:set>
+                                  </p:childTnLst>
+                                </p:cTn>
+                              </p:par>
+                              <p:par>
+                                <p:cTn id="49" presetID="1" presetClass="entr" presetSubtype="0" fill="hold" grpId="0" nodeType="withEffect">
+                                  <p:stCondLst>
+                                    <p:cond delay="0"/>
+                                  </p:stCondLst>
+                                  <p:childTnLst>
+                                    <p:set>
+                                      <p:cBhvr>
+                                        <p:cTn id="50" dur="1" fill="hold">
+                                          <p:stCondLst>
+                                            <p:cond delay="0"/>
+                                          </p:stCondLst>
+                                        </p:cTn>
+                                        <p:tgtEl>
+                                          <p:spTgt spid="32"/>
+                                        </p:tgtEl>
+                                        <p:attrNameLst>
+                                          <p:attrName>style.visibility</p:attrName>
+                                        </p:attrNameLst>
+                                      </p:cBhvr>
+                                      <p:to>
+                                        <p:strVal val="visible"/>
+                                      </p:to>
+                                    </p:set>
+                                  </p:childTnLst>
+                                </p:cTn>
+                              </p:par>
+                            </p:childTnLst>
+                          </p:cTn>
+                        </p:par>
+                      </p:childTnLst>
+                    </p:cTn>
+                  </p:par>
+                  <p:par>
+                    <p:cTn id="51" fill="hold">
+                      <p:stCondLst>
+                        <p:cond delay="indefinite"/>
+                      </p:stCondLst>
+                      <p:childTnLst>
+                        <p:par>
+                          <p:cTn id="52" fill="hold">
+                            <p:stCondLst>
+                              <p:cond delay="0"/>
+                            </p:stCondLst>
+                            <p:childTnLst>
+                              <p:par>
+                                <p:cTn id="53" presetID="1" presetClass="entr" presetSubtype="0" fill="hold" nodeType="clickEffect">
+                                  <p:stCondLst>
+                                    <p:cond delay="0"/>
+                                  </p:stCondLst>
+                                  <p:childTnLst>
+                                    <p:set>
+                                      <p:cBhvr>
+                                        <p:cTn id="54" dur="1" fill="hold">
+                                          <p:stCondLst>
+                                            <p:cond delay="0"/>
+                                          </p:stCondLst>
+                                        </p:cTn>
+                                        <p:tgtEl>
+                                          <p:spTgt spid="9"/>
+                                        </p:tgtEl>
+                                        <p:attrNameLst>
+                                          <p:attrName>style.visibility</p:attrName>
+                                        </p:attrNameLst>
+                                      </p:cBhvr>
+                                      <p:to>
+                                        <p:strVal val="visible"/>
+                                      </p:to>
+                                    </p:set>
+                                  </p:childTnLst>
+                                </p:cTn>
+                              </p:par>
+                              <p:par>
+                                <p:cTn id="55" presetID="1" presetClass="entr" presetSubtype="0" fill="hold" grpId="0" nodeType="withEffect">
+                                  <p:stCondLst>
+                                    <p:cond delay="0"/>
+                                  </p:stCondLst>
+                                  <p:childTnLst>
+                                    <p:set>
+                                      <p:cBhvr>
+                                        <p:cTn id="56" dur="1" fill="hold">
+                                          <p:stCondLst>
+                                            <p:cond delay="0"/>
+                                          </p:stCondLst>
+                                        </p:cTn>
+                                        <p:tgtEl>
+                                          <p:spTgt spid="27"/>
+                                        </p:tgtEl>
+                                        <p:attrNameLst>
+                                          <p:attrName>style.visibility</p:attrName>
+                                        </p:attrNameLst>
+                                      </p:cBhvr>
+                                      <p:to>
+                                        <p:strVal val="visible"/>
+                                      </p:to>
+                                    </p:set>
+                                  </p:childTnLst>
+                                </p:cTn>
+                              </p:par>
+                              <p:par>
+                                <p:cTn id="57" presetID="1" presetClass="entr" presetSubtype="0" fill="hold" grpId="0" nodeType="withEffect">
+                                  <p:stCondLst>
+                                    <p:cond delay="0"/>
+                                  </p:stCondLst>
+                                  <p:childTnLst>
+                                    <p:set>
+                                      <p:cBhvr>
+                                        <p:cTn id="58" dur="1" fill="hold">
+                                          <p:stCondLst>
+                                            <p:cond delay="0"/>
+                                          </p:stCondLst>
+                                        </p:cTn>
+                                        <p:tgtEl>
+                                          <p:spTgt spid="17"/>
+                                        </p:tgtEl>
+                                        <p:attrNameLst>
+                                          <p:attrName>style.visibility</p:attrName>
+                                        </p:attrNameLst>
+                                      </p:cBhvr>
+                                      <p:to>
+                                        <p:strVal val="visible"/>
+                                      </p:to>
+                                    </p:set>
+                                  </p:childTnLst>
+                                </p:cTn>
+                              </p:par>
+                              <p:par>
+                                <p:cTn id="59" presetID="1" presetClass="entr" presetSubtype="0" fill="hold" nodeType="withEffect">
+                                  <p:stCondLst>
+                                    <p:cond delay="0"/>
+                                  </p:stCondLst>
+                                  <p:childTnLst>
+                                    <p:set>
+                                      <p:cBhvr>
+                                        <p:cTn id="60" dur="1" fill="hold">
+                                          <p:stCondLst>
+                                            <p:cond delay="0"/>
+                                          </p:stCondLst>
+                                        </p:cTn>
+                                        <p:tgtEl>
+                                          <p:spTgt spid="18"/>
+                                        </p:tgtEl>
+                                        <p:attrNameLst>
+                                          <p:attrName>style.visibility</p:attrName>
+                                        </p:attrNameLst>
+                                      </p:cBhvr>
+                                      <p:to>
+                                        <p:strVal val="visible"/>
+                                      </p:to>
+                                    </p:set>
+                                  </p:childTnLst>
+                                </p:cTn>
+                              </p:par>
+                              <p:par>
+                                <p:cTn id="61" presetID="1" presetClass="entr" presetSubtype="0" fill="hold" grpId="0" nodeType="withEffect">
+                                  <p:stCondLst>
+                                    <p:cond delay="0"/>
+                                  </p:stCondLst>
+                                  <p:childTnLst>
+                                    <p:set>
+                                      <p:cBhvr>
+                                        <p:cTn id="62" dur="1" fill="hold">
+                                          <p:stCondLst>
+                                            <p:cond delay="0"/>
+                                          </p:stCondLst>
+                                        </p:cTn>
+                                        <p:tgtEl>
+                                          <p:spTgt spid="26"/>
+                                        </p:tgtEl>
+                                        <p:attrNameLst>
+                                          <p:attrName>style.visibility</p:attrName>
+                                        </p:attrNameLst>
+                                      </p:cBhvr>
+                                      <p:to>
+                                        <p:strVal val="visible"/>
+                                      </p:to>
+                                    </p:set>
+                                  </p:childTnLst>
+                                </p:cTn>
+                              </p:par>
+                              <p:par>
+                                <p:cTn id="63" presetID="1" presetClass="entr" presetSubtype="0" fill="hold" nodeType="withEffect">
+                                  <p:stCondLst>
+                                    <p:cond delay="0"/>
+                                  </p:stCondLst>
+                                  <p:childTnLst>
+                                    <p:set>
+                                      <p:cBhvr>
+                                        <p:cTn id="64" dur="1" fill="hold">
+                                          <p:stCondLst>
+                                            <p:cond delay="0"/>
+                                          </p:stCondLst>
+                                        </p:cTn>
+                                        <p:tgtEl>
+                                          <p:spTgt spid="29"/>
+                                        </p:tgtEl>
+                                        <p:attrNameLst>
+                                          <p:attrName>style.visibility</p:attrName>
+                                        </p:attrNameLst>
+                                      </p:cBhvr>
+                                      <p:to>
+                                        <p:strVal val="visible"/>
+                                      </p:to>
+                                    </p:set>
+                                  </p:childTnLst>
+                                </p:cTn>
+                              </p:par>
+                            </p:childTnLst>
+                          </p:cTn>
+                        </p:par>
+                      </p:childTnLst>
+                    </p:cTn>
+                  </p:par>
+                  <p:par>
+                    <p:cTn id="65" fill="hold">
+                      <p:stCondLst>
+                        <p:cond delay="indefinite"/>
+                      </p:stCondLst>
+                      <p:childTnLst>
+                        <p:par>
+                          <p:cTn id="66" fill="hold">
+                            <p:stCondLst>
+                              <p:cond delay="0"/>
+                            </p:stCondLst>
+                            <p:childTnLst>
+                              <p:par>
+                                <p:cTn id="67" presetID="1" presetClass="entr" presetSubtype="0" fill="hold" nodeType="clickEffect">
+                                  <p:stCondLst>
+                                    <p:cond delay="0"/>
+                                  </p:stCondLst>
+                                  <p:childTnLst>
+                                    <p:set>
+                                      <p:cBhvr>
+                                        <p:cTn id="68" dur="1" fill="hold">
+                                          <p:stCondLst>
+                                            <p:cond delay="0"/>
+                                          </p:stCondLst>
+                                        </p:cTn>
+                                        <p:tgtEl>
+                                          <p:spTgt spid="34"/>
+                                        </p:tgtEl>
+                                        <p:attrNameLst>
+                                          <p:attrName>style.visibility</p:attrName>
+                                        </p:attrNameLst>
+                                      </p:cBhvr>
+                                      <p:to>
+                                        <p:strVal val="visible"/>
+                                      </p:to>
+                                    </p:set>
+                                  </p:childTnLst>
+                                </p:cTn>
+                              </p:par>
+                              <p:par>
+                                <p:cTn id="69" presetID="1" presetClass="entr" presetSubtype="0" fill="hold" nodeType="withEffect">
+                                  <p:stCondLst>
+                                    <p:cond delay="0"/>
+                                  </p:stCondLst>
+                                  <p:childTnLst>
+                                    <p:set>
+                                      <p:cBhvr>
+                                        <p:cTn id="70" dur="1" fill="hold">
+                                          <p:stCondLst>
+                                            <p:cond delay="0"/>
+                                          </p:stCondLst>
+                                        </p:cTn>
+                                        <p:tgtEl>
+                                          <p:spTgt spid="35"/>
+                                        </p:tgtEl>
+                                        <p:attrNameLst>
+                                          <p:attrName>style.visibility</p:attrName>
+                                        </p:attrNameLst>
+                                      </p:cBhvr>
+                                      <p:to>
+                                        <p:strVal val="visible"/>
+                                      </p:to>
+                                    </p:set>
+                                  </p:childTnLst>
+                                </p:cTn>
+                              </p:par>
+                              <p:par>
+                                <p:cTn id="71" presetID="1" presetClass="entr" presetSubtype="0" fill="hold" nodeType="withEffect">
+                                  <p:stCondLst>
+                                    <p:cond delay="0"/>
+                                  </p:stCondLst>
+                                  <p:childTnLst>
+                                    <p:set>
+                                      <p:cBhvr>
+                                        <p:cTn id="72" dur="1" fill="hold">
+                                          <p:stCondLst>
+                                            <p:cond delay="0"/>
+                                          </p:stCondLst>
+                                        </p:cTn>
+                                        <p:tgtEl>
+                                          <p:spTgt spid="36"/>
+                                        </p:tgtEl>
+                                        <p:attrNameLst>
+                                          <p:attrName>style.visibility</p:attrName>
+                                        </p:attrNameLst>
+                                      </p:cBhvr>
+                                      <p:to>
+                                        <p:strVal val="visible"/>
+                                      </p:to>
+                                    </p:set>
+                                  </p:childTnLst>
+                                </p:cTn>
+                              </p:par>
+                            </p:childTnLst>
+                          </p:cTn>
+                        </p:par>
+                      </p:childTnLst>
+                    </p:cTn>
+                  </p:par>
+                </p:childTnLst>
+              </p:cTn>
+              <p:prevCondLst>
+                <p:cond evt="onPrev" delay="0">
+                  <p:tgtEl>
+                    <p:sldTgt/>
+                  </p:tgtEl>
+                </p:cond>
+              </p:prevCondLst>
+              <p:nextCondLst>
+                <p:cond evt="onNext" delay="0">
+                  <p:tgtEl>
+                    <p:sldTgt/>
+                  </p:tgtEl>
+                </p:cond>
+              </p:nextCondLst>
+            </p:seq>
+          </p:childTnLst>
+        </p:cTn>
+      </p:par>
+    </p:tnLst>
+    <p:bldLst>
+      <p:bldP spid="41" grpId="0" animBg="1"/>
+      <p:bldP spid="40" grpId="0" animBg="1"/>
+      <p:bldP spid="39" grpId="0" animBg="1"/>
+      <p:bldP spid="27" grpId="0" animBg="1"/>
+      <p:bldP spid="11" grpId="0" animBg="1"/>
+      <p:bldP spid="16" grpId="0" animBg="1"/>
+      <p:bldP spid="23" grpId="0" animBg="1"/>
+      <p:bldP spid="24" grpId="0" animBg="1"/>
+      <p:bldP spid="25" grpId="0" animBg="1"/>
+      <p:bldP spid="17" grpId="0" animBg="1"/>
+      <p:bldP spid="19" grpId="0" animBg="1"/>
+      <p:bldP spid="20" grpId="0" animBg="1"/>
+      <p:bldP spid="21" grpId="0" animBg="1"/>
+      <p:bldP spid="22" grpId="0" animBg="1"/>
+      <p:bldP spid="26" grpId="0" animBg="1"/>
+      <p:bldP spid="30" grpId="0" animBg="1"/>
+      <p:bldP spid="31" grpId="0" animBg="1"/>
+      <p:bldP spid="32" grpId="0" animBg="1"/>
+      <p:bldP spid="33" grpId="0" animBg="1"/>
+      <p:bldP spid="3" grpId="0" animBg="1"/>
+      <p:bldP spid="37" grpId="0" animBg="1"/>
+    </p:bldLst>
   </p:timing>
 </p:sld>
 </file>
@@ -24197,31 +27422,10 @@
           <a:lstStyle/>
           <a:p>
             <a:r>
-              <a:rPr lang="de-DE" dirty="0" smtClean="0">
-                <a:latin typeface="Lucida Handwriting" panose="03010101010101010101" pitchFamily="66" charset="0"/>
-              </a:rPr>
-              <a:t>FOXpath – </a:t>
-            </a:r>
-            <a:br>
-              <a:rPr lang="de-DE" dirty="0" smtClean="0">
-                <a:latin typeface="Lucida Handwriting" panose="03010101010101010101" pitchFamily="66" charset="0"/>
-              </a:rPr>
-            </a:br>
-            <a:r>
-              <a:rPr lang="de-DE" dirty="0">
-                <a:latin typeface="Lucida Handwriting" panose="03010101010101010101" pitchFamily="66" charset="0"/>
-              </a:rPr>
-              <a:t>	</a:t>
-            </a:r>
-            <a:r>
-              <a:rPr lang="de-DE" dirty="0" smtClean="0">
-                <a:latin typeface="Lucida Handwriting" panose="03010101010101010101" pitchFamily="66" charset="0"/>
-              </a:rPr>
-              <a:t>	    an afterthought</a:t>
-            </a:r>
-            <a:endParaRPr lang="de-DE" dirty="0">
-              <a:latin typeface="Lucida Handwriting" panose="03010101010101010101" pitchFamily="66" charset="0"/>
-            </a:endParaRPr>
+              <a:rPr lang="de-DE" dirty="0" smtClean="0"/>
+              <a:t>Formal integration</a:t>
+            </a:r>
+            <a:endParaRPr lang="de-DE" dirty="0"/>
           </a:p>
         </p:txBody>
       </p:sp>
@@ -24235,7 +27439,12 @@
             <p:ph idx="1"/>
           </p:nvPr>
         </p:nvSpPr>
-        <p:spPr/>
+        <p:spPr>
+          <a:xfrm>
+            <a:off x="457200" y="1719263"/>
+            <a:ext cx="8686800" cy="4411662"/>
+          </a:xfrm>
+        </p:spPr>
         <p:txBody>
           <a:bodyPr/>
           <a:lstStyle/>
@@ -24243,9 +27452,81 @@
             <a:pPr marL="0" indent="0">
               <a:buNone/>
             </a:pPr>
-            <a:endParaRPr lang="de-DE" dirty="0">
-              <a:latin typeface="Lucida Handwriting" panose="03010101010101010101" pitchFamily="66" charset="0"/>
-            </a:endParaRPr>
+            <a:r>
+              <a:rPr lang="de-DE" u="sng" dirty="0" smtClean="0"/>
+              <a:t>Problem</a:t>
+            </a:r>
+            <a:r>
+              <a:rPr lang="de-DE" dirty="0" smtClean="0"/>
+              <a:t>: set of navigation-supported resource tree types is implementation-defined!</a:t>
+            </a:r>
+          </a:p>
+          <a:p>
+            <a:pPr marL="0" indent="0">
+              <a:buNone/>
+            </a:pPr>
+            <a:endParaRPr lang="de-DE" dirty="0"/>
+          </a:p>
+          <a:p>
+            <a:pPr marL="0" indent="0">
+              <a:buNone/>
+            </a:pPr>
+            <a:r>
+              <a:rPr lang="de-DE" u="sng" dirty="0" smtClean="0"/>
+              <a:t>Solution</a:t>
+            </a:r>
+            <a:r>
+              <a:rPr lang="de-DE" dirty="0" smtClean="0"/>
+              <a:t>: New component of the </a:t>
+            </a:r>
+            <a:r>
+              <a:rPr lang="de-DE" dirty="0" smtClean="0">
+                <a:solidFill>
+                  <a:srgbClr val="C00000"/>
+                </a:solidFill>
+              </a:rPr>
+              <a:t>dynamic context</a:t>
+            </a:r>
+            <a:r>
+              <a:rPr lang="de-DE" dirty="0" smtClean="0"/>
+              <a:t>: </a:t>
+            </a:r>
+          </a:p>
+          <a:p>
+            <a:pPr marL="0" indent="0">
+              <a:buNone/>
+            </a:pPr>
+            <a:endParaRPr lang="de-DE" dirty="0"/>
+          </a:p>
+          <a:p>
+            <a:pPr marL="0" indent="0">
+              <a:buNone/>
+            </a:pPr>
+            <a:r>
+              <a:rPr lang="de-DE" i="1" dirty="0" smtClean="0"/>
+              <a:t>[Definition: </a:t>
+            </a:r>
+            <a:r>
+              <a:rPr lang="de-DE" b="1" i="1" dirty="0" smtClean="0"/>
+              <a:t>Available navigation primitives.</a:t>
+            </a:r>
+            <a:r>
+              <a:rPr lang="de-DE" i="1" dirty="0" smtClean="0"/>
+              <a:t> This is a mapping of strings to function items representing the three </a:t>
+            </a:r>
+            <a:r>
+              <a:rPr lang="de-DE" i="1" u="sng" dirty="0" smtClean="0">
+                <a:solidFill>
+                  <a:srgbClr val="0070C0"/>
+                </a:solidFill>
+              </a:rPr>
+              <a:t>navigation primitives</a:t>
+            </a:r>
+            <a:r>
+              <a:rPr lang="de-DE" i="1" dirty="0" smtClean="0"/>
+              <a:t>.]</a:t>
+            </a:r>
+            <a:endParaRPr lang="de-DE" i="1" dirty="0"/>
           </a:p>
         </p:txBody>
       </p:sp>
@@ -24330,136 +27611,10 @@
           </a:p>
         </p:txBody>
       </p:sp>
-      <p:sp>
-        <p:nvSpPr>
-          <p:cNvPr id="9" name="TextBox 8"/>
-          <p:cNvSpPr txBox="1"/>
-          <p:nvPr/>
-        </p:nvSpPr>
-        <p:spPr>
-          <a:xfrm>
-            <a:off x="539552" y="2049810"/>
-            <a:ext cx="7981672" cy="3539430"/>
-          </a:xfrm>
-          <a:prstGeom prst="rect">
-            <a:avLst/>
-          </a:prstGeom>
-          <a:noFill/>
-        </p:spPr>
-        <p:txBody>
-          <a:bodyPr wrap="none" rtlCol="0">
-            <a:spAutoFit/>
-          </a:bodyPr>
-          <a:lstStyle/>
-          <a:p>
-            <a:r>
-              <a:rPr lang="de-DE" sz="2800" dirty="0" smtClean="0">
-                <a:latin typeface="Lucida Handwriting" panose="03010101010101010101" pitchFamily="66" charset="0"/>
-              </a:rPr>
-              <a:t>tree navigation of </a:t>
-            </a:r>
-            <a:r>
-              <a:rPr lang="de-DE" sz="2800" dirty="0" smtClean="0">
-                <a:solidFill>
-                  <a:srgbClr val="C00000"/>
-                </a:solidFill>
-                <a:latin typeface="Lucida Handwriting" panose="03010101010101010101" pitchFamily="66" charset="0"/>
-              </a:rPr>
-              <a:t>resource contents</a:t>
-            </a:r>
-          </a:p>
-          <a:p>
-            <a:r>
-              <a:rPr lang="de-DE" sz="2800" dirty="0" smtClean="0">
-                <a:latin typeface="Lucida Handwriting" panose="03010101010101010101" pitchFamily="66" charset="0"/>
-              </a:rPr>
-              <a:t>                               +</a:t>
-            </a:r>
-          </a:p>
-          <a:p>
-            <a:r>
-              <a:rPr lang="de-DE" sz="2800" dirty="0">
-                <a:latin typeface="Lucida Handwriting" panose="03010101010101010101" pitchFamily="66" charset="0"/>
-              </a:rPr>
-              <a:t>tree navigation of </a:t>
-            </a:r>
-            <a:r>
-              <a:rPr lang="de-DE" sz="2800" dirty="0">
-                <a:solidFill>
-                  <a:srgbClr val="C00000"/>
-                </a:solidFill>
-                <a:latin typeface="Lucida Handwriting" panose="03010101010101010101" pitchFamily="66" charset="0"/>
-              </a:rPr>
-              <a:t>resource collections</a:t>
-            </a:r>
-          </a:p>
-          <a:p>
-            <a:r>
-              <a:rPr lang="de-DE" sz="2800" dirty="0">
-                <a:latin typeface="Lucida Handwriting" panose="03010101010101010101" pitchFamily="66" charset="0"/>
-              </a:rPr>
-              <a:t>                               </a:t>
-            </a:r>
-            <a:r>
-              <a:rPr lang="de-DE" sz="2800" dirty="0" smtClean="0">
-                <a:latin typeface="Lucida Handwriting" panose="03010101010101010101" pitchFamily="66" charset="0"/>
-              </a:rPr>
-              <a:t>=</a:t>
-            </a:r>
-            <a:endParaRPr lang="de-DE" sz="2800" dirty="0">
-              <a:latin typeface="Lucida Handwriting" panose="03010101010101010101" pitchFamily="66" charset="0"/>
-            </a:endParaRPr>
-          </a:p>
-          <a:p>
-            <a:r>
-              <a:rPr lang="de-DE" sz="2800" dirty="0" smtClean="0">
-                <a:latin typeface="Lucida Handwriting" panose="03010101010101010101" pitchFamily="66" charset="0"/>
-              </a:rPr>
-              <a:t>tree navigation of the </a:t>
-            </a:r>
-            <a:r>
-              <a:rPr lang="de-DE" sz="2800" dirty="0" smtClean="0">
-                <a:solidFill>
-                  <a:srgbClr val="C00000"/>
-                </a:solidFill>
-                <a:latin typeface="Lucida Handwriting" panose="03010101010101010101" pitchFamily="66" charset="0"/>
-              </a:rPr>
-              <a:t>info space</a:t>
-            </a:r>
-            <a:r>
-              <a:rPr lang="de-DE" sz="2800" dirty="0" smtClean="0">
-                <a:latin typeface="Lucida Handwriting" panose="03010101010101010101" pitchFamily="66" charset="0"/>
-              </a:rPr>
-              <a:t>*</a:t>
-            </a:r>
-          </a:p>
-          <a:p>
-            <a:endParaRPr lang="de-DE" sz="2800" dirty="0">
-              <a:latin typeface="Lucida Handwriting" panose="03010101010101010101" pitchFamily="66" charset="0"/>
-            </a:endParaRPr>
-          </a:p>
-          <a:p>
-            <a:endParaRPr lang="de-DE" sz="2800" dirty="0" smtClean="0">
-              <a:latin typeface="Lucida Handwriting" panose="03010101010101010101" pitchFamily="66" charset="0"/>
-            </a:endParaRPr>
-          </a:p>
-          <a:p>
-            <a:r>
-              <a:rPr lang="de-DE" sz="2800" i="1" dirty="0" smtClean="0">
-                <a:latin typeface="Lucida Handwriting" panose="03010101010101010101" pitchFamily="66" charset="0"/>
-              </a:rPr>
-              <a:t>*info space = forest of resource trees</a:t>
-            </a:r>
-            <a:endParaRPr lang="de-DE" sz="2800" i="1" dirty="0">
-              <a:latin typeface="Lucida Handwriting" panose="03010101010101010101" pitchFamily="66" charset="0"/>
-            </a:endParaRPr>
-          </a:p>
-        </p:txBody>
-      </p:sp>
     </p:spTree>
     <p:extLst>
       <p:ext uri="{BB962C8B-B14F-4D97-AF65-F5344CB8AC3E}">
-        <p14:creationId xmlns:p14="http://schemas.microsoft.com/office/powerpoint/2010/main" val="1214632274"/>
+        <p14:creationId xmlns:p14="http://schemas.microsoft.com/office/powerpoint/2010/main" val="777285885"/>
       </p:ext>
     </p:extLst>
   </p:cSld>
@@ -24510,6 +27665,315 @@
           <a:p>
             <a:r>
               <a:rPr lang="de-DE" dirty="0" smtClean="0">
+                <a:latin typeface="Lucida Handwriting" panose="03010101010101010101" pitchFamily="66" charset="0"/>
+              </a:rPr>
+              <a:t>FOXpath – </a:t>
+            </a:r>
+            <a:br>
+              <a:rPr lang="de-DE" dirty="0" smtClean="0">
+                <a:latin typeface="Lucida Handwriting" panose="03010101010101010101" pitchFamily="66" charset="0"/>
+              </a:rPr>
+            </a:br>
+            <a:r>
+              <a:rPr lang="de-DE" dirty="0">
+                <a:latin typeface="Lucida Handwriting" panose="03010101010101010101" pitchFamily="66" charset="0"/>
+              </a:rPr>
+              <a:t>	</a:t>
+            </a:r>
+            <a:r>
+              <a:rPr lang="de-DE" dirty="0" smtClean="0">
+                <a:latin typeface="Lucida Handwriting" panose="03010101010101010101" pitchFamily="66" charset="0"/>
+              </a:rPr>
+              <a:t>	    an afterthought</a:t>
+            </a:r>
+            <a:endParaRPr lang="de-DE" dirty="0">
+              <a:latin typeface="Lucida Handwriting" panose="03010101010101010101" pitchFamily="66" charset="0"/>
+            </a:endParaRPr>
+          </a:p>
+        </p:txBody>
+      </p:sp>
+      <p:sp>
+        <p:nvSpPr>
+          <p:cNvPr id="3" name="Content Placeholder 2"/>
+          <p:cNvSpPr>
+            <a:spLocks noGrp="1"/>
+          </p:cNvSpPr>
+          <p:nvPr>
+            <p:ph idx="1"/>
+          </p:nvPr>
+        </p:nvSpPr>
+        <p:spPr/>
+        <p:txBody>
+          <a:bodyPr/>
+          <a:lstStyle/>
+          <a:p>
+            <a:pPr marL="0" indent="0">
+              <a:buNone/>
+            </a:pPr>
+            <a:endParaRPr lang="de-DE" dirty="0">
+              <a:latin typeface="Lucida Handwriting" panose="03010101010101010101" pitchFamily="66" charset="0"/>
+            </a:endParaRPr>
+          </a:p>
+        </p:txBody>
+      </p:sp>
+      <p:sp>
+        <p:nvSpPr>
+          <p:cNvPr id="4" name="Date Placeholder 3"/>
+          <p:cNvSpPr>
+            <a:spLocks noGrp="1"/>
+          </p:cNvSpPr>
+          <p:nvPr>
+            <p:ph type="dt" sz="half" idx="10"/>
+          </p:nvPr>
+        </p:nvSpPr>
+        <p:spPr/>
+        <p:txBody>
+          <a:bodyPr/>
+          <a:lstStyle/>
+          <a:p>
+            <a:pPr>
+              <a:defRPr/>
+            </a:pPr>
+            <a:r>
+              <a:rPr lang="de-DE" altLang="de-DE" smtClean="0"/>
+              <a:t>2016-08-03</a:t>
+            </a:r>
+            <a:endParaRPr lang="de-DE" altLang="en-US"/>
+          </a:p>
+        </p:txBody>
+      </p:sp>
+      <p:sp>
+        <p:nvSpPr>
+          <p:cNvPr id="5" name="Footer Placeholder 4"/>
+          <p:cNvSpPr>
+            <a:spLocks noGrp="1"/>
+          </p:cNvSpPr>
+          <p:nvPr>
+            <p:ph type="ftr" sz="quarter" idx="11"/>
+          </p:nvPr>
+        </p:nvSpPr>
+        <p:spPr/>
+        <p:txBody>
+          <a:bodyPr/>
+          <a:lstStyle/>
+          <a:p>
+            <a:pPr>
+              <a:defRPr/>
+            </a:pPr>
+            <a:r>
+              <a:rPr lang="de-DE" altLang="en-US" smtClean="0"/>
+              <a:t>FOXpath - an expression language</a:t>
+            </a:r>
+            <a:endParaRPr lang="de-DE" altLang="en-US"/>
+          </a:p>
+        </p:txBody>
+      </p:sp>
+      <p:sp>
+        <p:nvSpPr>
+          <p:cNvPr id="6" name="Slide Number Placeholder 5"/>
+          <p:cNvSpPr>
+            <a:spLocks noGrp="1"/>
+          </p:cNvSpPr>
+          <p:nvPr>
+            <p:ph type="sldNum" sz="quarter" idx="12"/>
+          </p:nvPr>
+        </p:nvSpPr>
+        <p:spPr/>
+        <p:txBody>
+          <a:bodyPr/>
+          <a:lstStyle/>
+          <a:p>
+            <a:pPr>
+              <a:defRPr/>
+            </a:pPr>
+            <a:fld id="{F031B2F4-27D1-4E53-97CF-1947CD75B185}" type="slidenum">
+              <a:rPr lang="de-DE" altLang="en-US" smtClean="0"/>
+              <a:pPr>
+                <a:defRPr/>
+              </a:pPr>
+              <a:t>28</a:t>
+            </a:fld>
+            <a:endParaRPr lang="de-DE" altLang="en-US"/>
+          </a:p>
+        </p:txBody>
+      </p:sp>
+      <p:sp>
+        <p:nvSpPr>
+          <p:cNvPr id="9" name="TextBox 8"/>
+          <p:cNvSpPr txBox="1"/>
+          <p:nvPr/>
+        </p:nvSpPr>
+        <p:spPr>
+          <a:xfrm>
+            <a:off x="539552" y="2049810"/>
+            <a:ext cx="8387232" cy="3970318"/>
+          </a:xfrm>
+          <a:prstGeom prst="rect">
+            <a:avLst/>
+          </a:prstGeom>
+          <a:noFill/>
+        </p:spPr>
+        <p:txBody>
+          <a:bodyPr wrap="none" rtlCol="0">
+            <a:spAutoFit/>
+          </a:bodyPr>
+          <a:lstStyle/>
+          <a:p>
+            <a:r>
+              <a:rPr lang="de-DE" sz="2800" dirty="0" smtClean="0">
+                <a:latin typeface="Lucida Handwriting" panose="03010101010101010101" pitchFamily="66" charset="0"/>
+              </a:rPr>
+              <a:t>Nested forest:</a:t>
+            </a:r>
+          </a:p>
+          <a:p>
+            <a:r>
+              <a:rPr lang="de-DE" sz="2800" dirty="0">
+                <a:latin typeface="Lucida Handwriting" panose="03010101010101010101" pitchFamily="66" charset="0"/>
+              </a:rPr>
+              <a:t>	</a:t>
+            </a:r>
+            <a:r>
+              <a:rPr lang="de-DE" sz="2800" dirty="0" smtClean="0">
+                <a:latin typeface="Lucida Handwriting" panose="03010101010101010101" pitchFamily="66" charset="0"/>
+              </a:rPr>
+              <a:t>outer forest = resource trees</a:t>
+            </a:r>
+          </a:p>
+          <a:p>
+            <a:r>
+              <a:rPr lang="de-DE" sz="2800" dirty="0">
+                <a:latin typeface="Lucida Handwriting" panose="03010101010101010101" pitchFamily="66" charset="0"/>
+              </a:rPr>
+              <a:t>	</a:t>
+            </a:r>
+            <a:r>
+              <a:rPr lang="de-DE" sz="2800" dirty="0" smtClean="0">
+                <a:latin typeface="Lucida Handwriting" panose="03010101010101010101" pitchFamily="66" charset="0"/>
+              </a:rPr>
+              <a:t>inner forest = node trees </a:t>
+            </a:r>
+          </a:p>
+          <a:p>
+            <a:endParaRPr lang="de-DE" sz="2800" dirty="0">
+              <a:latin typeface="Lucida Handwriting" panose="03010101010101010101" pitchFamily="66" charset="0"/>
+            </a:endParaRPr>
+          </a:p>
+          <a:p>
+            <a:r>
+              <a:rPr lang="de-DE" sz="2800" dirty="0" smtClean="0">
+                <a:latin typeface="Lucida Handwriting" panose="03010101010101010101" pitchFamily="66" charset="0"/>
+              </a:rPr>
+              <a:t>Seamless navigation of  the nested forest</a:t>
+            </a:r>
+          </a:p>
+          <a:p>
+            <a:endParaRPr lang="de-DE" sz="2800" dirty="0">
+              <a:latin typeface="Lucida Handwriting" panose="03010101010101010101" pitchFamily="66" charset="0"/>
+            </a:endParaRPr>
+          </a:p>
+          <a:p>
+            <a:r>
+              <a:rPr lang="de-DE" sz="2800" dirty="0" smtClean="0">
+                <a:latin typeface="Lucida Handwriting" panose="03010101010101010101" pitchFamily="66" charset="0"/>
+              </a:rPr>
+              <a:t>Emerges: </a:t>
+            </a:r>
+          </a:p>
+          <a:p>
+            <a:r>
+              <a:rPr lang="de-DE" sz="2800" dirty="0">
+                <a:latin typeface="Lucida Handwriting" panose="03010101010101010101" pitchFamily="66" charset="0"/>
+              </a:rPr>
+              <a:t>	</a:t>
+            </a:r>
+            <a:r>
+              <a:rPr lang="de-DE" sz="2800" dirty="0" smtClean="0">
+                <a:latin typeface="Lucida Handwriting" panose="03010101010101010101" pitchFamily="66" charset="0"/>
+              </a:rPr>
+              <a:t>a continuous space of information</a:t>
+            </a:r>
+          </a:p>
+          <a:p>
+            <a:pPr lvl="1"/>
+            <a:r>
+              <a:rPr lang="de-DE" sz="2800" dirty="0" smtClean="0">
+                <a:latin typeface="Lucida Handwriting" panose="03010101010101010101" pitchFamily="66" charset="0"/>
+              </a:rPr>
+              <a:t>		(the </a:t>
+            </a:r>
+            <a:r>
+              <a:rPr lang="de-DE" sz="2800" dirty="0" smtClean="0">
+                <a:solidFill>
+                  <a:srgbClr val="FF0000"/>
+                </a:solidFill>
+                <a:latin typeface="Lucida Handwriting" panose="03010101010101010101" pitchFamily="66" charset="0"/>
+              </a:rPr>
+              <a:t>info space</a:t>
+            </a:r>
+            <a:r>
+              <a:rPr lang="de-DE" sz="2800" dirty="0" smtClean="0">
+                <a:latin typeface="Lucida Handwriting" panose="03010101010101010101" pitchFamily="66" charset="0"/>
+              </a:rPr>
+              <a:t>)</a:t>
+            </a:r>
+          </a:p>
+        </p:txBody>
+      </p:sp>
+    </p:spTree>
+    <p:extLst>
+      <p:ext uri="{BB962C8B-B14F-4D97-AF65-F5344CB8AC3E}">
+        <p14:creationId xmlns:p14="http://schemas.microsoft.com/office/powerpoint/2010/main" val="3654255017"/>
+      </p:ext>
+    </p:extLst>
+  </p:cSld>
+  <p:clrMapOvr>
+    <a:masterClrMapping/>
+  </p:clrMapOvr>
+  <p:timing>
+    <p:tnLst>
+      <p:par>
+        <p:cTn id="1" dur="indefinite" restart="never" nodeType="tmRoot"/>
+      </p:par>
+    </p:tnLst>
+  </p:timing>
+</p:sld>
+</file>
+
+<file path=ppt/slides/slide29.xml><?xml version="1.0" encoding="utf-8"?>
+<p:sld xmlns:a="http://schemas.openxmlformats.org/drawingml/2006/main" xmlns:r="http://schemas.openxmlformats.org/officeDocument/2006/relationships" xmlns:p="http://schemas.openxmlformats.org/presentationml/2006/main">
+  <p:cSld>
+    <p:spTree>
+      <p:nvGrpSpPr>
+        <p:cNvPr id="1" name=""/>
+        <p:cNvGrpSpPr/>
+        <p:nvPr/>
+      </p:nvGrpSpPr>
+      <p:grpSpPr>
+        <a:xfrm>
+          <a:off x="0" y="0"/>
+          <a:ext cx="0" cy="0"/>
+          <a:chOff x="0" y="0"/>
+          <a:chExt cx="0" cy="0"/>
+        </a:xfrm>
+      </p:grpSpPr>
+      <p:sp>
+        <p:nvSpPr>
+          <p:cNvPr id="2" name="Title 1"/>
+          <p:cNvSpPr>
+            <a:spLocks noGrp="1"/>
+          </p:cNvSpPr>
+          <p:nvPr>
+            <p:ph type="title"/>
+          </p:nvPr>
+        </p:nvSpPr>
+        <p:spPr/>
+        <p:txBody>
+          <a:bodyPr/>
+          <a:lstStyle/>
+          <a:p>
+            <a:r>
+              <a:rPr lang="de-DE" dirty="0" smtClean="0">
                 <a:solidFill>
                   <a:srgbClr val="C00000"/>
                 </a:solidFill>
@@ -24630,7 +28094,7 @@
               <a:pPr>
                 <a:defRPr/>
               </a:pPr>
-              <a:t>28</a:t>
+              <a:t>29</a:t>
             </a:fld>
             <a:endParaRPr lang="de-DE" altLang="en-US"/>
           </a:p>
@@ -26043,18 +29507,6 @@
               </a:rPr>
               <a:t>)</a:t>
             </a:r>
-            <a:r>
-              <a:rPr lang="de-DE" sz="2400" dirty="0" smtClean="0"/>
-              <a:t>/</a:t>
-            </a:r>
-            <a:r>
-              <a:rPr lang="de-DE" sz="2400" dirty="0" smtClean="0">
-                <a:solidFill>
-                  <a:srgbClr val="FF0000"/>
-                </a:solidFill>
-              </a:rPr>
-              <a:t>..</a:t>
-            </a:r>
             <a:endParaRPr lang="de-DE" sz="2400" dirty="0">
               <a:solidFill>
                 <a:srgbClr val="FF0000"/>
@@ -28304,7 +31756,7 @@
             </a:r>
             <a:r>
               <a:rPr lang="en-US" sz="2800" dirty="0" smtClean="0"/>
-              <a:t>   </a:t>
+              <a:t>     </a:t>
             </a:r>
             <a:r>
               <a:rPr lang="en-US" sz="2800" dirty="0" smtClean="0">
@@ -28315,15 +31767,7 @@
               <a:t>[</a:t>
             </a:r>
             <a:r>
-              <a:rPr lang="en-US" sz="2800" dirty="0">
-                <a:solidFill>
-                  <a:srgbClr val="006600"/>
-                </a:solidFill>
-              </a:rPr>
-              <a:t>matches-</a:t>
-            </a:r>
-            <a:r>
-              <a:rPr lang="en-US" sz="2800" dirty="0" err="1">
+              <a:rPr lang="en-US" sz="2800" dirty="0" err="1" smtClean="0">
                 <a:solidFill>
                   <a:srgbClr val="006600"/>
                 </a:solidFill>

--- a/doc/foxpath.pptx
+++ b/doc/foxpath.pptx
@@ -5,10 +5,10 @@
     <p:sldMasterId id="2147483710" r:id="rId1"/>
   </p:sldMasterIdLst>
   <p:notesMasterIdLst>
-    <p:notesMasterId r:id="rId31"/>
+    <p:notesMasterId r:id="rId32"/>
   </p:notesMasterIdLst>
   <p:handoutMasterIdLst>
-    <p:handoutMasterId r:id="rId32"/>
+    <p:handoutMasterId r:id="rId33"/>
   </p:handoutMasterIdLst>
   <p:sldIdLst>
     <p:sldId id="925" r:id="rId2"/>
@@ -33,13 +33,14 @@
     <p:sldId id="973" r:id="rId21"/>
     <p:sldId id="982" r:id="rId22"/>
     <p:sldId id="972" r:id="rId23"/>
-    <p:sldId id="961" r:id="rId24"/>
-    <p:sldId id="978" r:id="rId25"/>
-    <p:sldId id="976" r:id="rId26"/>
-    <p:sldId id="985" r:id="rId27"/>
-    <p:sldId id="987" r:id="rId28"/>
-    <p:sldId id="986" r:id="rId29"/>
-    <p:sldId id="965" r:id="rId30"/>
+    <p:sldId id="988" r:id="rId24"/>
+    <p:sldId id="961" r:id="rId25"/>
+    <p:sldId id="978" r:id="rId26"/>
+    <p:sldId id="976" r:id="rId27"/>
+    <p:sldId id="985" r:id="rId28"/>
+    <p:sldId id="987" r:id="rId29"/>
+    <p:sldId id="986" r:id="rId30"/>
+    <p:sldId id="965" r:id="rId31"/>
   </p:sldIdLst>
   <p:sldSz cx="9144000" cy="6858000" type="screen4x3"/>
   <p:notesSz cx="6858000" cy="9945688"/>
@@ -2738,7 +2739,11 @@
           <a:p>
             <a:r>
               <a:rPr lang="de-DE" dirty="0" smtClean="0"/>
-              <a:t>The folder navigation supported by FOXpath is not restricted to physical file systems – it can also deal with other kinds of resource trees, which may be regarded as logical file systems.</a:t>
+              <a:t>The implementation in action – a complex expression producing a tree representation of the folder tree found under the niem-3.0</a:t>
+            </a:r>
+            <a:r>
+              <a:rPr lang="de-DE" baseline="0" dirty="0" smtClean="0"/>
+              <a:t> folder.</a:t>
             </a:r>
             <a:endParaRPr lang="de-DE" dirty="0"/>
           </a:p>
@@ -2776,7 +2781,7 @@
     </p:spTree>
     <p:extLst>
       <p:ext uri="{BB962C8B-B14F-4D97-AF65-F5344CB8AC3E}">
-        <p14:creationId xmlns:p14="http://schemas.microsoft.com/office/powerpoint/2010/main" val="3898771097"/>
+        <p14:creationId xmlns:p14="http://schemas.microsoft.com/office/powerpoint/2010/main" val="1110612513"/>
       </p:ext>
     </p:extLst>
   </p:cSld>
@@ -2832,11 +2837,7 @@
           <a:p>
             <a:r>
               <a:rPr lang="de-DE" dirty="0" smtClean="0"/>
-              <a:t>It is important to recognize the basic building block of folder navigation – which is the fox</a:t>
-            </a:r>
-            <a:r>
-              <a:rPr lang="de-DE" baseline="0" dirty="0" smtClean="0"/>
-              <a:t> axis step. The question arises whether the fox axis step can deal with logical file systems as well.</a:t>
+              <a:t>The folder navigation supported by FOXpath is not restricted to physical file systems – it can also deal with other kinds of resource trees, which may be regarded as logical file systems.</a:t>
             </a:r>
             <a:endParaRPr lang="de-DE" dirty="0"/>
           </a:p>
@@ -2874,7 +2875,7 @@
     </p:spTree>
     <p:extLst>
       <p:ext uri="{BB962C8B-B14F-4D97-AF65-F5344CB8AC3E}">
-        <p14:creationId xmlns:p14="http://schemas.microsoft.com/office/powerpoint/2010/main" val="855482139"/>
+        <p14:creationId xmlns:p14="http://schemas.microsoft.com/office/powerpoint/2010/main" val="3898771097"/>
       </p:ext>
     </p:extLst>
   </p:cSld>
@@ -2930,11 +2931,11 @@
           <a:p>
             <a:r>
               <a:rPr lang="de-DE" dirty="0" smtClean="0"/>
-              <a:t>As you remember, the fox axis step combines a fox axis with a fox name test. A complete implementation can be built upon </a:t>
+              <a:t>It is important to recognize the basic building block of folder navigation – which is the fox</a:t>
             </a:r>
             <a:r>
               <a:rPr lang="de-DE" baseline="0" dirty="0" smtClean="0"/>
-              <a:t>navigation primitives, three functions mapping an input URI to output URIs – root, child and descendant URIs. The functions constitute a sufficient interface to the tree, as far as navigation is concerned. This interface completely hides the nature of the resource tree – physical file system, SVN repository, etc. In principle, FOXpath can navigate any type of resource tree, for which implementations of these three navigation primitives are available.</a:t>
+              <a:t> axis step. The question arises whether the fox axis step can deal with logical file systems as well.</a:t>
             </a:r>
             <a:endParaRPr lang="de-DE" dirty="0"/>
           </a:p>
@@ -2972,7 +2973,7 @@
     </p:spTree>
     <p:extLst>
       <p:ext uri="{BB962C8B-B14F-4D97-AF65-F5344CB8AC3E}">
-        <p14:creationId xmlns:p14="http://schemas.microsoft.com/office/powerpoint/2010/main" val="3948359781"/>
+        <p14:creationId xmlns:p14="http://schemas.microsoft.com/office/powerpoint/2010/main" val="855482139"/>
       </p:ext>
     </p:extLst>
   </p:cSld>
@@ -3026,32 +3027,15 @@
           <a:bodyPr/>
           <a:lstStyle/>
           <a:p>
-            <a:pPr marL="0" marR="0" lvl="0" indent="0" algn="l" defTabSz="914400" rtl="0" eaLnBrk="0" fontAlgn="base" latinLnBrk="0" hangingPunct="0">
-              <a:lnSpc>
-                <a:spcPct val="100000"/>
-              </a:lnSpc>
-              <a:spcBef>
-                <a:spcPct val="30000"/>
-              </a:spcBef>
-              <a:spcAft>
-                <a:spcPct val="0"/>
-              </a:spcAft>
-              <a:buClrTx/>
-              <a:buSzTx/>
-              <a:buFontTx/>
-              <a:buNone/>
-              <a:tabLst/>
-              <a:defRPr/>
-            </a:pPr>
             <a:r>
               <a:rPr lang="de-DE" dirty="0" smtClean="0"/>
-              <a:t>What is more: FOXpath can</a:t>
+              <a:t>As you remember, the fox axis step combines a fox axis with a fox name test. A complete implementation can be built upon </a:t>
             </a:r>
             <a:r>
               <a:rPr lang="de-DE" baseline="0" dirty="0" smtClean="0"/>
-              <a:t> support in parallel any number of resource tree types. This presupposes that for a given URI, the type of containing resource tree can be determined. If this is the case, for a given context URI, the appropriate instances of the navigation primitives can be selected and the fox axis step can be executed.</a:t>
-            </a:r>
-            <a:endParaRPr lang="de-DE" dirty="0" smtClean="0"/>
+              <a:t>navigation primitives, three functions mapping an input URI to output URIs – root, child and descendant URIs. The functions constitute a sufficient interface to the tree, as far as navigation is concerned. This interface completely hides the nature of the resource tree – physical file system, SVN repository, etc. In principle, FOXpath can navigate any type of resource tree, for which implementations of these three navigation primitives are available.</a:t>
+            </a:r>
+            <a:endParaRPr lang="de-DE" dirty="0"/>
           </a:p>
         </p:txBody>
       </p:sp>
@@ -3087,7 +3071,7 @@
     </p:spTree>
     <p:extLst>
       <p:ext uri="{BB962C8B-B14F-4D97-AF65-F5344CB8AC3E}">
-        <p14:creationId xmlns:p14="http://schemas.microsoft.com/office/powerpoint/2010/main" val="2106441357"/>
+        <p14:creationId xmlns:p14="http://schemas.microsoft.com/office/powerpoint/2010/main" val="3948359781"/>
       </p:ext>
     </p:extLst>
   </p:cSld>
@@ -3141,19 +3125,32 @@
           <a:bodyPr/>
           <a:lstStyle/>
           <a:p>
+            <a:pPr marL="0" marR="0" lvl="0" indent="0" algn="l" defTabSz="914400" rtl="0" eaLnBrk="0" fontAlgn="base" latinLnBrk="0" hangingPunct="0">
+              <a:lnSpc>
+                <a:spcPct val="100000"/>
+              </a:lnSpc>
+              <a:spcBef>
+                <a:spcPct val="30000"/>
+              </a:spcBef>
+              <a:spcAft>
+                <a:spcPct val="0"/>
+              </a:spcAft>
+              <a:buClrTx/>
+              <a:buSzTx/>
+              <a:buFontTx/>
+              <a:buNone/>
+              <a:tabLst/>
+              <a:defRPr/>
+            </a:pPr>
             <a:r>
               <a:rPr lang="de-DE" dirty="0" smtClean="0"/>
-              <a:t>Support</a:t>
+              <a:t>What is more: FOXpath can</a:t>
             </a:r>
             <a:r>
               <a:rPr lang="de-DE" baseline="0" dirty="0" smtClean="0"/>
-              <a:t> for various resource tree types will certainly be implementation dependent. </a:t>
-            </a:r>
-            <a:r>
-              <a:rPr lang="de-DE" baseline="0" smtClean="0"/>
-              <a:t>How to integrate this variability cleanly into the highly standardized XPath language?</a:t>
-            </a:r>
-            <a:endParaRPr lang="de-DE"/>
+              <a:t> support in parallel any number of resource tree types. This presupposes that for a given URI, the type of containing resource tree can be determined. If this is the case, for a given context URI, the appropriate instances of the navigation primitives can be selected and the fox axis step can be executed.</a:t>
+            </a:r>
+            <a:endParaRPr lang="de-DE" dirty="0" smtClean="0"/>
           </a:p>
         </p:txBody>
       </p:sp>
@@ -3189,7 +3186,7 @@
     </p:spTree>
     <p:extLst>
       <p:ext uri="{BB962C8B-B14F-4D97-AF65-F5344CB8AC3E}">
-        <p14:creationId xmlns:p14="http://schemas.microsoft.com/office/powerpoint/2010/main" val="3268544634"/>
+        <p14:creationId xmlns:p14="http://schemas.microsoft.com/office/powerpoint/2010/main" val="2106441357"/>
       </p:ext>
     </p:extLst>
   </p:cSld>
@@ -3245,13 +3242,17 @@
           <a:p>
             <a:r>
               <a:rPr lang="de-DE" dirty="0" smtClean="0"/>
-              <a:t>An afterthought: FOXpath complements tree navigation of resource contents with tree navigation of resource collections. FOXpath encourages us  </a:t>
+              <a:t>Support</a:t>
             </a:r>
             <a:r>
               <a:rPr lang="de-DE" baseline="0" dirty="0" smtClean="0"/>
-              <a:t>to perceive a nested forest of information: an outer forest consisting of resource trees, an inner forest consisting of the node trees corresponding to leaves of the resource trees. FOXpath enables us to navigate the complete structure in a seamless way, and therefore we may experience this nested forest as a single, continuous space – the info space.</a:t>
-            </a:r>
-            <a:endParaRPr lang="de-DE" dirty="0"/>
+              <a:t> for various resource tree types will certainly be implementation dependent. </a:t>
+            </a:r>
+            <a:r>
+              <a:rPr lang="de-DE" baseline="0" smtClean="0"/>
+              <a:t>How to integrate this variability cleanly into the highly standardized XPath language?</a:t>
+            </a:r>
+            <a:endParaRPr lang="de-DE"/>
           </a:p>
         </p:txBody>
       </p:sp>
@@ -3287,7 +3288,7 @@
     </p:spTree>
     <p:extLst>
       <p:ext uri="{BB962C8B-B14F-4D97-AF65-F5344CB8AC3E}">
-        <p14:creationId xmlns:p14="http://schemas.microsoft.com/office/powerpoint/2010/main" val="3688205914"/>
+        <p14:creationId xmlns:p14="http://schemas.microsoft.com/office/powerpoint/2010/main" val="3268544634"/>
       </p:ext>
     </p:extLst>
   </p:cSld>
@@ -3343,23 +3344,11 @@
           <a:p>
             <a:r>
               <a:rPr lang="de-DE" dirty="0" smtClean="0"/>
-              <a:t>There</a:t>
+              <a:t>An afterthought: FOXpath complements tree navigation of resource contents with tree navigation of resource collections. FOXpath encourages us  </a:t>
             </a:r>
             <a:r>
               <a:rPr lang="de-DE" baseline="0" dirty="0" smtClean="0"/>
-              <a:t> is a choice to be made: either </a:t>
-            </a:r>
-            <a:r>
-              <a:rPr lang="de-DE" dirty="0" smtClean="0"/>
-              <a:t>XPath remains an ingeneous tool for navigating XML</a:t>
-            </a:r>
-            <a:r>
-              <a:rPr lang="de-DE" baseline="0" dirty="0" smtClean="0"/>
-              <a:t> documents</a:t>
-            </a:r>
-            <a:r>
-              <a:rPr lang="de-DE" dirty="0" smtClean="0"/>
-              <a:t>, or it will be extended to become the engine of the info space.</a:t>
+              <a:t>to perceive a nested forest of information: an outer forest consisting of resource trees, an inner forest consisting of the node trees corresponding to leaves of the resource trees. FOXpath enables us to navigate the complete structure in a seamless way, and therefore we may experience this nested forest as a single, continuous space – the info space.</a:t>
             </a:r>
             <a:endParaRPr lang="de-DE" dirty="0"/>
           </a:p>
@@ -3397,7 +3386,7 @@
     </p:spTree>
     <p:extLst>
       <p:ext uri="{BB962C8B-B14F-4D97-AF65-F5344CB8AC3E}">
-        <p14:creationId xmlns:p14="http://schemas.microsoft.com/office/powerpoint/2010/main" val="959474424"/>
+        <p14:creationId xmlns:p14="http://schemas.microsoft.com/office/powerpoint/2010/main" val="3688205914"/>
       </p:ext>
     </p:extLst>
   </p:cSld>
@@ -3516,6 +3505,128 @@
     <p:extLst>
       <p:ext uri="{BB962C8B-B14F-4D97-AF65-F5344CB8AC3E}">
         <p14:creationId xmlns:p14="http://schemas.microsoft.com/office/powerpoint/2010/main" val="4229199909"/>
+      </p:ext>
+    </p:extLst>
+  </p:cSld>
+  <p:clrMapOvr>
+    <a:masterClrMapping/>
+  </p:clrMapOvr>
+</p:notes>
+</file>
+
+<file path=ppt/notesSlides/notesSlide30.xml><?xml version="1.0" encoding="utf-8"?>
+<p:notes xmlns:a="http://schemas.openxmlformats.org/drawingml/2006/main" xmlns:r="http://schemas.openxmlformats.org/officeDocument/2006/relationships" xmlns:p="http://schemas.openxmlformats.org/presentationml/2006/main">
+  <p:cSld>
+    <p:spTree>
+      <p:nvGrpSpPr>
+        <p:cNvPr id="1" name=""/>
+        <p:cNvGrpSpPr/>
+        <p:nvPr/>
+      </p:nvGrpSpPr>
+      <p:grpSpPr>
+        <a:xfrm>
+          <a:off x="0" y="0"/>
+          <a:ext cx="0" cy="0"/>
+          <a:chOff x="0" y="0"/>
+          <a:chExt cx="0" cy="0"/>
+        </a:xfrm>
+      </p:grpSpPr>
+      <p:sp>
+        <p:nvSpPr>
+          <p:cNvPr id="2" name="Slide Image Placeholder 1"/>
+          <p:cNvSpPr>
+            <a:spLocks noGrp="1" noRot="1" noChangeAspect="1"/>
+          </p:cNvSpPr>
+          <p:nvPr>
+            <p:ph type="sldImg"/>
+          </p:nvPr>
+        </p:nvSpPr>
+        <p:spPr/>
+      </p:sp>
+      <p:sp>
+        <p:nvSpPr>
+          <p:cNvPr id="3" name="Notes Placeholder 2"/>
+          <p:cNvSpPr>
+            <a:spLocks noGrp="1"/>
+          </p:cNvSpPr>
+          <p:nvPr>
+            <p:ph type="body" idx="1"/>
+          </p:nvPr>
+        </p:nvSpPr>
+        <p:spPr/>
+        <p:txBody>
+          <a:bodyPr/>
+          <a:lstStyle/>
+          <a:p>
+            <a:r>
+              <a:rPr lang="de-DE" dirty="0" smtClean="0"/>
+              <a:t>There</a:t>
+            </a:r>
+            <a:r>
+              <a:rPr lang="de-DE" baseline="0" dirty="0" smtClean="0"/>
+              <a:t> is a choice to be made: either </a:t>
+            </a:r>
+            <a:r>
+              <a:rPr lang="de-DE" dirty="0" smtClean="0"/>
+              <a:t>XPath remains </a:t>
+            </a:r>
+            <a:r>
+              <a:rPr lang="de-DE" smtClean="0"/>
+              <a:t>an </a:t>
+            </a:r>
+            <a:r>
+              <a:rPr lang="de-DE" smtClean="0"/>
+              <a:t>ingenious </a:t>
+            </a:r>
+            <a:r>
+              <a:rPr lang="de-DE" dirty="0" smtClean="0"/>
+              <a:t>tool for navigating XML</a:t>
+            </a:r>
+            <a:r>
+              <a:rPr lang="de-DE" baseline="0" dirty="0" smtClean="0"/>
+              <a:t> documents</a:t>
+            </a:r>
+            <a:r>
+              <a:rPr lang="de-DE" dirty="0" smtClean="0"/>
+              <a:t>, or it will be extended to become the engine of the info space.</a:t>
+            </a:r>
+            <a:endParaRPr lang="de-DE" dirty="0"/>
+          </a:p>
+        </p:txBody>
+      </p:sp>
+      <p:sp>
+        <p:nvSpPr>
+          <p:cNvPr id="4" name="Slide Number Placeholder 3"/>
+          <p:cNvSpPr>
+            <a:spLocks noGrp="1"/>
+          </p:cNvSpPr>
+          <p:nvPr>
+            <p:ph type="sldNum" sz="quarter" idx="10"/>
+          </p:nvPr>
+        </p:nvSpPr>
+        <p:spPr/>
+        <p:txBody>
+          <a:bodyPr/>
+          <a:lstStyle/>
+          <a:p>
+            <a:pPr>
+              <a:defRPr/>
+            </a:pPr>
+            <a:fld id="{C808F741-F631-4E00-8D1F-D4687A839150}" type="slidenum">
+              <a:rPr lang="de-DE" altLang="de-DE" smtClean="0"/>
+              <a:pPr>
+                <a:defRPr/>
+              </a:pPr>
+              <a:t>30</a:t>
+            </a:fld>
+            <a:endParaRPr lang="de-DE" altLang="de-DE"/>
+          </a:p>
+        </p:txBody>
+      </p:sp>
+    </p:spTree>
+    <p:extLst>
+      <p:ext uri="{BB962C8B-B14F-4D97-AF65-F5344CB8AC3E}">
+        <p14:creationId xmlns:p14="http://schemas.microsoft.com/office/powerpoint/2010/main" val="959474424"/>
       </p:ext>
     </p:extLst>
   </p:cSld>
@@ -22876,15 +22987,16 @@
             <p:ph type="title"/>
           </p:nvPr>
         </p:nvSpPr>
-        <p:spPr/>
+        <p:spPr>
+          <a:xfrm>
+            <a:off x="395536" y="122238"/>
+            <a:ext cx="7543800" cy="1295400"/>
+          </a:xfrm>
+        </p:spPr>
         <p:txBody>
           <a:bodyPr/>
           <a:lstStyle/>
           <a:p>
-            <a:r>
-              <a:rPr lang="de-DE" dirty="0" smtClean="0"/>
-              <a:t>Moving beyond the file system</a:t>
-            </a:r>
             <a:endParaRPr lang="de-DE" dirty="0"/>
           </a:p>
         </p:txBody>
@@ -22901,176 +23013,479 @@
         </p:nvSpPr>
         <p:spPr>
           <a:xfrm>
-            <a:off x="457200" y="1719263"/>
-            <a:ext cx="8686800" cy="4411662"/>
+            <a:off x="446856" y="1825650"/>
+            <a:ext cx="8229600" cy="4411662"/>
           </a:xfrm>
         </p:spPr>
         <p:txBody>
           <a:bodyPr/>
           <a:lstStyle/>
           <a:p>
-            <a:r>
-              <a:rPr lang="de-DE" dirty="0" smtClean="0"/>
-              <a:t>File system – 	tree of resource URIs</a:t>
-            </a:r>
-          </a:p>
-          <a:p>
-            <a:r>
-              <a:rPr lang="de-DE" dirty="0" smtClean="0"/>
-              <a:t>Other types of resource trees:</a:t>
-            </a:r>
-          </a:p>
-          <a:p>
-            <a:pPr lvl="1"/>
-            <a:r>
-              <a:rPr lang="de-DE" dirty="0" smtClean="0"/>
-              <a:t>Resource URIs exposed by a REST-ful web service</a:t>
-            </a:r>
-          </a:p>
-          <a:p>
-            <a:pPr lvl="1"/>
-            <a:r>
-              <a:rPr lang="de-DE" dirty="0" smtClean="0"/>
-              <a:t>URIs of documents stored in a NOSQL database</a:t>
-            </a:r>
-          </a:p>
-          <a:p>
-            <a:pPr lvl="1"/>
-            <a:r>
-              <a:rPr lang="de-DE" dirty="0" smtClean="0"/>
-              <a:t>URIs of resources managed by version control</a:t>
-            </a:r>
-          </a:p>
-          <a:p>
-            <a:pPr lvl="1"/>
-            <a:r>
-              <a:rPr lang="de-DE" dirty="0" smtClean="0"/>
-              <a:t>...</a:t>
-            </a:r>
-          </a:p>
-          <a:p>
-            <a:r>
-              <a:rPr lang="de-DE" dirty="0" smtClean="0">
+            <a:endParaRPr lang="de-DE" dirty="0"/>
+          </a:p>
+        </p:txBody>
+      </p:sp>
+      <p:sp>
+        <p:nvSpPr>
+          <p:cNvPr id="7" name="TextBox 6"/>
+          <p:cNvSpPr txBox="1"/>
+          <p:nvPr/>
+        </p:nvSpPr>
+        <p:spPr>
+          <a:xfrm>
+            <a:off x="251520" y="229279"/>
+            <a:ext cx="7821372" cy="6494085"/>
+          </a:xfrm>
+          <a:prstGeom prst="rect">
+            <a:avLst/>
+          </a:prstGeom>
+          <a:noFill/>
+        </p:spPr>
+        <p:txBody>
+          <a:bodyPr wrap="none" rtlCol="0">
+            <a:spAutoFit/>
+          </a:bodyPr>
+          <a:lstStyle/>
+          <a:p>
+            <a:r>
+              <a:rPr lang="en-US" sz="2400" dirty="0" smtClean="0">
                 <a:solidFill>
                   <a:srgbClr val="C00000"/>
                 </a:solidFill>
               </a:rPr>
-              <a:t>Folder navigation</a:t>
-            </a:r>
-            <a:r>
-              <a:rPr lang="de-DE" dirty="0" smtClean="0"/>
-              <a:t> defined by FOXpath –</a:t>
-            </a:r>
-          </a:p>
-          <a:p>
-            <a:pPr marL="0" indent="0">
-              <a:buNone/>
-            </a:pPr>
-            <a:r>
-              <a:rPr lang="de-DE" dirty="0"/>
-              <a:t>	</a:t>
-            </a:r>
-            <a:r>
-              <a:rPr lang="de-DE" i="1" dirty="0" smtClean="0">
+              <a:t>for </a:t>
+            </a:r>
+            <a:r>
+              <a:rPr lang="en-US" sz="2400" dirty="0">
                 <a:solidFill>
                   <a:srgbClr val="C00000"/>
                 </a:solidFill>
               </a:rPr>
-              <a:t>not restricted to the file system!</a:t>
-            </a:r>
-            <a:endParaRPr lang="de-DE" i="1" dirty="0">
+              <a:t>$d in /</a:t>
+            </a:r>
+            <a:r>
+              <a:rPr lang="en-US" sz="2400" dirty="0" err="1">
+                <a:solidFill>
+                  <a:srgbClr val="C00000"/>
+                </a:solidFill>
+              </a:rPr>
+              <a:t>xsdbase</a:t>
+            </a:r>
+            <a:r>
+              <a:rPr lang="en-US" sz="2400" dirty="0">
+                <a:solidFill>
+                  <a:srgbClr val="C00000"/>
+                </a:solidFill>
+              </a:rPr>
+              <a:t>/niem-3.0//*[is-</a:t>
+            </a:r>
+            <a:r>
+              <a:rPr lang="en-US" sz="2400" dirty="0" err="1">
+                <a:solidFill>
+                  <a:srgbClr val="C00000"/>
+                </a:solidFill>
+              </a:rPr>
+              <a:t>dir</a:t>
+            </a:r>
+            <a:r>
+              <a:rPr lang="en-US" sz="2400" dirty="0">
+                <a:solidFill>
+                  <a:srgbClr val="C00000"/>
+                </a:solidFill>
+              </a:rPr>
+              <a:t>()] </a:t>
+            </a:r>
+            <a:r>
+              <a:rPr lang="en-US" sz="2400" dirty="0" smtClean="0">
+                <a:solidFill>
+                  <a:srgbClr val="C00000"/>
+                </a:solidFill>
+              </a:rPr>
+              <a:t>return </a:t>
+            </a:r>
+          </a:p>
+          <a:p>
+            <a:r>
+              <a:rPr lang="en-US" sz="2400" dirty="0" smtClean="0">
+                <a:solidFill>
+                  <a:srgbClr val="C00000"/>
+                </a:solidFill>
+              </a:rPr>
+              <a:t>  </a:t>
+            </a:r>
+            <a:r>
+              <a:rPr lang="en-US" sz="2400" dirty="0" err="1" smtClean="0">
+                <a:solidFill>
+                  <a:srgbClr val="C00000"/>
+                </a:solidFill>
+              </a:rPr>
+              <a:t>concat</a:t>
+            </a:r>
+            <a:r>
+              <a:rPr lang="en-US" sz="2400" dirty="0" smtClean="0">
+                <a:solidFill>
+                  <a:srgbClr val="C00000"/>
+                </a:solidFill>
+              </a:rPr>
+              <a:t>(</a:t>
+            </a:r>
+          </a:p>
+          <a:p>
+            <a:r>
+              <a:rPr lang="en-US" sz="2400" dirty="0" smtClean="0">
+                <a:solidFill>
+                  <a:srgbClr val="C00000"/>
+                </a:solidFill>
+              </a:rPr>
+              <a:t>    for </a:t>
+            </a:r>
+            <a:r>
+              <a:rPr lang="en-US" sz="2400" dirty="0">
+                <a:solidFill>
+                  <a:srgbClr val="C00000"/>
+                </a:solidFill>
+              </a:rPr>
+              <a:t>$</a:t>
+            </a:r>
+            <a:r>
+              <a:rPr lang="en-US" sz="2400" dirty="0" err="1">
+                <a:solidFill>
+                  <a:srgbClr val="C00000"/>
+                </a:solidFill>
+              </a:rPr>
+              <a:t>i</a:t>
+            </a:r>
+            <a:r>
+              <a:rPr lang="en-US" sz="2400" dirty="0">
+                <a:solidFill>
+                  <a:srgbClr val="C00000"/>
+                </a:solidFill>
+              </a:rPr>
+              <a:t> in 1 to (count($d/ancestor~::*) - 2) return '. ', </a:t>
+            </a:r>
+            <a:endParaRPr lang="en-US" sz="2400" dirty="0" smtClean="0">
               <a:solidFill>
                 <a:srgbClr val="C00000"/>
               </a:solidFill>
             </a:endParaRPr>
           </a:p>
+          <a:p>
+            <a:r>
+              <a:rPr lang="en-US" sz="2400" dirty="0">
+                <a:solidFill>
+                  <a:srgbClr val="C00000"/>
+                </a:solidFill>
+              </a:rPr>
+              <a:t> </a:t>
+            </a:r>
+            <a:r>
+              <a:rPr lang="en-US" sz="2400" dirty="0" smtClean="0">
+                <a:solidFill>
+                  <a:srgbClr val="C00000"/>
+                </a:solidFill>
+              </a:rPr>
+              <a:t>   file-name</a:t>
+            </a:r>
+            <a:r>
+              <a:rPr lang="en-US" sz="2400" dirty="0">
+                <a:solidFill>
+                  <a:srgbClr val="C00000"/>
+                </a:solidFill>
+              </a:rPr>
+              <a:t>($d</a:t>
+            </a:r>
+            <a:r>
+              <a:rPr lang="en-US" sz="2400" dirty="0" smtClean="0">
+                <a:solidFill>
+                  <a:srgbClr val="C00000"/>
+                </a:solidFill>
+              </a:rPr>
+              <a:t>))</a:t>
+            </a:r>
+          </a:p>
+          <a:p>
+            <a:endParaRPr lang="en-US" sz="2000" dirty="0"/>
+          </a:p>
+          <a:p>
+            <a:r>
+              <a:rPr lang="en-US" sz="2000" dirty="0">
+                <a:latin typeface="Courier New" panose="02070309020205020404" pitchFamily="49" charset="0"/>
+                <a:cs typeface="Courier New" panose="02070309020205020404" pitchFamily="49" charset="0"/>
+              </a:rPr>
+              <a:t>. </a:t>
+            </a:r>
+            <a:r>
+              <a:rPr lang="en-US" sz="2000" dirty="0" err="1">
+                <a:latin typeface="Courier New" panose="02070309020205020404" pitchFamily="49" charset="0"/>
+                <a:cs typeface="Courier New" panose="02070309020205020404" pitchFamily="49" charset="0"/>
+              </a:rPr>
+              <a:t>niem</a:t>
+            </a:r>
+            <a:endParaRPr lang="en-US" sz="2000" dirty="0">
+              <a:latin typeface="Courier New" panose="02070309020205020404" pitchFamily="49" charset="0"/>
+              <a:cs typeface="Courier New" panose="02070309020205020404" pitchFamily="49" charset="0"/>
+            </a:endParaRPr>
+          </a:p>
+          <a:p>
+            <a:r>
+              <a:rPr lang="en-US" sz="2000" dirty="0">
+                <a:latin typeface="Courier New" panose="02070309020205020404" pitchFamily="49" charset="0"/>
+                <a:cs typeface="Courier New" panose="02070309020205020404" pitchFamily="49" charset="0"/>
+              </a:rPr>
+              <a:t>. . adapters</a:t>
+            </a:r>
+          </a:p>
+          <a:p>
+            <a:r>
+              <a:rPr lang="en-US" sz="2000" dirty="0">
+                <a:latin typeface="Courier New" panose="02070309020205020404" pitchFamily="49" charset="0"/>
+                <a:cs typeface="Courier New" panose="02070309020205020404" pitchFamily="49" charset="0"/>
+              </a:rPr>
+              <a:t>. . . </a:t>
+            </a:r>
+            <a:r>
+              <a:rPr lang="en-US" sz="2000" dirty="0" err="1">
+                <a:latin typeface="Courier New" panose="02070309020205020404" pitchFamily="49" charset="0"/>
+                <a:cs typeface="Courier New" panose="02070309020205020404" pitchFamily="49" charset="0"/>
+              </a:rPr>
+              <a:t>edxl</a:t>
+            </a:r>
+            <a:r>
+              <a:rPr lang="en-US" sz="2000" dirty="0">
+                <a:latin typeface="Courier New" panose="02070309020205020404" pitchFamily="49" charset="0"/>
+                <a:cs typeface="Courier New" panose="02070309020205020404" pitchFamily="49" charset="0"/>
+              </a:rPr>
+              <a:t>-cap</a:t>
+            </a:r>
+          </a:p>
+          <a:p>
+            <a:r>
+              <a:rPr lang="en-US" sz="2000" dirty="0">
+                <a:latin typeface="Courier New" panose="02070309020205020404" pitchFamily="49" charset="0"/>
+                <a:cs typeface="Courier New" panose="02070309020205020404" pitchFamily="49" charset="0"/>
+              </a:rPr>
+              <a:t>. . . . 3.0</a:t>
+            </a:r>
+          </a:p>
+          <a:p>
+            <a:r>
+              <a:rPr lang="en-US" sz="2000" dirty="0">
+                <a:latin typeface="Courier New" panose="02070309020205020404" pitchFamily="49" charset="0"/>
+                <a:cs typeface="Courier New" panose="02070309020205020404" pitchFamily="49" charset="0"/>
+              </a:rPr>
+              <a:t>. . . </a:t>
+            </a:r>
+            <a:r>
+              <a:rPr lang="en-US" sz="2000" dirty="0" err="1">
+                <a:latin typeface="Courier New" panose="02070309020205020404" pitchFamily="49" charset="0"/>
+                <a:cs typeface="Courier New" panose="02070309020205020404" pitchFamily="49" charset="0"/>
+              </a:rPr>
+              <a:t>edxl</a:t>
+            </a:r>
+            <a:r>
+              <a:rPr lang="en-US" sz="2000" dirty="0">
+                <a:latin typeface="Courier New" panose="02070309020205020404" pitchFamily="49" charset="0"/>
+                <a:cs typeface="Courier New" panose="02070309020205020404" pitchFamily="49" charset="0"/>
+              </a:rPr>
+              <a:t>-de</a:t>
+            </a:r>
+          </a:p>
+          <a:p>
+            <a:r>
+              <a:rPr lang="en-US" sz="2000" dirty="0">
+                <a:latin typeface="Courier New" panose="02070309020205020404" pitchFamily="49" charset="0"/>
+                <a:cs typeface="Courier New" panose="02070309020205020404" pitchFamily="49" charset="0"/>
+              </a:rPr>
+              <a:t>. . . . 3.0</a:t>
+            </a:r>
+          </a:p>
+          <a:p>
+            <a:r>
+              <a:rPr lang="en-US" sz="2000" dirty="0">
+                <a:latin typeface="Courier New" panose="02070309020205020404" pitchFamily="49" charset="0"/>
+                <a:cs typeface="Courier New" panose="02070309020205020404" pitchFamily="49" charset="0"/>
+              </a:rPr>
+              <a:t>. . . </a:t>
+            </a:r>
+            <a:r>
+              <a:rPr lang="en-US" sz="2000" dirty="0" err="1">
+                <a:latin typeface="Courier New" panose="02070309020205020404" pitchFamily="49" charset="0"/>
+                <a:cs typeface="Courier New" panose="02070309020205020404" pitchFamily="49" charset="0"/>
+              </a:rPr>
+              <a:t>edxl</a:t>
+            </a:r>
+            <a:r>
+              <a:rPr lang="en-US" sz="2000" dirty="0">
+                <a:latin typeface="Courier New" panose="02070309020205020404" pitchFamily="49" charset="0"/>
+                <a:cs typeface="Courier New" panose="02070309020205020404" pitchFamily="49" charset="0"/>
+              </a:rPr>
+              <a:t>-have</a:t>
+            </a:r>
+          </a:p>
+          <a:p>
+            <a:r>
+              <a:rPr lang="en-US" sz="2000" dirty="0">
+                <a:latin typeface="Courier New" panose="02070309020205020404" pitchFamily="49" charset="0"/>
+                <a:cs typeface="Courier New" panose="02070309020205020404" pitchFamily="49" charset="0"/>
+              </a:rPr>
+              <a:t>. . . . 3.0</a:t>
+            </a:r>
+          </a:p>
+          <a:p>
+            <a:r>
+              <a:rPr lang="en-US" sz="2000" dirty="0">
+                <a:latin typeface="Courier New" panose="02070309020205020404" pitchFamily="49" charset="0"/>
+                <a:cs typeface="Courier New" panose="02070309020205020404" pitchFamily="49" charset="0"/>
+              </a:rPr>
+              <a:t>. . . geospatial</a:t>
+            </a:r>
+          </a:p>
+          <a:p>
+            <a:r>
+              <a:rPr lang="en-US" sz="2000" dirty="0">
+                <a:latin typeface="Courier New" panose="02070309020205020404" pitchFamily="49" charset="0"/>
+                <a:cs typeface="Courier New" panose="02070309020205020404" pitchFamily="49" charset="0"/>
+              </a:rPr>
+              <a:t>. . . . 3.0</a:t>
+            </a:r>
+          </a:p>
+          <a:p>
+            <a:r>
+              <a:rPr lang="en-US" sz="2000" dirty="0">
+                <a:latin typeface="Courier New" panose="02070309020205020404" pitchFamily="49" charset="0"/>
+                <a:cs typeface="Courier New" panose="02070309020205020404" pitchFamily="49" charset="0"/>
+              </a:rPr>
+              <a:t>. . </a:t>
+            </a:r>
+            <a:r>
+              <a:rPr lang="en-US" sz="2000" dirty="0" err="1" smtClean="0">
+                <a:latin typeface="Courier New" panose="02070309020205020404" pitchFamily="49" charset="0"/>
+                <a:cs typeface="Courier New" panose="02070309020205020404" pitchFamily="49" charset="0"/>
+              </a:rPr>
+              <a:t>appinfores</a:t>
+            </a:r>
+            <a:endParaRPr lang="en-US" sz="2000" dirty="0">
+              <a:latin typeface="Courier New" panose="02070309020205020404" pitchFamily="49" charset="0"/>
+              <a:cs typeface="Courier New" panose="02070309020205020404" pitchFamily="49" charset="0"/>
+            </a:endParaRPr>
+          </a:p>
+          <a:p>
+            <a:r>
+              <a:rPr lang="en-US" sz="2000" dirty="0">
+                <a:latin typeface="Courier New" panose="02070309020205020404" pitchFamily="49" charset="0"/>
+                <a:cs typeface="Courier New" panose="02070309020205020404" pitchFamily="49" charset="0"/>
+              </a:rPr>
+              <a:t>. . . 3.0</a:t>
+            </a:r>
+          </a:p>
+          <a:p>
+            <a:r>
+              <a:rPr lang="en-US" sz="2000" dirty="0">
+                <a:latin typeface="Courier New" panose="02070309020205020404" pitchFamily="49" charset="0"/>
+                <a:cs typeface="Courier New" panose="02070309020205020404" pitchFamily="49" charset="0"/>
+              </a:rPr>
+              <a:t>. . codes</a:t>
+            </a:r>
+          </a:p>
+          <a:p>
+            <a:r>
+              <a:rPr lang="en-US" sz="2000" dirty="0">
+                <a:latin typeface="Courier New" panose="02070309020205020404" pitchFamily="49" charset="0"/>
+                <a:cs typeface="Courier New" panose="02070309020205020404" pitchFamily="49" charset="0"/>
+              </a:rPr>
+              <a:t>. . . ansi_d20</a:t>
+            </a:r>
+          </a:p>
+          <a:p>
+            <a:r>
+              <a:rPr lang="en-US" sz="2000" dirty="0">
+                <a:latin typeface="Courier New" panose="02070309020205020404" pitchFamily="49" charset="0"/>
+                <a:cs typeface="Courier New" panose="02070309020205020404" pitchFamily="49" charset="0"/>
+              </a:rPr>
+              <a:t>. . . . </a:t>
+            </a:r>
+            <a:r>
+              <a:rPr lang="en-US" sz="2000" dirty="0" smtClean="0">
+                <a:latin typeface="Courier New" panose="02070309020205020404" pitchFamily="49" charset="0"/>
+                <a:cs typeface="Courier New" panose="02070309020205020404" pitchFamily="49" charset="0"/>
+              </a:rPr>
+              <a:t>3.0</a:t>
+            </a:r>
+          </a:p>
         </p:txBody>
       </p:sp>
       <p:sp>
         <p:nvSpPr>
-          <p:cNvPr id="4" name="Date Placeholder 3"/>
-          <p:cNvSpPr>
-            <a:spLocks noGrp="1"/>
-          </p:cNvSpPr>
-          <p:nvPr>
-            <p:ph type="dt" sz="half" idx="10"/>
-          </p:nvPr>
-        </p:nvSpPr>
-        <p:spPr/>
+          <p:cNvPr id="8" name="Right Arrow 7"/>
+          <p:cNvSpPr/>
+          <p:nvPr/>
+        </p:nvSpPr>
+        <p:spPr bwMode="auto">
+          <a:xfrm>
+            <a:off x="611560" y="2132856"/>
+            <a:ext cx="546360" cy="216024"/>
+          </a:xfrm>
+          <a:prstGeom prst="rightArrow">
+            <a:avLst/>
+          </a:prstGeom>
+          <a:solidFill>
+            <a:schemeClr val="bg1">
+              <a:lumMod val="95000"/>
+            </a:schemeClr>
+          </a:solidFill>
+          <a:ln w="9525" cap="flat" cmpd="sng" algn="ctr">
+            <a:solidFill>
+              <a:schemeClr val="tx1"/>
+            </a:solidFill>
+            <a:prstDash val="solid"/>
+            <a:round/>
+            <a:headEnd type="none" w="med" len="med"/>
+            <a:tailEnd type="none" w="med" len="med"/>
+          </a:ln>
+          <a:effectLst/>
+          <a:extLst/>
+        </p:spPr>
         <p:txBody>
-          <a:bodyPr/>
+          <a:bodyPr vert="horz" wrap="square" lIns="91440" tIns="45720" rIns="91440" bIns="45720" numCol="1" rtlCol="0" anchor="t" anchorCtr="0" compatLnSpc="1">
+            <a:prstTxWarp prst="textNoShape">
+              <a:avLst/>
+            </a:prstTxWarp>
+          </a:bodyPr>
           <a:lstStyle/>
           <a:p>
-            <a:pPr>
-              <a:defRPr/>
+            <a:pPr marL="0" marR="0" indent="0" algn="l" defTabSz="914400" rtl="0" eaLnBrk="1" fontAlgn="base" latinLnBrk="0" hangingPunct="1">
+              <a:lnSpc>
+                <a:spcPct val="100000"/>
+              </a:lnSpc>
+              <a:spcBef>
+                <a:spcPct val="0"/>
+              </a:spcBef>
+              <a:spcAft>
+                <a:spcPct val="0"/>
+              </a:spcAft>
+              <a:buClrTx/>
+              <a:buSzTx/>
+              <a:buFontTx/>
+              <a:buNone/>
+              <a:tabLst/>
             </a:pPr>
-            <a:r>
-              <a:rPr lang="de-DE" altLang="de-DE" smtClean="0"/>
-              <a:t>2016-08-03</a:t>
-            </a:r>
-            <a:endParaRPr lang="de-DE" altLang="en-US"/>
-          </a:p>
-        </p:txBody>
-      </p:sp>
-      <p:sp>
-        <p:nvSpPr>
-          <p:cNvPr id="5" name="Footer Placeholder 4"/>
-          <p:cNvSpPr>
-            <a:spLocks noGrp="1"/>
-          </p:cNvSpPr>
-          <p:nvPr>
-            <p:ph type="ftr" sz="quarter" idx="11"/>
-          </p:nvPr>
-        </p:nvSpPr>
-        <p:spPr/>
-        <p:txBody>
-          <a:bodyPr/>
-          <a:lstStyle/>
-          <a:p>
-            <a:pPr>
-              <a:defRPr/>
-            </a:pPr>
-            <a:r>
-              <a:rPr lang="de-DE" altLang="en-US" smtClean="0"/>
-              <a:t>FOXpath - an expression language</a:t>
-            </a:r>
-            <a:endParaRPr lang="de-DE" altLang="en-US"/>
-          </a:p>
-        </p:txBody>
-      </p:sp>
-      <p:sp>
-        <p:nvSpPr>
-          <p:cNvPr id="6" name="Slide Number Placeholder 5"/>
-          <p:cNvSpPr>
-            <a:spLocks noGrp="1"/>
-          </p:cNvSpPr>
-          <p:nvPr>
-            <p:ph type="sldNum" sz="quarter" idx="12"/>
-          </p:nvPr>
-        </p:nvSpPr>
-        <p:spPr/>
-        <p:txBody>
-          <a:bodyPr/>
-          <a:lstStyle/>
-          <a:p>
-            <a:pPr>
-              <a:defRPr/>
-            </a:pPr>
-            <a:fld id="{F031B2F4-27D1-4E53-97CF-1947CD75B185}" type="slidenum">
-              <a:rPr lang="de-DE" altLang="en-US" smtClean="0"/>
-              <a:pPr>
-                <a:defRPr/>
-              </a:pPr>
-              <a:t>23</a:t>
-            </a:fld>
-            <a:endParaRPr lang="de-DE" altLang="en-US"/>
+            <a:endParaRPr kumimoji="0" lang="de-DE" sz="1800" b="1" i="0" u="none" strike="noStrike" cap="none" normalizeH="0" baseline="0" smtClean="0">
+              <a:ln>
+                <a:noFill/>
+              </a:ln>
+              <a:solidFill>
+                <a:schemeClr val="tx1"/>
+              </a:solidFill>
+              <a:effectLst/>
+              <a:latin typeface="Arial" panose="020B0604020202020204" pitchFamily="34" charset="0"/>
+            </a:endParaRPr>
           </a:p>
         </p:txBody>
       </p:sp>
     </p:spTree>
     <p:extLst>
       <p:ext uri="{BB962C8B-B14F-4D97-AF65-F5344CB8AC3E}">
-        <p14:creationId xmlns:p14="http://schemas.microsoft.com/office/powerpoint/2010/main" val="1120944607"/>
+        <p14:creationId xmlns:p14="http://schemas.microsoft.com/office/powerpoint/2010/main" val="694949802"/>
       </p:ext>
     </p:extLst>
   </p:cSld>
@@ -23080,9 +23495,80 @@
   <p:timing>
     <p:tnLst>
       <p:par>
-        <p:cTn id="1" dur="indefinite" restart="never" nodeType="tmRoot"/>
+        <p:cTn id="1" dur="indefinite" restart="never" nodeType="tmRoot">
+          <p:childTnLst>
+            <p:seq concurrent="1" nextAc="seek">
+              <p:cTn id="2" dur="indefinite" nodeType="mainSeq">
+                <p:childTnLst>
+                  <p:par>
+                    <p:cTn id="3" fill="hold">
+                      <p:stCondLst>
+                        <p:cond delay="indefinite"/>
+                      </p:stCondLst>
+                      <p:childTnLst>
+                        <p:par>
+                          <p:cTn id="4" fill="hold">
+                            <p:stCondLst>
+                              <p:cond delay="0"/>
+                            </p:stCondLst>
+                            <p:childTnLst>
+                              <p:par>
+                                <p:cTn id="5" presetID="1" presetClass="entr" presetSubtype="0" fill="hold" grpId="0" nodeType="clickEffect">
+                                  <p:stCondLst>
+                                    <p:cond delay="0"/>
+                                  </p:stCondLst>
+                                  <p:childTnLst>
+                                    <p:set>
+                                      <p:cBhvr>
+                                        <p:cTn id="6" dur="1" fill="hold">
+                                          <p:stCondLst>
+                                            <p:cond delay="0"/>
+                                          </p:stCondLst>
+                                        </p:cTn>
+                                        <p:tgtEl>
+                                          <p:spTgt spid="8"/>
+                                        </p:tgtEl>
+                                        <p:attrNameLst>
+                                          <p:attrName>style.visibility</p:attrName>
+                                        </p:attrNameLst>
+                                      </p:cBhvr>
+                                      <p:to>
+                                        <p:strVal val="visible"/>
+                                      </p:to>
+                                    </p:set>
+                                  </p:childTnLst>
+                                </p:cTn>
+                              </p:par>
+                            </p:childTnLst>
+                          </p:cTn>
+                        </p:par>
+                      </p:childTnLst>
+                    </p:cTn>
+                  </p:par>
+                </p:childTnLst>
+              </p:cTn>
+              <p:prevCondLst>
+                <p:cond evt="onPrev" delay="0">
+                  <p:tgtEl>
+                    <p:sldTgt/>
+                  </p:tgtEl>
+                </p:cond>
+              </p:prevCondLst>
+              <p:nextCondLst>
+                <p:cond evt="onNext" delay="0">
+                  <p:tgtEl>
+                    <p:sldTgt/>
+                  </p:tgtEl>
+                </p:cond>
+              </p:nextCondLst>
+            </p:seq>
+          </p:childTnLst>
+        </p:cTn>
       </p:par>
     </p:tnLst>
+    <p:bldLst>
+      <p:bldP spid="8" grpId="0" animBg="1"/>
+    </p:bldLst>
   </p:timing>
 </p:sld>
 </file>
@@ -23121,9 +23607,106 @@
           <a:p>
             <a:r>
               <a:rPr lang="de-DE" dirty="0" smtClean="0"/>
+              <a:t>Moving beyond the file system</a:t>
+            </a:r>
+            <a:endParaRPr lang="de-DE" dirty="0"/>
+          </a:p>
+        </p:txBody>
+      </p:sp>
+      <p:sp>
+        <p:nvSpPr>
+          <p:cNvPr id="3" name="Content Placeholder 2"/>
+          <p:cNvSpPr>
+            <a:spLocks noGrp="1"/>
+          </p:cNvSpPr>
+          <p:nvPr>
+            <p:ph idx="1"/>
+          </p:nvPr>
+        </p:nvSpPr>
+        <p:spPr>
+          <a:xfrm>
+            <a:off x="457200" y="1719263"/>
+            <a:ext cx="8686800" cy="4411662"/>
+          </a:xfrm>
+        </p:spPr>
+        <p:txBody>
+          <a:bodyPr/>
+          <a:lstStyle/>
+          <a:p>
+            <a:r>
+              <a:rPr lang="de-DE" dirty="0" smtClean="0"/>
+              <a:t>File system – 	tree of resource URIs</a:t>
+            </a:r>
+          </a:p>
+          <a:p>
+            <a:r>
+              <a:rPr lang="de-DE" dirty="0" smtClean="0"/>
+              <a:t>Other types of resource trees:</a:t>
+            </a:r>
+          </a:p>
+          <a:p>
+            <a:pPr lvl="1"/>
+            <a:r>
+              <a:rPr lang="de-DE" dirty="0" smtClean="0"/>
+              <a:t>Resource URIs exposed by a REST-ful web service</a:t>
+            </a:r>
+          </a:p>
+          <a:p>
+            <a:pPr lvl="1"/>
+            <a:r>
+              <a:rPr lang="de-DE" dirty="0" smtClean="0"/>
+              <a:t>URIs of documents stored in a NOSQL database</a:t>
+            </a:r>
+          </a:p>
+          <a:p>
+            <a:pPr lvl="1"/>
+            <a:r>
+              <a:rPr lang="de-DE" dirty="0" smtClean="0"/>
+              <a:t>URIs of resources managed by version control</a:t>
+            </a:r>
+          </a:p>
+          <a:p>
+            <a:pPr lvl="1"/>
+            <a:r>
+              <a:rPr lang="de-DE" dirty="0" smtClean="0"/>
+              <a:t>...</a:t>
+            </a:r>
+          </a:p>
+          <a:p>
+            <a:r>
+              <a:rPr lang="de-DE" dirty="0" smtClean="0">
+                <a:solidFill>
+                  <a:srgbClr val="C00000"/>
+                </a:solidFill>
+              </a:rPr>
               <a:t>Folder navigation</a:t>
             </a:r>
-            <a:endParaRPr lang="de-DE" dirty="0"/>
+            <a:r>
+              <a:rPr lang="de-DE" dirty="0" smtClean="0"/>
+              <a:t> defined by FOXpath –</a:t>
+            </a:r>
+          </a:p>
+          <a:p>
+            <a:pPr marL="0" indent="0">
+              <a:buNone/>
+            </a:pPr>
+            <a:r>
+              <a:rPr lang="de-DE" dirty="0"/>
+              <a:t>	</a:t>
+            </a:r>
+            <a:r>
+              <a:rPr lang="de-DE" i="1" dirty="0" smtClean="0">
+                <a:solidFill>
+                  <a:srgbClr val="C00000"/>
+                </a:solidFill>
+              </a:rPr>
+              <a:t>not restricted to the file system!</a:t>
+            </a:r>
+            <a:endParaRPr lang="de-DE" i="1" dirty="0">
+              <a:solidFill>
+                <a:srgbClr val="C00000"/>
+              </a:solidFill>
+            </a:endParaRPr>
           </a:p>
         </p:txBody>
       </p:sp>
@@ -23203,6 +23786,147 @@
                 <a:defRPr/>
               </a:pPr>
               <a:t>24</a:t>
+            </a:fld>
+            <a:endParaRPr lang="de-DE" altLang="en-US"/>
+          </a:p>
+        </p:txBody>
+      </p:sp>
+    </p:spTree>
+    <p:extLst>
+      <p:ext uri="{BB962C8B-B14F-4D97-AF65-F5344CB8AC3E}">
+        <p14:creationId xmlns:p14="http://schemas.microsoft.com/office/powerpoint/2010/main" val="1120944607"/>
+      </p:ext>
+    </p:extLst>
+  </p:cSld>
+  <p:clrMapOvr>
+    <a:masterClrMapping/>
+  </p:clrMapOvr>
+  <p:timing>
+    <p:tnLst>
+      <p:par>
+        <p:cTn id="1" dur="indefinite" restart="never" nodeType="tmRoot"/>
+      </p:par>
+    </p:tnLst>
+  </p:timing>
+</p:sld>
+</file>
+
+<file path=ppt/slides/slide25.xml><?xml version="1.0" encoding="utf-8"?>
+<p:sld xmlns:a="http://schemas.openxmlformats.org/drawingml/2006/main" xmlns:r="http://schemas.openxmlformats.org/officeDocument/2006/relationships" xmlns:p="http://schemas.openxmlformats.org/presentationml/2006/main">
+  <p:cSld>
+    <p:spTree>
+      <p:nvGrpSpPr>
+        <p:cNvPr id="1" name=""/>
+        <p:cNvGrpSpPr/>
+        <p:nvPr/>
+      </p:nvGrpSpPr>
+      <p:grpSpPr>
+        <a:xfrm>
+          <a:off x="0" y="0"/>
+          <a:ext cx="0" cy="0"/>
+          <a:chOff x="0" y="0"/>
+          <a:chExt cx="0" cy="0"/>
+        </a:xfrm>
+      </p:grpSpPr>
+      <p:sp>
+        <p:nvSpPr>
+          <p:cNvPr id="2" name="Title 1"/>
+          <p:cNvSpPr>
+            <a:spLocks noGrp="1"/>
+          </p:cNvSpPr>
+          <p:nvPr>
+            <p:ph type="title"/>
+          </p:nvPr>
+        </p:nvSpPr>
+        <p:spPr/>
+        <p:txBody>
+          <a:bodyPr/>
+          <a:lstStyle/>
+          <a:p>
+            <a:r>
+              <a:rPr lang="de-DE" dirty="0" smtClean="0"/>
+              <a:t>Folder navigation</a:t>
+            </a:r>
+            <a:endParaRPr lang="de-DE" dirty="0"/>
+          </a:p>
+        </p:txBody>
+      </p:sp>
+      <p:sp>
+        <p:nvSpPr>
+          <p:cNvPr id="4" name="Date Placeholder 3"/>
+          <p:cNvSpPr>
+            <a:spLocks noGrp="1"/>
+          </p:cNvSpPr>
+          <p:nvPr>
+            <p:ph type="dt" sz="half" idx="10"/>
+          </p:nvPr>
+        </p:nvSpPr>
+        <p:spPr/>
+        <p:txBody>
+          <a:bodyPr/>
+          <a:lstStyle/>
+          <a:p>
+            <a:pPr>
+              <a:defRPr/>
+            </a:pPr>
+            <a:r>
+              <a:rPr lang="de-DE" altLang="de-DE" smtClean="0"/>
+              <a:t>2016-08-03</a:t>
+            </a:r>
+            <a:endParaRPr lang="de-DE" altLang="en-US"/>
+          </a:p>
+        </p:txBody>
+      </p:sp>
+      <p:sp>
+        <p:nvSpPr>
+          <p:cNvPr id="5" name="Footer Placeholder 4"/>
+          <p:cNvSpPr>
+            <a:spLocks noGrp="1"/>
+          </p:cNvSpPr>
+          <p:nvPr>
+            <p:ph type="ftr" sz="quarter" idx="11"/>
+          </p:nvPr>
+        </p:nvSpPr>
+        <p:spPr/>
+        <p:txBody>
+          <a:bodyPr/>
+          <a:lstStyle/>
+          <a:p>
+            <a:pPr>
+              <a:defRPr/>
+            </a:pPr>
+            <a:r>
+              <a:rPr lang="de-DE" altLang="en-US" smtClean="0"/>
+              <a:t>FOXpath - an expression language</a:t>
+            </a:r>
+            <a:endParaRPr lang="de-DE" altLang="en-US"/>
+          </a:p>
+        </p:txBody>
+      </p:sp>
+      <p:sp>
+        <p:nvSpPr>
+          <p:cNvPr id="6" name="Slide Number Placeholder 5"/>
+          <p:cNvSpPr>
+            <a:spLocks noGrp="1"/>
+          </p:cNvSpPr>
+          <p:nvPr>
+            <p:ph type="sldNum" sz="quarter" idx="12"/>
+          </p:nvPr>
+        </p:nvSpPr>
+        <p:spPr/>
+        <p:txBody>
+          <a:bodyPr/>
+          <a:lstStyle/>
+          <a:p>
+            <a:pPr>
+              <a:defRPr/>
+            </a:pPr>
+            <a:fld id="{F031B2F4-27D1-4E53-97CF-1947CD75B185}" type="slidenum">
+              <a:rPr lang="de-DE" altLang="en-US" smtClean="0"/>
+              <a:pPr>
+                <a:defRPr/>
+              </a:pPr>
+              <a:t>25</a:t>
             </a:fld>
             <a:endParaRPr lang="de-DE" altLang="en-US"/>
           </a:p>
@@ -23331,7 +24055,7 @@
 </p:sld>
 </file>
 
-<file path=ppt/slides/slide25.xml><?xml version="1.0" encoding="utf-8"?>
+<file path=ppt/slides/slide26.xml><?xml version="1.0" encoding="utf-8"?>
 <p:sld xmlns:a="http://schemas.openxmlformats.org/drawingml/2006/main" xmlns:r="http://schemas.openxmlformats.org/officeDocument/2006/relationships" xmlns:p="http://schemas.openxmlformats.org/presentationml/2006/main">
   <p:cSld>
     <p:spTree>
@@ -23522,7 +24246,7 @@
               <a:pPr>
                 <a:defRPr/>
               </a:pPr>
-              <a:t>25</a:t>
+              <a:t>26</a:t>
             </a:fld>
             <a:endParaRPr lang="de-DE" altLang="en-US"/>
           </a:p>
@@ -24518,7 +25242,7 @@
 </p:sld>
 </file>
 
-<file path=ppt/slides/slide26.xml><?xml version="1.0" encoding="utf-8"?>
+<file path=ppt/slides/slide27.xml><?xml version="1.0" encoding="utf-8"?>
 <p:sld xmlns:a="http://schemas.openxmlformats.org/drawingml/2006/main" xmlns:r="http://schemas.openxmlformats.org/officeDocument/2006/relationships" xmlns:p="http://schemas.openxmlformats.org/presentationml/2006/main">
   <p:cSld>
     <p:spTree>
@@ -24905,7 +25629,7 @@
               <a:pPr>
                 <a:defRPr/>
               </a:pPr>
-              <a:t>26</a:t>
+              <a:t>27</a:t>
             </a:fld>
             <a:endParaRPr lang="de-DE" altLang="en-US" dirty="0"/>
           </a:p>
@@ -27389,248 +28113,6 @@
 </p:sld>
 </file>
 
-<file path=ppt/slides/slide27.xml><?xml version="1.0" encoding="utf-8"?>
-<p:sld xmlns:a="http://schemas.openxmlformats.org/drawingml/2006/main" xmlns:r="http://schemas.openxmlformats.org/officeDocument/2006/relationships" xmlns:p="http://schemas.openxmlformats.org/presentationml/2006/main">
-  <p:cSld>
-    <p:spTree>
-      <p:nvGrpSpPr>
-        <p:cNvPr id="1" name=""/>
-        <p:cNvGrpSpPr/>
-        <p:nvPr/>
-      </p:nvGrpSpPr>
-      <p:grpSpPr>
-        <a:xfrm>
-          <a:off x="0" y="0"/>
-          <a:ext cx="0" cy="0"/>
-          <a:chOff x="0" y="0"/>
-          <a:chExt cx="0" cy="0"/>
-        </a:xfrm>
-      </p:grpSpPr>
-      <p:sp>
-        <p:nvSpPr>
-          <p:cNvPr id="2" name="Title 1"/>
-          <p:cNvSpPr>
-            <a:spLocks noGrp="1"/>
-          </p:cNvSpPr>
-          <p:nvPr>
-            <p:ph type="title"/>
-          </p:nvPr>
-        </p:nvSpPr>
-        <p:spPr/>
-        <p:txBody>
-          <a:bodyPr/>
-          <a:lstStyle/>
-          <a:p>
-            <a:r>
-              <a:rPr lang="de-DE" dirty="0" smtClean="0"/>
-              <a:t>Formal integration</a:t>
-            </a:r>
-            <a:endParaRPr lang="de-DE" dirty="0"/>
-          </a:p>
-        </p:txBody>
-      </p:sp>
-      <p:sp>
-        <p:nvSpPr>
-          <p:cNvPr id="3" name="Content Placeholder 2"/>
-          <p:cNvSpPr>
-            <a:spLocks noGrp="1"/>
-          </p:cNvSpPr>
-          <p:nvPr>
-            <p:ph idx="1"/>
-          </p:nvPr>
-        </p:nvSpPr>
-        <p:spPr>
-          <a:xfrm>
-            <a:off x="457200" y="1719263"/>
-            <a:ext cx="8686800" cy="4411662"/>
-          </a:xfrm>
-        </p:spPr>
-        <p:txBody>
-          <a:bodyPr/>
-          <a:lstStyle/>
-          <a:p>
-            <a:pPr marL="0" indent="0">
-              <a:buNone/>
-            </a:pPr>
-            <a:r>
-              <a:rPr lang="de-DE" u="sng" dirty="0" smtClean="0"/>
-              <a:t>Problem</a:t>
-            </a:r>
-            <a:r>
-              <a:rPr lang="de-DE" dirty="0" smtClean="0"/>
-              <a:t>: set of navigation-supported resource tree types is implementation-defined!</a:t>
-            </a:r>
-          </a:p>
-          <a:p>
-            <a:pPr marL="0" indent="0">
-              <a:buNone/>
-            </a:pPr>
-            <a:endParaRPr lang="de-DE" dirty="0"/>
-          </a:p>
-          <a:p>
-            <a:pPr marL="0" indent="0">
-              <a:buNone/>
-            </a:pPr>
-            <a:r>
-              <a:rPr lang="de-DE" u="sng" dirty="0" smtClean="0"/>
-              <a:t>Solution</a:t>
-            </a:r>
-            <a:r>
-              <a:rPr lang="de-DE" dirty="0" smtClean="0"/>
-              <a:t>: New component of the </a:t>
-            </a:r>
-            <a:r>
-              <a:rPr lang="de-DE" dirty="0" smtClean="0">
-                <a:solidFill>
-                  <a:srgbClr val="C00000"/>
-                </a:solidFill>
-              </a:rPr>
-              <a:t>dynamic context</a:t>
-            </a:r>
-            <a:r>
-              <a:rPr lang="de-DE" dirty="0" smtClean="0"/>
-              <a:t>: </a:t>
-            </a:r>
-          </a:p>
-          <a:p>
-            <a:pPr marL="0" indent="0">
-              <a:buNone/>
-            </a:pPr>
-            <a:endParaRPr lang="de-DE" dirty="0"/>
-          </a:p>
-          <a:p>
-            <a:pPr marL="0" indent="0">
-              <a:buNone/>
-            </a:pPr>
-            <a:r>
-              <a:rPr lang="de-DE" i="1" dirty="0" smtClean="0"/>
-              <a:t>[Definition: </a:t>
-            </a:r>
-            <a:r>
-              <a:rPr lang="de-DE" b="1" i="1" dirty="0" smtClean="0"/>
-              <a:t>Available navigation primitives.</a:t>
-            </a:r>
-            <a:r>
-              <a:rPr lang="de-DE" i="1" dirty="0" smtClean="0"/>
-              <a:t> This is a mapping of strings to function items representing the three </a:t>
-            </a:r>
-            <a:r>
-              <a:rPr lang="de-DE" i="1" u="sng" dirty="0" smtClean="0">
-                <a:solidFill>
-                  <a:srgbClr val="0070C0"/>
-                </a:solidFill>
-              </a:rPr>
-              <a:t>navigation primitives</a:t>
-            </a:r>
-            <a:r>
-              <a:rPr lang="de-DE" i="1" dirty="0" smtClean="0"/>
-              <a:t>.]</a:t>
-            </a:r>
-            <a:endParaRPr lang="de-DE" i="1" dirty="0"/>
-          </a:p>
-        </p:txBody>
-      </p:sp>
-      <p:sp>
-        <p:nvSpPr>
-          <p:cNvPr id="4" name="Date Placeholder 3"/>
-          <p:cNvSpPr>
-            <a:spLocks noGrp="1"/>
-          </p:cNvSpPr>
-          <p:nvPr>
-            <p:ph type="dt" sz="half" idx="10"/>
-          </p:nvPr>
-        </p:nvSpPr>
-        <p:spPr/>
-        <p:txBody>
-          <a:bodyPr/>
-          <a:lstStyle/>
-          <a:p>
-            <a:pPr>
-              <a:defRPr/>
-            </a:pPr>
-            <a:r>
-              <a:rPr lang="de-DE" altLang="de-DE" smtClean="0"/>
-              <a:t>2016-08-03</a:t>
-            </a:r>
-            <a:endParaRPr lang="de-DE" altLang="en-US"/>
-          </a:p>
-        </p:txBody>
-      </p:sp>
-      <p:sp>
-        <p:nvSpPr>
-          <p:cNvPr id="5" name="Footer Placeholder 4"/>
-          <p:cNvSpPr>
-            <a:spLocks noGrp="1"/>
-          </p:cNvSpPr>
-          <p:nvPr>
-            <p:ph type="ftr" sz="quarter" idx="11"/>
-          </p:nvPr>
-        </p:nvSpPr>
-        <p:spPr/>
-        <p:txBody>
-          <a:bodyPr/>
-          <a:lstStyle/>
-          <a:p>
-            <a:pPr>
-              <a:defRPr/>
-            </a:pPr>
-            <a:r>
-              <a:rPr lang="de-DE" altLang="en-US" smtClean="0"/>
-              <a:t>FOXpath - an expression language</a:t>
-            </a:r>
-            <a:endParaRPr lang="de-DE" altLang="en-US"/>
-          </a:p>
-        </p:txBody>
-      </p:sp>
-      <p:sp>
-        <p:nvSpPr>
-          <p:cNvPr id="6" name="Slide Number Placeholder 5"/>
-          <p:cNvSpPr>
-            <a:spLocks noGrp="1"/>
-          </p:cNvSpPr>
-          <p:nvPr>
-            <p:ph type="sldNum" sz="quarter" idx="12"/>
-          </p:nvPr>
-        </p:nvSpPr>
-        <p:spPr/>
-        <p:txBody>
-          <a:bodyPr/>
-          <a:lstStyle/>
-          <a:p>
-            <a:pPr>
-              <a:defRPr/>
-            </a:pPr>
-            <a:fld id="{F031B2F4-27D1-4E53-97CF-1947CD75B185}" type="slidenum">
-              <a:rPr lang="de-DE" altLang="en-US" smtClean="0"/>
-              <a:pPr>
-                <a:defRPr/>
-              </a:pPr>
-              <a:t>27</a:t>
-            </a:fld>
-            <a:endParaRPr lang="de-DE" altLang="en-US"/>
-          </a:p>
-        </p:txBody>
-      </p:sp>
-    </p:spTree>
-    <p:extLst>
-      <p:ext uri="{BB962C8B-B14F-4D97-AF65-F5344CB8AC3E}">
-        <p14:creationId xmlns:p14="http://schemas.microsoft.com/office/powerpoint/2010/main" val="777285885"/>
-      </p:ext>
-    </p:extLst>
-  </p:cSld>
-  <p:clrMapOvr>
-    <a:masterClrMapping/>
-  </p:clrMapOvr>
-  <p:timing>
-    <p:tnLst>
-      <p:par>
-        <p:cTn id="1" dur="indefinite" restart="never" nodeType="tmRoot"/>
-      </p:par>
-    </p:tnLst>
-  </p:timing>
-</p:sld>
-</file>
-
 <file path=ppt/slides/slide28.xml><?xml version="1.0" encoding="utf-8"?>
 <p:sld xmlns:a="http://schemas.openxmlformats.org/drawingml/2006/main" xmlns:r="http://schemas.openxmlformats.org/officeDocument/2006/relationships" xmlns:p="http://schemas.openxmlformats.org/presentationml/2006/main">
   <p:cSld>
@@ -27664,31 +28146,10 @@
           <a:lstStyle/>
           <a:p>
             <a:r>
-              <a:rPr lang="de-DE" dirty="0" smtClean="0">
-                <a:latin typeface="Lucida Handwriting" panose="03010101010101010101" pitchFamily="66" charset="0"/>
-              </a:rPr>
-              <a:t>FOXpath – </a:t>
-            </a:r>
-            <a:br>
-              <a:rPr lang="de-DE" dirty="0" smtClean="0">
-                <a:latin typeface="Lucida Handwriting" panose="03010101010101010101" pitchFamily="66" charset="0"/>
-              </a:rPr>
-            </a:br>
-            <a:r>
-              <a:rPr lang="de-DE" dirty="0">
-                <a:latin typeface="Lucida Handwriting" panose="03010101010101010101" pitchFamily="66" charset="0"/>
-              </a:rPr>
-              <a:t>	</a:t>
-            </a:r>
-            <a:r>
-              <a:rPr lang="de-DE" dirty="0" smtClean="0">
-                <a:latin typeface="Lucida Handwriting" panose="03010101010101010101" pitchFamily="66" charset="0"/>
-              </a:rPr>
-              <a:t>	    an afterthought</a:t>
-            </a:r>
-            <a:endParaRPr lang="de-DE" dirty="0">
-              <a:latin typeface="Lucida Handwriting" panose="03010101010101010101" pitchFamily="66" charset="0"/>
-            </a:endParaRPr>
+              <a:rPr lang="de-DE" dirty="0" smtClean="0"/>
+              <a:t>Formal integration</a:t>
+            </a:r>
+            <a:endParaRPr lang="de-DE" dirty="0"/>
           </a:p>
         </p:txBody>
       </p:sp>
@@ -27702,7 +28163,12 @@
             <p:ph idx="1"/>
           </p:nvPr>
         </p:nvSpPr>
-        <p:spPr/>
+        <p:spPr>
+          <a:xfrm>
+            <a:off x="457200" y="1719263"/>
+            <a:ext cx="8686800" cy="4411662"/>
+          </a:xfrm>
+        </p:spPr>
         <p:txBody>
           <a:bodyPr/>
           <a:lstStyle/>
@@ -27710,9 +28176,81 @@
             <a:pPr marL="0" indent="0">
               <a:buNone/>
             </a:pPr>
-            <a:endParaRPr lang="de-DE" dirty="0">
-              <a:latin typeface="Lucida Handwriting" panose="03010101010101010101" pitchFamily="66" charset="0"/>
-            </a:endParaRPr>
+            <a:r>
+              <a:rPr lang="de-DE" u="sng" dirty="0" smtClean="0"/>
+              <a:t>Problem</a:t>
+            </a:r>
+            <a:r>
+              <a:rPr lang="de-DE" dirty="0" smtClean="0"/>
+              <a:t>: set of navigation-supported resource tree types is implementation-defined!</a:t>
+            </a:r>
+          </a:p>
+          <a:p>
+            <a:pPr marL="0" indent="0">
+              <a:buNone/>
+            </a:pPr>
+            <a:endParaRPr lang="de-DE" dirty="0"/>
+          </a:p>
+          <a:p>
+            <a:pPr marL="0" indent="0">
+              <a:buNone/>
+            </a:pPr>
+            <a:r>
+              <a:rPr lang="de-DE" u="sng" dirty="0" smtClean="0"/>
+              <a:t>Solution</a:t>
+            </a:r>
+            <a:r>
+              <a:rPr lang="de-DE" dirty="0" smtClean="0"/>
+              <a:t>: New component of the </a:t>
+            </a:r>
+            <a:r>
+              <a:rPr lang="de-DE" dirty="0" smtClean="0">
+                <a:solidFill>
+                  <a:srgbClr val="C00000"/>
+                </a:solidFill>
+              </a:rPr>
+              <a:t>dynamic context</a:t>
+            </a:r>
+            <a:r>
+              <a:rPr lang="de-DE" dirty="0" smtClean="0"/>
+              <a:t>: </a:t>
+            </a:r>
+          </a:p>
+          <a:p>
+            <a:pPr marL="0" indent="0">
+              <a:buNone/>
+            </a:pPr>
+            <a:endParaRPr lang="de-DE" dirty="0"/>
+          </a:p>
+          <a:p>
+            <a:pPr marL="0" indent="0">
+              <a:buNone/>
+            </a:pPr>
+            <a:r>
+              <a:rPr lang="de-DE" i="1" dirty="0" smtClean="0"/>
+              <a:t>[Definition: </a:t>
+            </a:r>
+            <a:r>
+              <a:rPr lang="de-DE" b="1" i="1" dirty="0" smtClean="0"/>
+              <a:t>Available navigation primitives.</a:t>
+            </a:r>
+            <a:r>
+              <a:rPr lang="de-DE" i="1" dirty="0" smtClean="0"/>
+              <a:t> This is a mapping of strings to function items representing the three </a:t>
+            </a:r>
+            <a:r>
+              <a:rPr lang="de-DE" i="1" u="sng" dirty="0" smtClean="0">
+                <a:solidFill>
+                  <a:srgbClr val="0070C0"/>
+                </a:solidFill>
+              </a:rPr>
+              <a:t>navigation primitives</a:t>
+            </a:r>
+            <a:r>
+              <a:rPr lang="de-DE" i="1" dirty="0" smtClean="0"/>
+              <a:t>.]</a:t>
+            </a:r>
+            <a:endParaRPr lang="de-DE" i="1" dirty="0"/>
           </a:p>
         </p:txBody>
       </p:sp>
@@ -27797,133 +28335,10 @@
           </a:p>
         </p:txBody>
       </p:sp>
-      <p:sp>
-        <p:nvSpPr>
-          <p:cNvPr id="9" name="TextBox 8"/>
-          <p:cNvSpPr txBox="1"/>
-          <p:nvPr/>
-        </p:nvSpPr>
-        <p:spPr>
-          <a:xfrm>
-            <a:off x="539552" y="2049810"/>
-            <a:ext cx="8387232" cy="3970318"/>
-          </a:xfrm>
-          <a:prstGeom prst="rect">
-            <a:avLst/>
-          </a:prstGeom>
-          <a:noFill/>
-        </p:spPr>
-        <p:txBody>
-          <a:bodyPr wrap="none" rtlCol="0">
-            <a:spAutoFit/>
-          </a:bodyPr>
-          <a:lstStyle/>
-          <a:p>
-            <a:r>
-              <a:rPr lang="de-DE" sz="2800" dirty="0" smtClean="0">
-                <a:latin typeface="Lucida Handwriting" panose="03010101010101010101" pitchFamily="66" charset="0"/>
-              </a:rPr>
-              <a:t>Nested forest:</a:t>
-            </a:r>
-          </a:p>
-          <a:p>
-            <a:r>
-              <a:rPr lang="de-DE" sz="2800" dirty="0">
-                <a:latin typeface="Lucida Handwriting" panose="03010101010101010101" pitchFamily="66" charset="0"/>
-              </a:rPr>
-              <a:t>	</a:t>
-            </a:r>
-            <a:r>
-              <a:rPr lang="de-DE" sz="2800" dirty="0" smtClean="0">
-                <a:latin typeface="Lucida Handwriting" panose="03010101010101010101" pitchFamily="66" charset="0"/>
-              </a:rPr>
-              <a:t>outer forest = resource trees</a:t>
-            </a:r>
-          </a:p>
-          <a:p>
-            <a:r>
-              <a:rPr lang="de-DE" sz="2800" dirty="0">
-                <a:latin typeface="Lucida Handwriting" panose="03010101010101010101" pitchFamily="66" charset="0"/>
-              </a:rPr>
-              <a:t>	</a:t>
-            </a:r>
-            <a:r>
-              <a:rPr lang="de-DE" sz="2800" dirty="0" smtClean="0">
-                <a:latin typeface="Lucida Handwriting" panose="03010101010101010101" pitchFamily="66" charset="0"/>
-              </a:rPr>
-              <a:t>inner forest = node trees </a:t>
-            </a:r>
-          </a:p>
-          <a:p>
-            <a:endParaRPr lang="de-DE" sz="2800" dirty="0">
-              <a:latin typeface="Lucida Handwriting" panose="03010101010101010101" pitchFamily="66" charset="0"/>
-            </a:endParaRPr>
-          </a:p>
-          <a:p>
-            <a:r>
-              <a:rPr lang="de-DE" sz="2800" dirty="0" smtClean="0">
-                <a:latin typeface="Lucida Handwriting" panose="03010101010101010101" pitchFamily="66" charset="0"/>
-              </a:rPr>
-              <a:t>Seamless navigation of  the nested forest</a:t>
-            </a:r>
-          </a:p>
-          <a:p>
-            <a:endParaRPr lang="de-DE" sz="2800" dirty="0">
-              <a:latin typeface="Lucida Handwriting" panose="03010101010101010101" pitchFamily="66" charset="0"/>
-            </a:endParaRPr>
-          </a:p>
-          <a:p>
-            <a:r>
-              <a:rPr lang="de-DE" sz="2800" dirty="0" smtClean="0">
-                <a:latin typeface="Lucida Handwriting" panose="03010101010101010101" pitchFamily="66" charset="0"/>
-              </a:rPr>
-              <a:t>Emerges: </a:t>
-            </a:r>
-          </a:p>
-          <a:p>
-            <a:r>
-              <a:rPr lang="de-DE" sz="2800" dirty="0">
-                <a:latin typeface="Lucida Handwriting" panose="03010101010101010101" pitchFamily="66" charset="0"/>
-              </a:rPr>
-              <a:t>	</a:t>
-            </a:r>
-            <a:r>
-              <a:rPr lang="de-DE" sz="2800" dirty="0" smtClean="0">
-                <a:latin typeface="Lucida Handwriting" panose="03010101010101010101" pitchFamily="66" charset="0"/>
-              </a:rPr>
-              <a:t>a continuous space of information</a:t>
-            </a:r>
-          </a:p>
-          <a:p>
-            <a:pPr lvl="1"/>
-            <a:r>
-              <a:rPr lang="de-DE" sz="2800" dirty="0" smtClean="0">
-                <a:latin typeface="Lucida Handwriting" panose="03010101010101010101" pitchFamily="66" charset="0"/>
-              </a:rPr>
-              <a:t>		(the </a:t>
-            </a:r>
-            <a:r>
-              <a:rPr lang="de-DE" sz="2800" dirty="0" smtClean="0">
-                <a:solidFill>
-                  <a:srgbClr val="FF0000"/>
-                </a:solidFill>
-                <a:latin typeface="Lucida Handwriting" panose="03010101010101010101" pitchFamily="66" charset="0"/>
-              </a:rPr>
-              <a:t>info space</a:t>
-            </a:r>
-            <a:r>
-              <a:rPr lang="de-DE" sz="2800" dirty="0" smtClean="0">
-                <a:latin typeface="Lucida Handwriting" panose="03010101010101010101" pitchFamily="66" charset="0"/>
-              </a:rPr>
-              <a:t>)</a:t>
-            </a:r>
-          </a:p>
-        </p:txBody>
-      </p:sp>
     </p:spTree>
     <p:extLst>
       <p:ext uri="{BB962C8B-B14F-4D97-AF65-F5344CB8AC3E}">
-        <p14:creationId xmlns:p14="http://schemas.microsoft.com/office/powerpoint/2010/main" val="3654255017"/>
+        <p14:creationId xmlns:p14="http://schemas.microsoft.com/office/powerpoint/2010/main" val="777285885"/>
       </p:ext>
     </p:extLst>
   </p:cSld>
@@ -27974,51 +28389,57 @@
           <a:p>
             <a:r>
               <a:rPr lang="de-DE" dirty="0" smtClean="0">
-                <a:solidFill>
-                  <a:srgbClr val="C00000"/>
-                </a:solidFill>
                 <a:latin typeface="Lucida Handwriting" panose="03010101010101010101" pitchFamily="66" charset="0"/>
               </a:rPr>
-              <a:t>Bye, bye!</a:t>
+              <a:t>FOXpath – </a:t>
+            </a:r>
+            <a:br>
+              <a:rPr lang="de-DE" dirty="0" smtClean="0">
+                <a:latin typeface="Lucida Handwriting" panose="03010101010101010101" pitchFamily="66" charset="0"/>
+              </a:rPr>
+            </a:br>
+            <a:r>
+              <a:rPr lang="de-DE" dirty="0">
+                <a:latin typeface="Lucida Handwriting" panose="03010101010101010101" pitchFamily="66" charset="0"/>
+              </a:rPr>
+              <a:t>	</a:t>
+            </a:r>
+            <a:r>
+              <a:rPr lang="de-DE" dirty="0" smtClean="0">
+                <a:latin typeface="Lucida Handwriting" panose="03010101010101010101" pitchFamily="66" charset="0"/>
+              </a:rPr>
+              <a:t>	    an afterthought</a:t>
             </a:r>
             <a:endParaRPr lang="de-DE" dirty="0">
-              <a:solidFill>
-                <a:srgbClr val="C00000"/>
-              </a:solidFill>
               <a:latin typeface="Lucida Handwriting" panose="03010101010101010101" pitchFamily="66" charset="0"/>
             </a:endParaRPr>
           </a:p>
         </p:txBody>
       </p:sp>
-      <p:pic>
-        <p:nvPicPr>
-          <p:cNvPr id="7" name="Content Placeholder 6"/>
-          <p:cNvPicPr>
-            <a:picLocks noGrp="1" noChangeAspect="1"/>
-          </p:cNvPicPr>
+      <p:sp>
+        <p:nvSpPr>
+          <p:cNvPr id="3" name="Content Placeholder 2"/>
+          <p:cNvSpPr>
+            <a:spLocks noGrp="1"/>
+          </p:cNvSpPr>
           <p:nvPr>
             <p:ph idx="1"/>
           </p:nvPr>
-        </p:nvPicPr>
-        <p:blipFill>
-          <a:blip r:embed="rId3">
-            <a:extLst>
-              <a:ext uri="{28A0092B-C50C-407E-A947-70E740481C1C}">
-                <a14:useLocalDpi xmlns:a14="http://schemas.microsoft.com/office/drawing/2010/main" val="0"/>
-              </a:ext>
-            </a:extLst>
-          </a:blip>
-          <a:stretch>
-            <a:fillRect/>
-          </a:stretch>
-        </p:blipFill>
-        <p:spPr>
-          <a:xfrm>
-            <a:off x="1630892" y="1719263"/>
-            <a:ext cx="5882216" cy="4411662"/>
-          </a:xfrm>
-        </p:spPr>
-      </p:pic>
+        </p:nvSpPr>
+        <p:spPr/>
+        <p:txBody>
+          <a:bodyPr/>
+          <a:lstStyle/>
+          <a:p>
+            <a:pPr marL="0" indent="0">
+              <a:buNone/>
+            </a:pPr>
+            <a:endParaRPr lang="de-DE" dirty="0">
+              <a:latin typeface="Lucida Handwriting" panose="03010101010101010101" pitchFamily="66" charset="0"/>
+            </a:endParaRPr>
+          </a:p>
+        </p:txBody>
+      </p:sp>
       <p:sp>
         <p:nvSpPr>
           <p:cNvPr id="4" name="Date Placeholder 3"/>
@@ -28100,10 +28521,133 @@
           </a:p>
         </p:txBody>
       </p:sp>
+      <p:sp>
+        <p:nvSpPr>
+          <p:cNvPr id="9" name="TextBox 8"/>
+          <p:cNvSpPr txBox="1"/>
+          <p:nvPr/>
+        </p:nvSpPr>
+        <p:spPr>
+          <a:xfrm>
+            <a:off x="539552" y="2049810"/>
+            <a:ext cx="8387232" cy="3970318"/>
+          </a:xfrm>
+          <a:prstGeom prst="rect">
+            <a:avLst/>
+          </a:prstGeom>
+          <a:noFill/>
+        </p:spPr>
+        <p:txBody>
+          <a:bodyPr wrap="none" rtlCol="0">
+            <a:spAutoFit/>
+          </a:bodyPr>
+          <a:lstStyle/>
+          <a:p>
+            <a:r>
+              <a:rPr lang="de-DE" sz="2800" dirty="0" smtClean="0">
+                <a:latin typeface="Lucida Handwriting" panose="03010101010101010101" pitchFamily="66" charset="0"/>
+              </a:rPr>
+              <a:t>Nested forest:</a:t>
+            </a:r>
+          </a:p>
+          <a:p>
+            <a:r>
+              <a:rPr lang="de-DE" sz="2800" dirty="0">
+                <a:latin typeface="Lucida Handwriting" panose="03010101010101010101" pitchFamily="66" charset="0"/>
+              </a:rPr>
+              <a:t>	</a:t>
+            </a:r>
+            <a:r>
+              <a:rPr lang="de-DE" sz="2800" dirty="0" smtClean="0">
+                <a:latin typeface="Lucida Handwriting" panose="03010101010101010101" pitchFamily="66" charset="0"/>
+              </a:rPr>
+              <a:t>outer forest = resource trees</a:t>
+            </a:r>
+          </a:p>
+          <a:p>
+            <a:r>
+              <a:rPr lang="de-DE" sz="2800" dirty="0">
+                <a:latin typeface="Lucida Handwriting" panose="03010101010101010101" pitchFamily="66" charset="0"/>
+              </a:rPr>
+              <a:t>	</a:t>
+            </a:r>
+            <a:r>
+              <a:rPr lang="de-DE" sz="2800" dirty="0" smtClean="0">
+                <a:latin typeface="Lucida Handwriting" panose="03010101010101010101" pitchFamily="66" charset="0"/>
+              </a:rPr>
+              <a:t>inner forest = node trees </a:t>
+            </a:r>
+          </a:p>
+          <a:p>
+            <a:endParaRPr lang="de-DE" sz="2800" dirty="0">
+              <a:latin typeface="Lucida Handwriting" panose="03010101010101010101" pitchFamily="66" charset="0"/>
+            </a:endParaRPr>
+          </a:p>
+          <a:p>
+            <a:r>
+              <a:rPr lang="de-DE" sz="2800" dirty="0" smtClean="0">
+                <a:latin typeface="Lucida Handwriting" panose="03010101010101010101" pitchFamily="66" charset="0"/>
+              </a:rPr>
+              <a:t>Seamless navigation of  the nested forest</a:t>
+            </a:r>
+          </a:p>
+          <a:p>
+            <a:endParaRPr lang="de-DE" sz="2800" dirty="0">
+              <a:latin typeface="Lucida Handwriting" panose="03010101010101010101" pitchFamily="66" charset="0"/>
+            </a:endParaRPr>
+          </a:p>
+          <a:p>
+            <a:r>
+              <a:rPr lang="de-DE" sz="2800" dirty="0" smtClean="0">
+                <a:latin typeface="Lucida Handwriting" panose="03010101010101010101" pitchFamily="66" charset="0"/>
+              </a:rPr>
+              <a:t>Emerges: </a:t>
+            </a:r>
+          </a:p>
+          <a:p>
+            <a:r>
+              <a:rPr lang="de-DE" sz="2800" dirty="0">
+                <a:latin typeface="Lucida Handwriting" panose="03010101010101010101" pitchFamily="66" charset="0"/>
+              </a:rPr>
+              <a:t>	</a:t>
+            </a:r>
+            <a:r>
+              <a:rPr lang="de-DE" sz="2800" dirty="0" smtClean="0">
+                <a:latin typeface="Lucida Handwriting" panose="03010101010101010101" pitchFamily="66" charset="0"/>
+              </a:rPr>
+              <a:t>a continuous space of information</a:t>
+            </a:r>
+          </a:p>
+          <a:p>
+            <a:pPr lvl="1"/>
+            <a:r>
+              <a:rPr lang="de-DE" sz="2800" dirty="0" smtClean="0">
+                <a:latin typeface="Lucida Handwriting" panose="03010101010101010101" pitchFamily="66" charset="0"/>
+              </a:rPr>
+              <a:t>		(the </a:t>
+            </a:r>
+            <a:r>
+              <a:rPr lang="de-DE" sz="2800" dirty="0" smtClean="0">
+                <a:solidFill>
+                  <a:srgbClr val="FF0000"/>
+                </a:solidFill>
+                <a:latin typeface="Lucida Handwriting" panose="03010101010101010101" pitchFamily="66" charset="0"/>
+              </a:rPr>
+              <a:t>info space</a:t>
+            </a:r>
+            <a:r>
+              <a:rPr lang="de-DE" sz="2800" dirty="0" smtClean="0">
+                <a:latin typeface="Lucida Handwriting" panose="03010101010101010101" pitchFamily="66" charset="0"/>
+              </a:rPr>
+              <a:t>)</a:t>
+            </a:r>
+          </a:p>
+        </p:txBody>
+      </p:sp>
     </p:spTree>
     <p:extLst>
       <p:ext uri="{BB962C8B-B14F-4D97-AF65-F5344CB8AC3E}">
-        <p14:creationId xmlns:p14="http://schemas.microsoft.com/office/powerpoint/2010/main" val="3260017759"/>
+        <p14:creationId xmlns:p14="http://schemas.microsoft.com/office/powerpoint/2010/main" val="3654255017"/>
       </p:ext>
     </p:extLst>
   </p:cSld>
@@ -29332,6 +29876,266 @@
       <p:bldP spid="17" grpId="0" animBg="1"/>
       <p:bldP spid="18" grpId="0" animBg="1"/>
       <p:bldP spid="19" grpId="0" animBg="1"/>
+    </p:bldLst>
+  </p:timing>
+</p:sld>
+</file>
+
+<file path=ppt/slides/slide30.xml><?xml version="1.0" encoding="utf-8"?>
+<p:sld xmlns:a="http://schemas.openxmlformats.org/drawingml/2006/main" xmlns:r="http://schemas.openxmlformats.org/officeDocument/2006/relationships" xmlns:p="http://schemas.openxmlformats.org/presentationml/2006/main">
+  <p:cSld>
+    <p:spTree>
+      <p:nvGrpSpPr>
+        <p:cNvPr id="1" name=""/>
+        <p:cNvGrpSpPr/>
+        <p:nvPr/>
+      </p:nvGrpSpPr>
+      <p:grpSpPr>
+        <a:xfrm>
+          <a:off x="0" y="0"/>
+          <a:ext cx="0" cy="0"/>
+          <a:chOff x="0" y="0"/>
+          <a:chExt cx="0" cy="0"/>
+        </a:xfrm>
+      </p:grpSpPr>
+      <p:sp>
+        <p:nvSpPr>
+          <p:cNvPr id="2" name="Title 1"/>
+          <p:cNvSpPr>
+            <a:spLocks noGrp="1"/>
+          </p:cNvSpPr>
+          <p:nvPr>
+            <p:ph type="title"/>
+          </p:nvPr>
+        </p:nvSpPr>
+        <p:spPr/>
+        <p:txBody>
+          <a:bodyPr/>
+          <a:lstStyle/>
+          <a:p>
+            <a:r>
+              <a:rPr lang="de-DE" dirty="0" smtClean="0">
+                <a:solidFill>
+                  <a:srgbClr val="C00000"/>
+                </a:solidFill>
+                <a:latin typeface="Lucida Handwriting" panose="03010101010101010101" pitchFamily="66" charset="0"/>
+              </a:rPr>
+              <a:t>The end! </a:t>
+            </a:r>
+            <a:r>
+              <a:rPr lang="de-DE" dirty="0" smtClean="0">
+                <a:solidFill>
+                  <a:srgbClr val="FF3300"/>
+                </a:solidFill>
+                <a:latin typeface="Lucida Handwriting" panose="03010101010101010101" pitchFamily="66" charset="0"/>
+              </a:rPr>
+              <a:t>(The end?)</a:t>
+            </a:r>
+            <a:endParaRPr lang="de-DE" dirty="0">
+              <a:solidFill>
+                <a:srgbClr val="FF3300"/>
+              </a:solidFill>
+              <a:latin typeface="Lucida Handwriting" panose="03010101010101010101" pitchFamily="66" charset="0"/>
+            </a:endParaRPr>
+          </a:p>
+        </p:txBody>
+      </p:sp>
+      <p:pic>
+        <p:nvPicPr>
+          <p:cNvPr id="7" name="Content Placeholder 6"/>
+          <p:cNvPicPr>
+            <a:picLocks noGrp="1" noChangeAspect="1"/>
+          </p:cNvPicPr>
+          <p:nvPr>
+            <p:ph idx="1"/>
+          </p:nvPr>
+        </p:nvPicPr>
+        <p:blipFill>
+          <a:blip r:embed="rId3">
+            <a:extLst>
+              <a:ext uri="{28A0092B-C50C-407E-A947-70E740481C1C}">
+                <a14:useLocalDpi xmlns:a14="http://schemas.microsoft.com/office/drawing/2010/main" val="0"/>
+              </a:ext>
+            </a:extLst>
+          </a:blip>
+          <a:stretch>
+            <a:fillRect/>
+          </a:stretch>
+        </p:blipFill>
+        <p:spPr>
+          <a:xfrm>
+            <a:off x="1630892" y="1719263"/>
+            <a:ext cx="5882216" cy="4411662"/>
+          </a:xfrm>
+        </p:spPr>
+      </p:pic>
+      <p:sp>
+        <p:nvSpPr>
+          <p:cNvPr id="4" name="Date Placeholder 3"/>
+          <p:cNvSpPr>
+            <a:spLocks noGrp="1"/>
+          </p:cNvSpPr>
+          <p:nvPr>
+            <p:ph type="dt" sz="half" idx="10"/>
+          </p:nvPr>
+        </p:nvSpPr>
+        <p:spPr/>
+        <p:txBody>
+          <a:bodyPr/>
+          <a:lstStyle/>
+          <a:p>
+            <a:pPr>
+              <a:defRPr/>
+            </a:pPr>
+            <a:r>
+              <a:rPr lang="de-DE" altLang="de-DE" smtClean="0"/>
+              <a:t>2016-08-03</a:t>
+            </a:r>
+            <a:endParaRPr lang="de-DE" altLang="en-US"/>
+          </a:p>
+        </p:txBody>
+      </p:sp>
+      <p:sp>
+        <p:nvSpPr>
+          <p:cNvPr id="5" name="Footer Placeholder 4"/>
+          <p:cNvSpPr>
+            <a:spLocks noGrp="1"/>
+          </p:cNvSpPr>
+          <p:nvPr>
+            <p:ph type="ftr" sz="quarter" idx="11"/>
+          </p:nvPr>
+        </p:nvSpPr>
+        <p:spPr/>
+        <p:txBody>
+          <a:bodyPr/>
+          <a:lstStyle/>
+          <a:p>
+            <a:pPr>
+              <a:defRPr/>
+            </a:pPr>
+            <a:r>
+              <a:rPr lang="de-DE" altLang="en-US" smtClean="0"/>
+              <a:t>FOXpath - an expression language</a:t>
+            </a:r>
+            <a:endParaRPr lang="de-DE" altLang="en-US"/>
+          </a:p>
+        </p:txBody>
+      </p:sp>
+      <p:sp>
+        <p:nvSpPr>
+          <p:cNvPr id="6" name="Slide Number Placeholder 5"/>
+          <p:cNvSpPr>
+            <a:spLocks noGrp="1"/>
+          </p:cNvSpPr>
+          <p:nvPr>
+            <p:ph type="sldNum" sz="quarter" idx="12"/>
+          </p:nvPr>
+        </p:nvSpPr>
+        <p:spPr/>
+        <p:txBody>
+          <a:bodyPr/>
+          <a:lstStyle/>
+          <a:p>
+            <a:pPr>
+              <a:defRPr/>
+            </a:pPr>
+            <a:fld id="{F031B2F4-27D1-4E53-97CF-1947CD75B185}" type="slidenum">
+              <a:rPr lang="de-DE" altLang="en-US" smtClean="0"/>
+              <a:pPr>
+                <a:defRPr/>
+              </a:pPr>
+              <a:t>30</a:t>
+            </a:fld>
+            <a:endParaRPr lang="de-DE" altLang="en-US"/>
+          </a:p>
+        </p:txBody>
+      </p:sp>
+    </p:spTree>
+    <p:extLst>
+      <p:ext uri="{BB962C8B-B14F-4D97-AF65-F5344CB8AC3E}">
+        <p14:creationId xmlns:p14="http://schemas.microsoft.com/office/powerpoint/2010/main" val="3260017759"/>
+      </p:ext>
+    </p:extLst>
+  </p:cSld>
+  <p:clrMapOvr>
+    <a:masterClrMapping/>
+  </p:clrMapOvr>
+  <p:timing>
+    <p:tnLst>
+      <p:par>
+        <p:cTn id="1" dur="indefinite" restart="never" nodeType="tmRoot">
+          <p:childTnLst>
+            <p:seq concurrent="1" nextAc="seek">
+              <p:cTn id="2" dur="indefinite" nodeType="mainSeq">
+                <p:childTnLst>
+                  <p:par>
+                    <p:cTn id="3" fill="hold">
+                      <p:stCondLst>
+                        <p:cond delay="indefinite"/>
+                      </p:stCondLst>
+                      <p:childTnLst>
+                        <p:par>
+                          <p:cTn id="4" fill="hold">
+                            <p:stCondLst>
+                              <p:cond delay="0"/>
+                            </p:stCondLst>
+                            <p:childTnLst>
+                              <p:par>
+                                <p:cTn id="5" presetID="1" presetClass="entr" presetSubtype="0" fill="hold" grpId="0" nodeType="clickEffect">
+                                  <p:stCondLst>
+                                    <p:cond delay="0"/>
+                                  </p:stCondLst>
+                                  <p:childTnLst>
+                                    <p:set>
+                                      <p:cBhvr>
+                                        <p:cTn id="6" dur="1" fill="hold">
+                                          <p:stCondLst>
+                                            <p:cond delay="0"/>
+                                          </p:stCondLst>
+                                        </p:cTn>
+                                        <p:tgtEl>
+                                          <p:spTgt spid="2"/>
+                                        </p:tgtEl>
+                                        <p:attrNameLst>
+                                          <p:attrName>style.visibility</p:attrName>
+                                        </p:attrNameLst>
+                                      </p:cBhvr>
+                                      <p:to>
+                                        <p:strVal val="visible"/>
+                                      </p:to>
+                                    </p:set>
+                                  </p:childTnLst>
+                                </p:cTn>
+                              </p:par>
+                            </p:childTnLst>
+                          </p:cTn>
+                        </p:par>
+                      </p:childTnLst>
+                    </p:cTn>
+                  </p:par>
+                </p:childTnLst>
+              </p:cTn>
+              <p:prevCondLst>
+                <p:cond evt="onPrev" delay="0">
+                  <p:tgtEl>
+                    <p:sldTgt/>
+                  </p:tgtEl>
+                </p:cond>
+              </p:prevCondLst>
+              <p:nextCondLst>
+                <p:cond evt="onNext" delay="0">
+                  <p:tgtEl>
+                    <p:sldTgt/>
+                  </p:tgtEl>
+                </p:cond>
+              </p:nextCondLst>
+            </p:seq>
+          </p:childTnLst>
+        </p:cTn>
+      </p:par>
+    </p:tnLst>
+    <p:bldLst>
+      <p:bldP spid="2" grpId="0"/>
     </p:bldLst>
   </p:timing>
 </p:sld>
